--- a/Sliced Optimal Partial Transport/OPT_Yikun.pptx
+++ b/Sliced Optimal Partial Transport/OPT_Yikun.pptx
@@ -21,6 +21,11 @@
     <p:sldId id="269" r:id="rId15"/>
     <p:sldId id="270" r:id="rId16"/>
     <p:sldId id="271" r:id="rId17"/>
+    <p:sldId id="272" r:id="rId18"/>
+    <p:sldId id="273" r:id="rId19"/>
+    <p:sldId id="274" r:id="rId20"/>
+    <p:sldId id="275" r:id="rId21"/>
+    <p:sldId id="276" r:id="rId22"/>
   </p:sldIdLst>
   <p:sldSz cx="12192000" cy="6858000"/>
   <p:notesSz cx="6858000" cy="9144000"/>
@@ -3391,7 +3396,16 @@
           <a:bodyPr/>
           <a:lstStyle/>
           <a:p>
-            <a:endParaRPr lang="en-US"/>
+            <a:r>
+              <a:rPr lang="en-US" dirty="0"/>
+              <a:t>Yikun Bai &amp; Dr. Soheil Kolouri</a:t>
+            </a:r>
+          </a:p>
+          <a:p>
+            <a:r>
+              <a:rPr lang="en-US" dirty="0"/>
+              <a:t>Vanderbilt University</a:t>
+            </a:r>
           </a:p>
         </p:txBody>
       </p:sp>
@@ -3460,8 +3474,8 @@
           </a:p>
         </p:txBody>
       </p:sp>
-      <mc:AlternateContent xmlns:mc="http://schemas.openxmlformats.org/markup-compatibility/2006">
-        <mc:Choice xmlns:a14="http://schemas.microsoft.com/office/drawing/2010/main" Requires="a14">
+      <mc:AlternateContent xmlns:mc="http://schemas.openxmlformats.org/markup-compatibility/2006" xmlns:a14="http://schemas.microsoft.com/office/drawing/2010/main">
+        <mc:Choice Requires="a14">
           <p:sp>
             <p:nvSpPr>
               <p:cNvPr id="3" name="Content Placeholder 2">
@@ -4597,7 +4611,7 @@
             </p:txBody>
           </p:sp>
         </mc:Choice>
-        <mc:Fallback>
+        <mc:Fallback xmlns="">
           <p:sp>
             <p:nvSpPr>
               <p:cNvPr id="3" name="Content Placeholder 2">
@@ -4706,8 +4720,8 @@
           </a:p>
         </p:txBody>
       </p:sp>
-      <mc:AlternateContent xmlns:mc="http://schemas.openxmlformats.org/markup-compatibility/2006">
-        <mc:Choice xmlns:a14="http://schemas.microsoft.com/office/drawing/2010/main" Requires="a14">
+      <mc:AlternateContent xmlns:mc="http://schemas.openxmlformats.org/markup-compatibility/2006" xmlns:a14="http://schemas.microsoft.com/office/drawing/2010/main">
+        <mc:Choice Requires="a14">
           <p:sp>
             <p:nvSpPr>
               <p:cNvPr id="3" name="Content Placeholder 2">
@@ -5491,7 +5505,7 @@
             </p:txBody>
           </p:sp>
         </mc:Choice>
-        <mc:Fallback>
+        <mc:Fallback xmlns="">
           <p:sp>
             <p:nvSpPr>
               <p:cNvPr id="3" name="Content Placeholder 2">
@@ -5598,8 +5612,8 @@
           </a:p>
         </p:txBody>
       </p:sp>
-      <mc:AlternateContent xmlns:mc="http://schemas.openxmlformats.org/markup-compatibility/2006">
-        <mc:Choice xmlns:a14="http://schemas.microsoft.com/office/drawing/2010/main" Requires="a14">
+      <mc:AlternateContent xmlns:mc="http://schemas.openxmlformats.org/markup-compatibility/2006" xmlns:a14="http://schemas.microsoft.com/office/drawing/2010/main">
+        <mc:Choice Requires="a14">
           <p:sp>
             <p:nvSpPr>
               <p:cNvPr id="3" name="Content Placeholder 2">
@@ -6448,7 +6462,7 @@
             </p:txBody>
           </p:sp>
         </mc:Choice>
-        <mc:Fallback>
+        <mc:Fallback xmlns="">
           <p:sp>
             <p:nvSpPr>
               <p:cNvPr id="3" name="Content Placeholder 2">
@@ -6555,8 +6569,8 @@
           </a:p>
         </p:txBody>
       </p:sp>
-      <mc:AlternateContent xmlns:mc="http://schemas.openxmlformats.org/markup-compatibility/2006">
-        <mc:Choice xmlns:a14="http://schemas.microsoft.com/office/drawing/2010/main" Requires="a14">
+      <mc:AlternateContent xmlns:mc="http://schemas.openxmlformats.org/markup-compatibility/2006" xmlns:a14="http://schemas.microsoft.com/office/drawing/2010/main">
+        <mc:Choice Requires="a14">
           <p:sp>
             <p:nvSpPr>
               <p:cNvPr id="3" name="Content Placeholder 2">
@@ -7182,7 +7196,7 @@
             </p:txBody>
           </p:sp>
         </mc:Choice>
-        <mc:Fallback>
+        <mc:Fallback xmlns="">
           <p:sp>
             <p:nvSpPr>
               <p:cNvPr id="3" name="Content Placeholder 2">
@@ -7291,8 +7305,8 @@
           </a:p>
         </p:txBody>
       </p:sp>
-      <mc:AlternateContent xmlns:mc="http://schemas.openxmlformats.org/markup-compatibility/2006">
-        <mc:Choice xmlns:a14="http://schemas.microsoft.com/office/drawing/2010/main" Requires="a14">
+      <mc:AlternateContent xmlns:mc="http://schemas.openxmlformats.org/markup-compatibility/2006" xmlns:a14="http://schemas.microsoft.com/office/drawing/2010/main">
+        <mc:Choice Requires="a14">
           <p:sp>
             <p:nvSpPr>
               <p:cNvPr id="3" name="Content Placeholder 2">
@@ -8307,7 +8321,7 @@
             </p:txBody>
           </p:sp>
         </mc:Choice>
-        <mc:Fallback>
+        <mc:Fallback xmlns="">
           <p:sp>
             <p:nvSpPr>
               <p:cNvPr id="3" name="Content Placeholder 2">
@@ -8414,8 +8428,8 @@
           </a:p>
         </p:txBody>
       </p:sp>
-      <mc:AlternateContent xmlns:mc="http://schemas.openxmlformats.org/markup-compatibility/2006">
-        <mc:Choice xmlns:a14="http://schemas.microsoft.com/office/drawing/2010/main" Requires="a14">
+      <mc:AlternateContent xmlns:mc="http://schemas.openxmlformats.org/markup-compatibility/2006" xmlns:a14="http://schemas.microsoft.com/office/drawing/2010/main">
+        <mc:Choice Requires="a14">
           <p:sp>
             <p:nvSpPr>
               <p:cNvPr id="3" name="Content Placeholder 2">
@@ -9325,7 +9339,7 @@
             </p:txBody>
           </p:sp>
         </mc:Choice>
-        <mc:Fallback>
+        <mc:Fallback xmlns="">
           <p:sp>
             <p:nvSpPr>
               <p:cNvPr id="3" name="Content Placeholder 2">
@@ -9432,8 +9446,8 @@
           </a:p>
         </p:txBody>
       </p:sp>
-      <mc:AlternateContent xmlns:mc="http://schemas.openxmlformats.org/markup-compatibility/2006">
-        <mc:Choice xmlns:a14="http://schemas.microsoft.com/office/drawing/2010/main" Requires="a14">
+      <mc:AlternateContent xmlns:mc="http://schemas.openxmlformats.org/markup-compatibility/2006" xmlns:a14="http://schemas.microsoft.com/office/drawing/2010/main">
+        <mc:Choice Requires="a14">
           <p:sp>
             <p:nvSpPr>
               <p:cNvPr id="3" name="Content Placeholder 2">
@@ -9457,12 +9471,14 @@
               </a:xfrm>
             </p:spPr>
             <p:txBody>
-              <a:bodyPr/>
+              <a:bodyPr>
+                <a:normAutofit fontScale="85000" lnSpcReduction="20000"/>
+              </a:bodyPr>
               <a:lstStyle/>
               <a:p>
                 <a:r>
                   <a:rPr lang="en-US" dirty="0"/>
-                  <a:t>A trivial relation from interpretation:</a:t>
+                  <a:t>A trivial relation:</a:t>
                 </a:r>
                 <a:br>
                   <a:rPr lang="en-US" dirty="0"/>
@@ -9757,11 +9773,1468 @@
                   </m:oMath>
                 </a14:m>
                 <a:r>
-                  <a:rPr lang="en-US"/>
+                  <a:rPr lang="en-US" dirty="0"/>
                   <a:t>. </a:t>
                 </a:r>
               </a:p>
               <a:p>
+                <a:r>
+                  <a:rPr lang="en-US" dirty="0"/>
+                  <a:t>:</a:t>
+                </a:r>
+              </a:p>
+              <a:p>
+                <a:pPr marL="0" indent="0">
+                  <a:buNone/>
+                </a:pPr>
+                <a:r>
+                  <a:rPr lang="en-US" dirty="0"/>
+                  <a:t>Attach an isolated point </a:t>
+                </a:r>
+                <a14:m>
+                  <m:oMath xmlns:m="http://schemas.openxmlformats.org/officeDocument/2006/math">
+                    <m:acc>
+                      <m:accPr>
+                        <m:chr m:val="̂"/>
+                        <m:ctrlPr>
+                          <a:rPr lang="en-US" b="0" i="1" smtClean="0">
+                            <a:latin typeface="Cambria Math" panose="02040503050406030204" pitchFamily="18" charset="0"/>
+                          </a:rPr>
+                        </m:ctrlPr>
+                      </m:accPr>
+                      <m:e>
+                        <m:r>
+                          <a:rPr lang="en-US" i="1">
+                            <a:latin typeface="Cambria Math" panose="02040503050406030204" pitchFamily="18" charset="0"/>
+                          </a:rPr>
+                          <m:t>∞</m:t>
+                        </m:r>
+                      </m:e>
+                    </m:acc>
+                  </m:oMath>
+                </a14:m>
+                <a:r>
+                  <a:rPr lang="en-US" dirty="0"/>
+                  <a:t> to </a:t>
+                </a:r>
+                <a14:m>
+                  <m:oMath xmlns:m="http://schemas.openxmlformats.org/officeDocument/2006/math">
+                    <m:sSup>
+                      <m:sSupPr>
+                        <m:ctrlPr>
+                          <a:rPr lang="en-US" b="0" i="1" smtClean="0">
+                            <a:latin typeface="Cambria Math" panose="02040503050406030204" pitchFamily="18" charset="0"/>
+                          </a:rPr>
+                        </m:ctrlPr>
+                      </m:sSupPr>
+                      <m:e>
+                        <m:r>
+                          <a:rPr lang="en-US" b="0" i="1" smtClean="0">
+                            <a:latin typeface="Cambria Math" panose="02040503050406030204" pitchFamily="18" charset="0"/>
+                          </a:rPr>
+                          <m:t>ℝ</m:t>
+                        </m:r>
+                      </m:e>
+                      <m:sup>
+                        <m:r>
+                          <a:rPr lang="en-US" b="0" i="1" smtClean="0">
+                            <a:latin typeface="Cambria Math" panose="02040503050406030204" pitchFamily="18" charset="0"/>
+                          </a:rPr>
+                          <m:t>𝑑</m:t>
+                        </m:r>
+                      </m:sup>
+                    </m:sSup>
+                  </m:oMath>
+                </a14:m>
+                <a:r>
+                  <a:rPr lang="en-US" dirty="0"/>
+                  <a:t> and define extended cost function </a:t>
+                </a:r>
+                <a:br>
+                  <a:rPr lang="en-US" dirty="0"/>
+                </a:br>
+                <a:r>
+                  <a:rPr lang="en-US" dirty="0"/>
+                  <a:t> </a:t>
+                </a:r>
+                <a14:m>
+                  <m:oMath xmlns:m="http://schemas.openxmlformats.org/officeDocument/2006/math">
+                    <m:acc>
+                      <m:accPr>
+                        <m:chr m:val="̂"/>
+                        <m:ctrlPr>
+                          <a:rPr lang="en-US" b="0" i="1" smtClean="0">
+                            <a:latin typeface="Cambria Math" panose="02040503050406030204" pitchFamily="18" charset="0"/>
+                          </a:rPr>
+                        </m:ctrlPr>
+                      </m:accPr>
+                      <m:e>
+                        <m:r>
+                          <a:rPr lang="en-US" b="0" i="1" smtClean="0">
+                            <a:latin typeface="Cambria Math" panose="02040503050406030204" pitchFamily="18" charset="0"/>
+                          </a:rPr>
+                          <m:t>𝑐</m:t>
+                        </m:r>
+                      </m:e>
+                    </m:acc>
+                    <m:d>
+                      <m:dPr>
+                        <m:ctrlPr>
+                          <a:rPr lang="en-US" b="0" i="1" dirty="0" smtClean="0">
+                            <a:latin typeface="Cambria Math" panose="02040503050406030204" pitchFamily="18" charset="0"/>
+                          </a:rPr>
+                        </m:ctrlPr>
+                      </m:dPr>
+                      <m:e>
+                        <m:r>
+                          <a:rPr lang="en-US" b="0" i="1" dirty="0" smtClean="0">
+                            <a:latin typeface="Cambria Math" panose="02040503050406030204" pitchFamily="18" charset="0"/>
+                          </a:rPr>
+                          <m:t>𝑥</m:t>
+                        </m:r>
+                        <m:r>
+                          <a:rPr lang="en-US" b="0" i="1" dirty="0" smtClean="0">
+                            <a:latin typeface="Cambria Math" panose="02040503050406030204" pitchFamily="18" charset="0"/>
+                          </a:rPr>
+                          <m:t>,</m:t>
+                        </m:r>
+                        <m:r>
+                          <a:rPr lang="en-US" b="0" i="1" dirty="0" smtClean="0">
+                            <a:latin typeface="Cambria Math" panose="02040503050406030204" pitchFamily="18" charset="0"/>
+                          </a:rPr>
+                          <m:t>𝑦</m:t>
+                        </m:r>
+                      </m:e>
+                    </m:d>
+                    <m:r>
+                      <a:rPr lang="en-US" b="0" i="1" dirty="0" smtClean="0">
+                        <a:latin typeface="Cambria Math" panose="02040503050406030204" pitchFamily="18" charset="0"/>
+                      </a:rPr>
+                      <m:t>=</m:t>
+                    </m:r>
+                    <m:r>
+                      <a:rPr lang="en-US" b="0" i="1" dirty="0" smtClean="0">
+                        <a:latin typeface="Cambria Math" panose="02040503050406030204" pitchFamily="18" charset="0"/>
+                      </a:rPr>
+                      <m:t>𝑐</m:t>
+                    </m:r>
+                    <m:d>
+                      <m:dPr>
+                        <m:ctrlPr>
+                          <a:rPr lang="en-US" b="0" i="1" dirty="0" smtClean="0">
+                            <a:latin typeface="Cambria Math" panose="02040503050406030204" pitchFamily="18" charset="0"/>
+                          </a:rPr>
+                        </m:ctrlPr>
+                      </m:dPr>
+                      <m:e>
+                        <m:r>
+                          <a:rPr lang="en-US" b="0" i="1" dirty="0" smtClean="0">
+                            <a:latin typeface="Cambria Math" panose="02040503050406030204" pitchFamily="18" charset="0"/>
+                          </a:rPr>
+                          <m:t>𝑥</m:t>
+                        </m:r>
+                        <m:r>
+                          <a:rPr lang="en-US" b="0" i="1" dirty="0" smtClean="0">
+                            <a:latin typeface="Cambria Math" panose="02040503050406030204" pitchFamily="18" charset="0"/>
+                          </a:rPr>
+                          <m:t>,</m:t>
+                        </m:r>
+                        <m:r>
+                          <a:rPr lang="en-US" b="0" i="1" dirty="0" smtClean="0">
+                            <a:latin typeface="Cambria Math" panose="02040503050406030204" pitchFamily="18" charset="0"/>
+                          </a:rPr>
+                          <m:t>𝑦</m:t>
+                        </m:r>
+                      </m:e>
+                    </m:d>
+                    <m:r>
+                      <a:rPr lang="en-US" b="0" i="1" dirty="0" smtClean="0">
+                        <a:latin typeface="Cambria Math" panose="02040503050406030204" pitchFamily="18" charset="0"/>
+                      </a:rPr>
+                      <m:t>−2</m:t>
+                    </m:r>
+                    <m:r>
+                      <a:rPr lang="en-US" b="0" i="1" dirty="0" smtClean="0">
+                        <a:latin typeface="Cambria Math" panose="02040503050406030204" pitchFamily="18" charset="0"/>
+                      </a:rPr>
+                      <m:t>𝜆</m:t>
+                    </m:r>
+                  </m:oMath>
+                </a14:m>
+                <a:r>
+                  <a:rPr lang="en-US" dirty="0"/>
+                  <a:t> and extended measures: </a:t>
+                </a:r>
+                <a:br>
+                  <a:rPr lang="en-US" dirty="0"/>
+                </a:br>
+                <a:r>
+                  <a:rPr lang="en-US" dirty="0"/>
+                  <a:t> </a:t>
+                </a:r>
+                <a14:m>
+                  <m:oMath xmlns:m="http://schemas.openxmlformats.org/officeDocument/2006/math">
+                    <m:acc>
+                      <m:accPr>
+                        <m:chr m:val="̂"/>
+                        <m:ctrlPr>
+                          <a:rPr lang="en-US" b="0" i="1" smtClean="0">
+                            <a:latin typeface="Cambria Math" panose="02040503050406030204" pitchFamily="18" charset="0"/>
+                          </a:rPr>
+                        </m:ctrlPr>
+                      </m:accPr>
+                      <m:e>
+                        <m:r>
+                          <a:rPr lang="en-US" b="0" i="1" smtClean="0">
+                            <a:latin typeface="Cambria Math" panose="02040503050406030204" pitchFamily="18" charset="0"/>
+                          </a:rPr>
+                          <m:t>𝜇</m:t>
+                        </m:r>
+                      </m:e>
+                    </m:acc>
+                    <m:r>
+                      <a:rPr lang="en-US" b="0" i="1" dirty="0" smtClean="0">
+                        <a:latin typeface="Cambria Math" panose="02040503050406030204" pitchFamily="18" charset="0"/>
+                      </a:rPr>
+                      <m:t>≔</m:t>
+                    </m:r>
+                    <m:r>
+                      <a:rPr lang="en-US" b="0" i="1" dirty="0" smtClean="0">
+                        <a:latin typeface="Cambria Math" panose="02040503050406030204" pitchFamily="18" charset="0"/>
+                      </a:rPr>
+                      <m:t>𝜇</m:t>
+                    </m:r>
+                    <m:r>
+                      <a:rPr lang="en-US" b="0" i="1" dirty="0" smtClean="0">
+                        <a:latin typeface="Cambria Math" panose="02040503050406030204" pitchFamily="18" charset="0"/>
+                      </a:rPr>
+                      <m:t>+</m:t>
+                    </m:r>
+                    <m:d>
+                      <m:dPr>
+                        <m:begChr m:val="‖"/>
+                        <m:endChr m:val="‖"/>
+                        <m:ctrlPr>
+                          <a:rPr lang="en-US" b="0" i="1" dirty="0" smtClean="0">
+                            <a:latin typeface="Cambria Math" panose="02040503050406030204" pitchFamily="18" charset="0"/>
+                          </a:rPr>
+                        </m:ctrlPr>
+                      </m:dPr>
+                      <m:e>
+                        <m:r>
+                          <a:rPr lang="en-US" b="0" i="1" dirty="0" smtClean="0">
+                            <a:latin typeface="Cambria Math" panose="02040503050406030204" pitchFamily="18" charset="0"/>
+                          </a:rPr>
+                          <m:t>𝜇</m:t>
+                        </m:r>
+                      </m:e>
+                    </m:d>
+                    <m:sSub>
+                      <m:sSubPr>
+                        <m:ctrlPr>
+                          <a:rPr lang="en-US" b="0" i="1" dirty="0" smtClean="0">
+                            <a:latin typeface="Cambria Math" panose="02040503050406030204" pitchFamily="18" charset="0"/>
+                          </a:rPr>
+                        </m:ctrlPr>
+                      </m:sSubPr>
+                      <m:e>
+                        <m:r>
+                          <a:rPr lang="en-US" b="0" i="1" dirty="0" smtClean="0">
+                            <a:latin typeface="Cambria Math" panose="02040503050406030204" pitchFamily="18" charset="0"/>
+                          </a:rPr>
+                          <m:t>𝛿</m:t>
+                        </m:r>
+                      </m:e>
+                      <m:sub>
+                        <m:acc>
+                          <m:accPr>
+                            <m:chr m:val="̂"/>
+                            <m:ctrlPr>
+                              <a:rPr lang="en-US" b="0" i="1" dirty="0" smtClean="0">
+                                <a:latin typeface="Cambria Math" panose="02040503050406030204" pitchFamily="18" charset="0"/>
+                              </a:rPr>
+                            </m:ctrlPr>
+                          </m:accPr>
+                          <m:e>
+                            <m:r>
+                              <a:rPr lang="en-US" b="0" i="1" dirty="0" smtClean="0">
+                                <a:latin typeface="Cambria Math" panose="02040503050406030204" pitchFamily="18" charset="0"/>
+                              </a:rPr>
+                              <m:t>∞</m:t>
+                            </m:r>
+                          </m:e>
+                        </m:acc>
+                      </m:sub>
+                    </m:sSub>
+                    <m:r>
+                      <a:rPr lang="en-US" b="0" i="1" dirty="0" smtClean="0">
+                        <a:latin typeface="Cambria Math" panose="02040503050406030204" pitchFamily="18" charset="0"/>
+                      </a:rPr>
+                      <m:t>,</m:t>
+                    </m:r>
+                    <m:acc>
+                      <m:accPr>
+                        <m:chr m:val="̂"/>
+                        <m:ctrlPr>
+                          <a:rPr lang="en-US" i="1">
+                            <a:latin typeface="Cambria Math" panose="02040503050406030204" pitchFamily="18" charset="0"/>
+                          </a:rPr>
+                        </m:ctrlPr>
+                      </m:accPr>
+                      <m:e>
+                        <m:r>
+                          <a:rPr lang="en-US" b="0" i="1" smtClean="0">
+                            <a:latin typeface="Cambria Math" panose="02040503050406030204" pitchFamily="18" charset="0"/>
+                          </a:rPr>
+                          <m:t>𝜈</m:t>
+                        </m:r>
+                      </m:e>
+                    </m:acc>
+                    <m:r>
+                      <a:rPr lang="en-US" i="1" dirty="0">
+                        <a:latin typeface="Cambria Math" panose="02040503050406030204" pitchFamily="18" charset="0"/>
+                      </a:rPr>
+                      <m:t>≔</m:t>
+                    </m:r>
+                    <m:r>
+                      <a:rPr lang="en-US" b="0" i="1" dirty="0" smtClean="0">
+                        <a:latin typeface="Cambria Math" panose="02040503050406030204" pitchFamily="18" charset="0"/>
+                      </a:rPr>
+                      <m:t>𝜈</m:t>
+                    </m:r>
+                    <m:r>
+                      <a:rPr lang="en-US" i="1" dirty="0">
+                        <a:latin typeface="Cambria Math" panose="02040503050406030204" pitchFamily="18" charset="0"/>
+                      </a:rPr>
+                      <m:t>+</m:t>
+                    </m:r>
+                    <m:d>
+                      <m:dPr>
+                        <m:begChr m:val="‖"/>
+                        <m:endChr m:val="‖"/>
+                        <m:ctrlPr>
+                          <a:rPr lang="en-US" i="1" dirty="0">
+                            <a:latin typeface="Cambria Math" panose="02040503050406030204" pitchFamily="18" charset="0"/>
+                          </a:rPr>
+                        </m:ctrlPr>
+                      </m:dPr>
+                      <m:e>
+                        <m:r>
+                          <a:rPr lang="en-US" b="0" i="1" dirty="0" smtClean="0">
+                            <a:latin typeface="Cambria Math" panose="02040503050406030204" pitchFamily="18" charset="0"/>
+                          </a:rPr>
+                          <m:t>𝜈</m:t>
+                        </m:r>
+                      </m:e>
+                    </m:d>
+                    <m:sSub>
+                      <m:sSubPr>
+                        <m:ctrlPr>
+                          <a:rPr lang="en-US" i="1" dirty="0">
+                            <a:latin typeface="Cambria Math" panose="02040503050406030204" pitchFamily="18" charset="0"/>
+                          </a:rPr>
+                        </m:ctrlPr>
+                      </m:sSubPr>
+                      <m:e>
+                        <m:r>
+                          <a:rPr lang="en-US" i="1" dirty="0">
+                            <a:latin typeface="Cambria Math" panose="02040503050406030204" pitchFamily="18" charset="0"/>
+                          </a:rPr>
+                          <m:t>𝛿</m:t>
+                        </m:r>
+                      </m:e>
+                      <m:sub>
+                        <m:acc>
+                          <m:accPr>
+                            <m:chr m:val="̂"/>
+                            <m:ctrlPr>
+                              <a:rPr lang="en-US" i="1" dirty="0">
+                                <a:latin typeface="Cambria Math" panose="02040503050406030204" pitchFamily="18" charset="0"/>
+                              </a:rPr>
+                            </m:ctrlPr>
+                          </m:accPr>
+                          <m:e>
+                            <m:r>
+                              <a:rPr lang="en-US" i="1" dirty="0">
+                                <a:latin typeface="Cambria Math" panose="02040503050406030204" pitchFamily="18" charset="0"/>
+                              </a:rPr>
+                              <m:t>∞</m:t>
+                            </m:r>
+                          </m:e>
+                        </m:acc>
+                      </m:sub>
+                    </m:sSub>
+                  </m:oMath>
+                </a14:m>
+                <a:r>
+                  <a:rPr lang="en-US" dirty="0"/>
+                  <a:t>. </a:t>
+                </a:r>
+                <a:br>
+                  <a:rPr lang="en-US" dirty="0"/>
+                </a:br>
+                <a:r>
+                  <a:rPr lang="en-US" dirty="0"/>
+                  <a:t>A bijection between </a:t>
+                </a:r>
+                <a14:m>
+                  <m:oMath xmlns:m="http://schemas.openxmlformats.org/officeDocument/2006/math">
+                    <m:d>
+                      <m:dPr>
+                        <m:begChr m:val="{"/>
+                        <m:endChr m:val="}"/>
+                        <m:ctrlPr>
+                          <a:rPr lang="en-US" b="0" i="1" smtClean="0">
+                            <a:latin typeface="Cambria Math" panose="02040503050406030204" pitchFamily="18" charset="0"/>
+                          </a:rPr>
+                        </m:ctrlPr>
+                      </m:dPr>
+                      <m:e>
+                        <m:r>
+                          <a:rPr lang="en-US" b="0" i="1" smtClean="0">
+                            <a:latin typeface="Cambria Math" panose="02040503050406030204" pitchFamily="18" charset="0"/>
+                          </a:rPr>
+                          <m:t>𝜋</m:t>
+                        </m:r>
+                        <m:r>
+                          <a:rPr lang="en-US" b="0" i="1" smtClean="0">
+                            <a:latin typeface="Cambria Math" panose="02040503050406030204" pitchFamily="18" charset="0"/>
+                          </a:rPr>
+                          <m:t>:0≤</m:t>
+                        </m:r>
+                        <m:sSub>
+                          <m:sSubPr>
+                            <m:ctrlPr>
+                              <a:rPr lang="en-US" b="0" i="1" smtClean="0">
+                                <a:latin typeface="Cambria Math" panose="02040503050406030204" pitchFamily="18" charset="0"/>
+                              </a:rPr>
+                            </m:ctrlPr>
+                          </m:sSubPr>
+                          <m:e>
+                            <m:d>
+                              <m:dPr>
+                                <m:ctrlPr>
+                                  <a:rPr lang="en-US" b="0" i="1" smtClean="0">
+                                    <a:latin typeface="Cambria Math" panose="02040503050406030204" pitchFamily="18" charset="0"/>
+                                  </a:rPr>
+                                </m:ctrlPr>
+                              </m:dPr>
+                              <m:e>
+                                <m:sSub>
+                                  <m:sSubPr>
+                                    <m:ctrlPr>
+                                      <a:rPr lang="en-US" b="0" i="1" smtClean="0">
+                                        <a:latin typeface="Cambria Math" panose="02040503050406030204" pitchFamily="18" charset="0"/>
+                                      </a:rPr>
+                                    </m:ctrlPr>
+                                  </m:sSubPr>
+                                  <m:e>
+                                    <m:r>
+                                      <a:rPr lang="en-US" b="0" i="1" smtClean="0">
+                                        <a:latin typeface="Cambria Math" panose="02040503050406030204" pitchFamily="18" charset="0"/>
+                                      </a:rPr>
+                                      <m:t>𝑃</m:t>
+                                    </m:r>
+                                  </m:e>
+                                  <m:sub>
+                                    <m:r>
+                                      <a:rPr lang="en-US" b="0" i="1" smtClean="0">
+                                        <a:latin typeface="Cambria Math" panose="02040503050406030204" pitchFamily="18" charset="0"/>
+                                      </a:rPr>
+                                      <m:t>1</m:t>
+                                    </m:r>
+                                  </m:sub>
+                                </m:sSub>
+                              </m:e>
+                            </m:d>
+                          </m:e>
+                          <m:sub>
+                            <m:r>
+                              <a:rPr lang="en-US" b="0" i="1" smtClean="0">
+                                <a:latin typeface="Cambria Math" panose="02040503050406030204" pitchFamily="18" charset="0"/>
+                              </a:rPr>
+                              <m:t>#</m:t>
+                            </m:r>
+                          </m:sub>
+                        </m:sSub>
+                        <m:r>
+                          <a:rPr lang="en-US" b="0" i="1" smtClean="0">
+                            <a:latin typeface="Cambria Math" panose="02040503050406030204" pitchFamily="18" charset="0"/>
+                          </a:rPr>
+                          <m:t>𝜋</m:t>
+                        </m:r>
+                        <m:r>
+                          <a:rPr lang="en-US" b="0" i="1" smtClean="0">
+                            <a:latin typeface="Cambria Math" panose="02040503050406030204" pitchFamily="18" charset="0"/>
+                          </a:rPr>
+                          <m:t>≤</m:t>
+                        </m:r>
+                        <m:r>
+                          <a:rPr lang="en-US" b="0" i="1" smtClean="0">
+                            <a:latin typeface="Cambria Math" panose="02040503050406030204" pitchFamily="18" charset="0"/>
+                          </a:rPr>
+                          <m:t>𝜇</m:t>
+                        </m:r>
+                        <m:r>
+                          <a:rPr lang="en-US" b="0" i="1" smtClean="0">
+                            <a:latin typeface="Cambria Math" panose="02040503050406030204" pitchFamily="18" charset="0"/>
+                          </a:rPr>
+                          <m:t>,0≤</m:t>
+                        </m:r>
+                        <m:sSub>
+                          <m:sSubPr>
+                            <m:ctrlPr>
+                              <a:rPr lang="en-US" b="0" i="1" smtClean="0">
+                                <a:latin typeface="Cambria Math" panose="02040503050406030204" pitchFamily="18" charset="0"/>
+                              </a:rPr>
+                            </m:ctrlPr>
+                          </m:sSubPr>
+                          <m:e>
+                            <m:d>
+                              <m:dPr>
+                                <m:ctrlPr>
+                                  <a:rPr lang="en-US" b="0" i="1" smtClean="0">
+                                    <a:latin typeface="Cambria Math" panose="02040503050406030204" pitchFamily="18" charset="0"/>
+                                  </a:rPr>
+                                </m:ctrlPr>
+                              </m:dPr>
+                              <m:e>
+                                <m:sSub>
+                                  <m:sSubPr>
+                                    <m:ctrlPr>
+                                      <a:rPr lang="en-US" b="0" i="1" smtClean="0">
+                                        <a:latin typeface="Cambria Math" panose="02040503050406030204" pitchFamily="18" charset="0"/>
+                                      </a:rPr>
+                                    </m:ctrlPr>
+                                  </m:sSubPr>
+                                  <m:e>
+                                    <m:r>
+                                      <a:rPr lang="en-US" b="0" i="1" smtClean="0">
+                                        <a:latin typeface="Cambria Math" panose="02040503050406030204" pitchFamily="18" charset="0"/>
+                                      </a:rPr>
+                                      <m:t>𝑃</m:t>
+                                    </m:r>
+                                  </m:e>
+                                  <m:sub>
+                                    <m:r>
+                                      <a:rPr lang="en-US" b="0" i="1" smtClean="0">
+                                        <a:latin typeface="Cambria Math" panose="02040503050406030204" pitchFamily="18" charset="0"/>
+                                      </a:rPr>
+                                      <m:t>2</m:t>
+                                    </m:r>
+                                  </m:sub>
+                                </m:sSub>
+                              </m:e>
+                            </m:d>
+                          </m:e>
+                          <m:sub>
+                            <m:r>
+                              <a:rPr lang="en-US" b="0" i="1" smtClean="0">
+                                <a:latin typeface="Cambria Math" panose="02040503050406030204" pitchFamily="18" charset="0"/>
+                              </a:rPr>
+                              <m:t>#</m:t>
+                            </m:r>
+                          </m:sub>
+                        </m:sSub>
+                        <m:r>
+                          <a:rPr lang="en-US" b="0" i="1" smtClean="0">
+                            <a:latin typeface="Cambria Math" panose="02040503050406030204" pitchFamily="18" charset="0"/>
+                          </a:rPr>
+                          <m:t>𝜋</m:t>
+                        </m:r>
+                        <m:r>
+                          <a:rPr lang="en-US" b="0" i="1" smtClean="0">
+                            <a:latin typeface="Cambria Math" panose="02040503050406030204" pitchFamily="18" charset="0"/>
+                          </a:rPr>
+                          <m:t>≤</m:t>
+                        </m:r>
+                        <m:r>
+                          <a:rPr lang="en-US" b="0" i="1" smtClean="0">
+                            <a:latin typeface="Cambria Math" panose="02040503050406030204" pitchFamily="18" charset="0"/>
+                          </a:rPr>
+                          <m:t>𝜈</m:t>
+                        </m:r>
+                      </m:e>
+                    </m:d>
+                  </m:oMath>
+                </a14:m>
+                <a:r>
+                  <a:rPr lang="en-US" dirty="0"/>
+                  <a:t> and </a:t>
+                </a:r>
+                <a:br>
+                  <a:rPr lang="en-US" dirty="0"/>
+                </a:br>
+                <a:r>
+                  <a:rPr lang="en-US" dirty="0"/>
+                  <a:t> </a:t>
+                </a:r>
+                <a14:m>
+                  <m:oMath xmlns:m="http://schemas.openxmlformats.org/officeDocument/2006/math">
+                    <m:d>
+                      <m:dPr>
+                        <m:begChr m:val="{"/>
+                        <m:endChr m:val="}"/>
+                        <m:ctrlPr>
+                          <a:rPr lang="en-US" b="0" i="1" smtClean="0">
+                            <a:latin typeface="Cambria Math" panose="02040503050406030204" pitchFamily="18" charset="0"/>
+                          </a:rPr>
+                        </m:ctrlPr>
+                      </m:dPr>
+                      <m:e>
+                        <m:acc>
+                          <m:accPr>
+                            <m:chr m:val="̂"/>
+                            <m:ctrlPr>
+                              <a:rPr lang="en-US" b="0" i="1" smtClean="0">
+                                <a:latin typeface="Cambria Math" panose="02040503050406030204" pitchFamily="18" charset="0"/>
+                              </a:rPr>
+                            </m:ctrlPr>
+                          </m:accPr>
+                          <m:e>
+                            <m:r>
+                              <a:rPr lang="en-US" b="0" i="1" smtClean="0">
+                                <a:latin typeface="Cambria Math" panose="02040503050406030204" pitchFamily="18" charset="0"/>
+                              </a:rPr>
+                              <m:t>𝜋</m:t>
+                            </m:r>
+                          </m:e>
+                        </m:acc>
+                        <m:r>
+                          <a:rPr lang="en-US" b="0" i="1" dirty="0" smtClean="0">
+                            <a:latin typeface="Cambria Math" panose="02040503050406030204" pitchFamily="18" charset="0"/>
+                          </a:rPr>
+                          <m:t>:</m:t>
+                        </m:r>
+                        <m:sSub>
+                          <m:sSubPr>
+                            <m:ctrlPr>
+                              <a:rPr lang="en-US" b="0" i="1" dirty="0" smtClean="0">
+                                <a:latin typeface="Cambria Math" panose="02040503050406030204" pitchFamily="18" charset="0"/>
+                              </a:rPr>
+                            </m:ctrlPr>
+                          </m:sSubPr>
+                          <m:e>
+                            <m:d>
+                              <m:dPr>
+                                <m:ctrlPr>
+                                  <a:rPr lang="en-US" b="0" i="1" dirty="0" smtClean="0">
+                                    <a:latin typeface="Cambria Math" panose="02040503050406030204" pitchFamily="18" charset="0"/>
+                                  </a:rPr>
+                                </m:ctrlPr>
+                              </m:dPr>
+                              <m:e>
+                                <m:sSub>
+                                  <m:sSubPr>
+                                    <m:ctrlPr>
+                                      <a:rPr lang="en-US" b="0" i="1" dirty="0" smtClean="0">
+                                        <a:latin typeface="Cambria Math" panose="02040503050406030204" pitchFamily="18" charset="0"/>
+                                      </a:rPr>
+                                    </m:ctrlPr>
+                                  </m:sSubPr>
+                                  <m:e>
+                                    <m:r>
+                                      <a:rPr lang="en-US" b="0" i="1" dirty="0" smtClean="0">
+                                        <a:latin typeface="Cambria Math" panose="02040503050406030204" pitchFamily="18" charset="0"/>
+                                      </a:rPr>
+                                      <m:t>𝑃</m:t>
+                                    </m:r>
+                                  </m:e>
+                                  <m:sub>
+                                    <m:r>
+                                      <a:rPr lang="en-US" b="0" i="1" dirty="0" smtClean="0">
+                                        <a:latin typeface="Cambria Math" panose="02040503050406030204" pitchFamily="18" charset="0"/>
+                                      </a:rPr>
+                                      <m:t>1</m:t>
+                                    </m:r>
+                                  </m:sub>
+                                </m:sSub>
+                              </m:e>
+                            </m:d>
+                          </m:e>
+                          <m:sub>
+                            <m:r>
+                              <a:rPr lang="en-US" b="0" i="1" dirty="0" smtClean="0">
+                                <a:latin typeface="Cambria Math" panose="02040503050406030204" pitchFamily="18" charset="0"/>
+                              </a:rPr>
+                              <m:t>#</m:t>
+                            </m:r>
+                          </m:sub>
+                        </m:sSub>
+                        <m:acc>
+                          <m:accPr>
+                            <m:chr m:val="̂"/>
+                            <m:ctrlPr>
+                              <a:rPr lang="en-US" b="0" i="1" dirty="0" smtClean="0">
+                                <a:latin typeface="Cambria Math" panose="02040503050406030204" pitchFamily="18" charset="0"/>
+                              </a:rPr>
+                            </m:ctrlPr>
+                          </m:accPr>
+                          <m:e>
+                            <m:r>
+                              <a:rPr lang="en-US" b="0" i="1" dirty="0" smtClean="0">
+                                <a:latin typeface="Cambria Math" panose="02040503050406030204" pitchFamily="18" charset="0"/>
+                              </a:rPr>
+                              <m:t>𝜋</m:t>
+                            </m:r>
+                          </m:e>
+                        </m:acc>
+                        <m:r>
+                          <a:rPr lang="en-US" b="0" i="1" dirty="0" smtClean="0">
+                            <a:latin typeface="Cambria Math" panose="02040503050406030204" pitchFamily="18" charset="0"/>
+                          </a:rPr>
+                          <m:t>=</m:t>
+                        </m:r>
+                        <m:acc>
+                          <m:accPr>
+                            <m:chr m:val="̂"/>
+                            <m:ctrlPr>
+                              <a:rPr lang="en-US" b="0" i="1" dirty="0" smtClean="0">
+                                <a:latin typeface="Cambria Math" panose="02040503050406030204" pitchFamily="18" charset="0"/>
+                              </a:rPr>
+                            </m:ctrlPr>
+                          </m:accPr>
+                          <m:e>
+                            <m:r>
+                              <a:rPr lang="en-US" b="0" i="1" dirty="0" smtClean="0">
+                                <a:latin typeface="Cambria Math" panose="02040503050406030204" pitchFamily="18" charset="0"/>
+                              </a:rPr>
+                              <m:t>𝜇</m:t>
+                            </m:r>
+                          </m:e>
+                        </m:acc>
+                        <m:r>
+                          <a:rPr lang="en-US" b="0" i="1" dirty="0" smtClean="0">
+                            <a:latin typeface="Cambria Math" panose="02040503050406030204" pitchFamily="18" charset="0"/>
+                          </a:rPr>
+                          <m:t>,</m:t>
+                        </m:r>
+                        <m:sSub>
+                          <m:sSubPr>
+                            <m:ctrlPr>
+                              <a:rPr lang="en-US" i="1" dirty="0">
+                                <a:latin typeface="Cambria Math" panose="02040503050406030204" pitchFamily="18" charset="0"/>
+                              </a:rPr>
+                            </m:ctrlPr>
+                          </m:sSubPr>
+                          <m:e>
+                            <m:d>
+                              <m:dPr>
+                                <m:ctrlPr>
+                                  <a:rPr lang="en-US" i="1" dirty="0">
+                                    <a:latin typeface="Cambria Math" panose="02040503050406030204" pitchFamily="18" charset="0"/>
+                                  </a:rPr>
+                                </m:ctrlPr>
+                              </m:dPr>
+                              <m:e>
+                                <m:sSub>
+                                  <m:sSubPr>
+                                    <m:ctrlPr>
+                                      <a:rPr lang="en-US" i="1" dirty="0">
+                                        <a:latin typeface="Cambria Math" panose="02040503050406030204" pitchFamily="18" charset="0"/>
+                                      </a:rPr>
+                                    </m:ctrlPr>
+                                  </m:sSubPr>
+                                  <m:e>
+                                    <m:r>
+                                      <a:rPr lang="en-US" i="1" dirty="0">
+                                        <a:latin typeface="Cambria Math" panose="02040503050406030204" pitchFamily="18" charset="0"/>
+                                      </a:rPr>
+                                      <m:t>𝑃</m:t>
+                                    </m:r>
+                                  </m:e>
+                                  <m:sub>
+                                    <m:r>
+                                      <a:rPr lang="en-US" b="0" i="1" dirty="0" smtClean="0">
+                                        <a:latin typeface="Cambria Math" panose="02040503050406030204" pitchFamily="18" charset="0"/>
+                                      </a:rPr>
+                                      <m:t>2</m:t>
+                                    </m:r>
+                                  </m:sub>
+                                </m:sSub>
+                              </m:e>
+                            </m:d>
+                          </m:e>
+                          <m:sub>
+                            <m:r>
+                              <a:rPr lang="en-US" i="1" dirty="0">
+                                <a:latin typeface="Cambria Math" panose="02040503050406030204" pitchFamily="18" charset="0"/>
+                              </a:rPr>
+                              <m:t>#</m:t>
+                            </m:r>
+                          </m:sub>
+                        </m:sSub>
+                        <m:acc>
+                          <m:accPr>
+                            <m:chr m:val="̂"/>
+                            <m:ctrlPr>
+                              <a:rPr lang="en-US" i="1" dirty="0">
+                                <a:latin typeface="Cambria Math" panose="02040503050406030204" pitchFamily="18" charset="0"/>
+                              </a:rPr>
+                            </m:ctrlPr>
+                          </m:accPr>
+                          <m:e>
+                            <m:r>
+                              <a:rPr lang="en-US" i="1" dirty="0">
+                                <a:latin typeface="Cambria Math" panose="02040503050406030204" pitchFamily="18" charset="0"/>
+                              </a:rPr>
+                              <m:t>𝜋</m:t>
+                            </m:r>
+                          </m:e>
+                        </m:acc>
+                        <m:r>
+                          <a:rPr lang="en-US" i="1" dirty="0">
+                            <a:latin typeface="Cambria Math" panose="02040503050406030204" pitchFamily="18" charset="0"/>
+                          </a:rPr>
+                          <m:t>=</m:t>
+                        </m:r>
+                        <m:acc>
+                          <m:accPr>
+                            <m:chr m:val="̂"/>
+                            <m:ctrlPr>
+                              <a:rPr lang="en-US" i="1" dirty="0">
+                                <a:latin typeface="Cambria Math" panose="02040503050406030204" pitchFamily="18" charset="0"/>
+                              </a:rPr>
+                            </m:ctrlPr>
+                          </m:accPr>
+                          <m:e>
+                            <m:r>
+                              <a:rPr lang="en-US" b="0" i="1" dirty="0" smtClean="0">
+                                <a:latin typeface="Cambria Math" panose="02040503050406030204" pitchFamily="18" charset="0"/>
+                              </a:rPr>
+                              <m:t>𝜈</m:t>
+                            </m:r>
+                          </m:e>
+                        </m:acc>
+                      </m:e>
+                    </m:d>
+                  </m:oMath>
+                </a14:m>
+                <a:r>
+                  <a:rPr lang="en-US" dirty="0"/>
+                  <a:t> is defined as </a:t>
+                </a:r>
+                <a:br>
+                  <a:rPr lang="en-US" dirty="0"/>
+                </a:br>
+                <a:r>
+                  <a:rPr lang="en-US" dirty="0"/>
+                  <a:t> </a:t>
+                </a:r>
+                <a14:m>
+                  <m:oMath xmlns:m="http://schemas.openxmlformats.org/officeDocument/2006/math">
+                    <m:acc>
+                      <m:accPr>
+                        <m:chr m:val="̂"/>
+                        <m:ctrlPr>
+                          <a:rPr lang="en-US" b="0" i="1" smtClean="0">
+                            <a:latin typeface="Cambria Math" panose="02040503050406030204" pitchFamily="18" charset="0"/>
+                          </a:rPr>
+                        </m:ctrlPr>
+                      </m:accPr>
+                      <m:e>
+                        <m:r>
+                          <a:rPr lang="en-US" b="0" i="1" smtClean="0">
+                            <a:latin typeface="Cambria Math" panose="02040503050406030204" pitchFamily="18" charset="0"/>
+                          </a:rPr>
+                          <m:t>𝜋</m:t>
+                        </m:r>
+                      </m:e>
+                    </m:acc>
+                    <m:r>
+                      <a:rPr lang="en-US" b="0" i="1" dirty="0" smtClean="0">
+                        <a:latin typeface="Cambria Math" panose="02040503050406030204" pitchFamily="18" charset="0"/>
+                      </a:rPr>
+                      <m:t>=</m:t>
+                    </m:r>
+                    <m:r>
+                      <a:rPr lang="en-US" b="0" i="1" dirty="0" smtClean="0">
+                        <a:latin typeface="Cambria Math" panose="02040503050406030204" pitchFamily="18" charset="0"/>
+                      </a:rPr>
+                      <m:t>𝜋</m:t>
+                    </m:r>
+                    <m:r>
+                      <a:rPr lang="en-US" b="0" i="1" dirty="0" smtClean="0">
+                        <a:latin typeface="Cambria Math" panose="02040503050406030204" pitchFamily="18" charset="0"/>
+                      </a:rPr>
+                      <m:t>+</m:t>
+                    </m:r>
+                    <m:d>
+                      <m:dPr>
+                        <m:ctrlPr>
+                          <a:rPr lang="en-US" b="0" i="1" dirty="0" smtClean="0">
+                            <a:latin typeface="Cambria Math" panose="02040503050406030204" pitchFamily="18" charset="0"/>
+                          </a:rPr>
+                        </m:ctrlPr>
+                      </m:dPr>
+                      <m:e>
+                        <m:r>
+                          <a:rPr lang="en-US" b="0" i="1" dirty="0" smtClean="0">
+                            <a:latin typeface="Cambria Math" panose="02040503050406030204" pitchFamily="18" charset="0"/>
+                          </a:rPr>
+                          <m:t>𝜇</m:t>
+                        </m:r>
+                        <m:r>
+                          <a:rPr lang="en-US" b="0" i="1" dirty="0" smtClean="0">
+                            <a:latin typeface="Cambria Math" panose="02040503050406030204" pitchFamily="18" charset="0"/>
+                          </a:rPr>
+                          <m:t>−</m:t>
+                        </m:r>
+                        <m:sSub>
+                          <m:sSubPr>
+                            <m:ctrlPr>
+                              <a:rPr lang="en-US" b="0" i="1" dirty="0" smtClean="0">
+                                <a:latin typeface="Cambria Math" panose="02040503050406030204" pitchFamily="18" charset="0"/>
+                              </a:rPr>
+                            </m:ctrlPr>
+                          </m:sSubPr>
+                          <m:e>
+                            <m:d>
+                              <m:dPr>
+                                <m:ctrlPr>
+                                  <a:rPr lang="en-US" b="0" i="1" dirty="0" smtClean="0">
+                                    <a:latin typeface="Cambria Math" panose="02040503050406030204" pitchFamily="18" charset="0"/>
+                                  </a:rPr>
+                                </m:ctrlPr>
+                              </m:dPr>
+                              <m:e>
+                                <m:sSub>
+                                  <m:sSubPr>
+                                    <m:ctrlPr>
+                                      <a:rPr lang="en-US" b="0" i="1" dirty="0" smtClean="0">
+                                        <a:latin typeface="Cambria Math" panose="02040503050406030204" pitchFamily="18" charset="0"/>
+                                      </a:rPr>
+                                    </m:ctrlPr>
+                                  </m:sSubPr>
+                                  <m:e>
+                                    <m:r>
+                                      <a:rPr lang="en-US" b="0" i="1" dirty="0" smtClean="0">
+                                        <a:latin typeface="Cambria Math" panose="02040503050406030204" pitchFamily="18" charset="0"/>
+                                      </a:rPr>
+                                      <m:t>𝑃</m:t>
+                                    </m:r>
+                                  </m:e>
+                                  <m:sub>
+                                    <m:r>
+                                      <a:rPr lang="en-US" b="0" i="1" dirty="0" smtClean="0">
+                                        <a:latin typeface="Cambria Math" panose="02040503050406030204" pitchFamily="18" charset="0"/>
+                                      </a:rPr>
+                                      <m:t>1</m:t>
+                                    </m:r>
+                                  </m:sub>
+                                </m:sSub>
+                              </m:e>
+                            </m:d>
+                          </m:e>
+                          <m:sub>
+                            <m:r>
+                              <a:rPr lang="en-US" b="0" i="1" dirty="0" smtClean="0">
+                                <a:latin typeface="Cambria Math" panose="02040503050406030204" pitchFamily="18" charset="0"/>
+                              </a:rPr>
+                              <m:t>#</m:t>
+                            </m:r>
+                          </m:sub>
+                        </m:sSub>
+                        <m:r>
+                          <a:rPr lang="en-US" b="0" i="1" dirty="0" smtClean="0">
+                            <a:latin typeface="Cambria Math" panose="02040503050406030204" pitchFamily="18" charset="0"/>
+                          </a:rPr>
+                          <m:t>𝜋</m:t>
+                        </m:r>
+                      </m:e>
+                    </m:d>
+                    <m:r>
+                      <a:rPr lang="en-US" b="0" i="1" dirty="0" smtClean="0">
+                        <a:latin typeface="Cambria Math" panose="02040503050406030204" pitchFamily="18" charset="0"/>
+                      </a:rPr>
+                      <m:t>⊗</m:t>
+                    </m:r>
+                    <m:sSub>
+                      <m:sSubPr>
+                        <m:ctrlPr>
+                          <a:rPr lang="en-US" b="0" i="1" dirty="0" smtClean="0">
+                            <a:latin typeface="Cambria Math" panose="02040503050406030204" pitchFamily="18" charset="0"/>
+                          </a:rPr>
+                        </m:ctrlPr>
+                      </m:sSubPr>
+                      <m:e>
+                        <m:r>
+                          <a:rPr lang="en-US" b="0" i="1" dirty="0" smtClean="0">
+                            <a:latin typeface="Cambria Math" panose="02040503050406030204" pitchFamily="18" charset="0"/>
+                          </a:rPr>
+                          <m:t>𝛿</m:t>
+                        </m:r>
+                      </m:e>
+                      <m:sub>
+                        <m:acc>
+                          <m:accPr>
+                            <m:chr m:val="̂"/>
+                            <m:ctrlPr>
+                              <a:rPr lang="en-US" b="0" i="1" dirty="0" smtClean="0">
+                                <a:latin typeface="Cambria Math" panose="02040503050406030204" pitchFamily="18" charset="0"/>
+                              </a:rPr>
+                            </m:ctrlPr>
+                          </m:accPr>
+                          <m:e>
+                            <m:r>
+                              <a:rPr lang="en-US" b="0" i="1" dirty="0" smtClean="0">
+                                <a:latin typeface="Cambria Math" panose="02040503050406030204" pitchFamily="18" charset="0"/>
+                              </a:rPr>
+                              <m:t>∞</m:t>
+                            </m:r>
+                          </m:e>
+                        </m:acc>
+                      </m:sub>
+                    </m:sSub>
+                    <m:r>
+                      <a:rPr lang="en-US" b="0" i="1" dirty="0" smtClean="0">
+                        <a:latin typeface="Cambria Math" panose="02040503050406030204" pitchFamily="18" charset="0"/>
+                      </a:rPr>
+                      <m:t>+</m:t>
+                    </m:r>
+                    <m:d>
+                      <m:dPr>
+                        <m:ctrlPr>
+                          <a:rPr lang="en-US" i="1" dirty="0">
+                            <a:latin typeface="Cambria Math" panose="02040503050406030204" pitchFamily="18" charset="0"/>
+                          </a:rPr>
+                        </m:ctrlPr>
+                      </m:dPr>
+                      <m:e>
+                        <m:r>
+                          <a:rPr lang="en-US" i="1" dirty="0">
+                            <a:latin typeface="Cambria Math" panose="02040503050406030204" pitchFamily="18" charset="0"/>
+                          </a:rPr>
+                          <m:t>𝜇</m:t>
+                        </m:r>
+                        <m:r>
+                          <a:rPr lang="en-US" i="1" dirty="0">
+                            <a:latin typeface="Cambria Math" panose="02040503050406030204" pitchFamily="18" charset="0"/>
+                          </a:rPr>
+                          <m:t>−</m:t>
+                        </m:r>
+                        <m:sSub>
+                          <m:sSubPr>
+                            <m:ctrlPr>
+                              <a:rPr lang="en-US" i="1" dirty="0">
+                                <a:latin typeface="Cambria Math" panose="02040503050406030204" pitchFamily="18" charset="0"/>
+                              </a:rPr>
+                            </m:ctrlPr>
+                          </m:sSubPr>
+                          <m:e>
+                            <m:d>
+                              <m:dPr>
+                                <m:ctrlPr>
+                                  <a:rPr lang="en-US" i="1" dirty="0">
+                                    <a:latin typeface="Cambria Math" panose="02040503050406030204" pitchFamily="18" charset="0"/>
+                                  </a:rPr>
+                                </m:ctrlPr>
+                              </m:dPr>
+                              <m:e>
+                                <m:sSub>
+                                  <m:sSubPr>
+                                    <m:ctrlPr>
+                                      <a:rPr lang="en-US" i="1" dirty="0">
+                                        <a:latin typeface="Cambria Math" panose="02040503050406030204" pitchFamily="18" charset="0"/>
+                                      </a:rPr>
+                                    </m:ctrlPr>
+                                  </m:sSubPr>
+                                  <m:e>
+                                    <m:r>
+                                      <a:rPr lang="en-US" i="1" dirty="0">
+                                        <a:latin typeface="Cambria Math" panose="02040503050406030204" pitchFamily="18" charset="0"/>
+                                      </a:rPr>
+                                      <m:t>𝑃</m:t>
+                                    </m:r>
+                                  </m:e>
+                                  <m:sub>
+                                    <m:r>
+                                      <a:rPr lang="en-US" i="1" dirty="0">
+                                        <a:latin typeface="Cambria Math" panose="02040503050406030204" pitchFamily="18" charset="0"/>
+                                      </a:rPr>
+                                      <m:t>1</m:t>
+                                    </m:r>
+                                  </m:sub>
+                                </m:sSub>
+                              </m:e>
+                            </m:d>
+                          </m:e>
+                          <m:sub>
+                            <m:r>
+                              <a:rPr lang="en-US" i="1" dirty="0">
+                                <a:latin typeface="Cambria Math" panose="02040503050406030204" pitchFamily="18" charset="0"/>
+                              </a:rPr>
+                              <m:t>#</m:t>
+                            </m:r>
+                          </m:sub>
+                        </m:sSub>
+                        <m:r>
+                          <a:rPr lang="en-US" i="1" dirty="0">
+                            <a:latin typeface="Cambria Math" panose="02040503050406030204" pitchFamily="18" charset="0"/>
+                          </a:rPr>
+                          <m:t>𝜋</m:t>
+                        </m:r>
+                      </m:e>
+                    </m:d>
+                    <m:r>
+                      <a:rPr lang="en-US" i="1" dirty="0">
+                        <a:latin typeface="Cambria Math" panose="02040503050406030204" pitchFamily="18" charset="0"/>
+                      </a:rPr>
+                      <m:t>⊗</m:t>
+                    </m:r>
+                    <m:sSub>
+                      <m:sSubPr>
+                        <m:ctrlPr>
+                          <a:rPr lang="en-US" i="1" dirty="0">
+                            <a:latin typeface="Cambria Math" panose="02040503050406030204" pitchFamily="18" charset="0"/>
+                          </a:rPr>
+                        </m:ctrlPr>
+                      </m:sSubPr>
+                      <m:e>
+                        <m:r>
+                          <a:rPr lang="en-US" i="1" dirty="0">
+                            <a:latin typeface="Cambria Math" panose="02040503050406030204" pitchFamily="18" charset="0"/>
+                          </a:rPr>
+                          <m:t>𝛿</m:t>
+                        </m:r>
+                      </m:e>
+                      <m:sub>
+                        <m:acc>
+                          <m:accPr>
+                            <m:chr m:val="̂"/>
+                            <m:ctrlPr>
+                              <a:rPr lang="en-US" i="1" dirty="0">
+                                <a:latin typeface="Cambria Math" panose="02040503050406030204" pitchFamily="18" charset="0"/>
+                              </a:rPr>
+                            </m:ctrlPr>
+                          </m:accPr>
+                          <m:e>
+                            <m:r>
+                              <a:rPr lang="en-US" i="1" dirty="0">
+                                <a:latin typeface="Cambria Math" panose="02040503050406030204" pitchFamily="18" charset="0"/>
+                              </a:rPr>
+                              <m:t>∞</m:t>
+                            </m:r>
+                          </m:e>
+                        </m:acc>
+                      </m:sub>
+                    </m:sSub>
+                    <m:r>
+                      <a:rPr lang="en-US" b="0" i="1" dirty="0" smtClean="0">
+                        <a:latin typeface="Cambria Math" panose="02040503050406030204" pitchFamily="18" charset="0"/>
+                      </a:rPr>
+                      <m:t>+</m:t>
+                    </m:r>
+                    <m:sSub>
+                      <m:sSubPr>
+                        <m:ctrlPr>
+                          <a:rPr lang="en-US" b="0" i="1" dirty="0" smtClean="0">
+                            <a:latin typeface="Cambria Math" panose="02040503050406030204" pitchFamily="18" charset="0"/>
+                          </a:rPr>
+                        </m:ctrlPr>
+                      </m:sSubPr>
+                      <m:e>
+                        <m:d>
+                          <m:dPr>
+                            <m:begChr m:val="‖"/>
+                            <m:endChr m:val="‖"/>
+                            <m:ctrlPr>
+                              <a:rPr lang="en-US" b="0" i="1" dirty="0" smtClean="0">
+                                <a:latin typeface="Cambria Math" panose="02040503050406030204" pitchFamily="18" charset="0"/>
+                              </a:rPr>
+                            </m:ctrlPr>
+                          </m:dPr>
+                          <m:e>
+                            <m:r>
+                              <a:rPr lang="en-US" b="0" i="1" dirty="0" smtClean="0">
+                                <a:latin typeface="Cambria Math" panose="02040503050406030204" pitchFamily="18" charset="0"/>
+                              </a:rPr>
+                              <m:t>𝜋</m:t>
+                            </m:r>
+                          </m:e>
+                        </m:d>
+                      </m:e>
+                      <m:sub>
+                        <m:r>
+                          <a:rPr lang="en-US" b="0" i="1" dirty="0" smtClean="0">
+                            <a:latin typeface="Cambria Math" panose="02040503050406030204" pitchFamily="18" charset="0"/>
+                          </a:rPr>
+                          <m:t>𝑇𝑉</m:t>
+                        </m:r>
+                      </m:sub>
+                    </m:sSub>
+                    <m:sSub>
+                      <m:sSubPr>
+                        <m:ctrlPr>
+                          <a:rPr lang="en-US" b="0" i="1" dirty="0" smtClean="0">
+                            <a:latin typeface="Cambria Math" panose="02040503050406030204" pitchFamily="18" charset="0"/>
+                          </a:rPr>
+                        </m:ctrlPr>
+                      </m:sSubPr>
+                      <m:e>
+                        <m:r>
+                          <a:rPr lang="en-US" b="0" i="1" dirty="0" smtClean="0">
+                            <a:latin typeface="Cambria Math" panose="02040503050406030204" pitchFamily="18" charset="0"/>
+                          </a:rPr>
+                          <m:t>𝛿</m:t>
+                        </m:r>
+                      </m:e>
+                      <m:sub>
+                        <m:d>
+                          <m:dPr>
+                            <m:ctrlPr>
+                              <a:rPr lang="en-US" b="0" i="1" dirty="0" smtClean="0">
+                                <a:latin typeface="Cambria Math" panose="02040503050406030204" pitchFamily="18" charset="0"/>
+                              </a:rPr>
+                            </m:ctrlPr>
+                          </m:dPr>
+                          <m:e>
+                            <m:acc>
+                              <m:accPr>
+                                <m:chr m:val="̂"/>
+                                <m:ctrlPr>
+                                  <a:rPr lang="en-US" b="0" i="1" dirty="0" smtClean="0">
+                                    <a:latin typeface="Cambria Math" panose="02040503050406030204" pitchFamily="18" charset="0"/>
+                                  </a:rPr>
+                                </m:ctrlPr>
+                              </m:accPr>
+                              <m:e>
+                                <m:r>
+                                  <a:rPr lang="en-US" b="0" i="1" dirty="0" smtClean="0">
+                                    <a:latin typeface="Cambria Math" panose="02040503050406030204" pitchFamily="18" charset="0"/>
+                                  </a:rPr>
+                                  <m:t>∞</m:t>
+                                </m:r>
+                              </m:e>
+                            </m:acc>
+                            <m:r>
+                              <a:rPr lang="en-US" b="0" i="1" dirty="0" smtClean="0">
+                                <a:latin typeface="Cambria Math" panose="02040503050406030204" pitchFamily="18" charset="0"/>
+                              </a:rPr>
+                              <m:t>,</m:t>
+                            </m:r>
+                            <m:acc>
+                              <m:accPr>
+                                <m:chr m:val="̂"/>
+                                <m:ctrlPr>
+                                  <a:rPr lang="en-US" b="0" i="1" dirty="0" smtClean="0">
+                                    <a:latin typeface="Cambria Math" panose="02040503050406030204" pitchFamily="18" charset="0"/>
+                                  </a:rPr>
+                                </m:ctrlPr>
+                              </m:accPr>
+                              <m:e>
+                                <m:r>
+                                  <a:rPr lang="en-US" b="0" i="1" dirty="0" smtClean="0">
+                                    <a:latin typeface="Cambria Math" panose="02040503050406030204" pitchFamily="18" charset="0"/>
+                                  </a:rPr>
+                                  <m:t>∞</m:t>
+                                </m:r>
+                              </m:e>
+                            </m:acc>
+                          </m:e>
+                        </m:d>
+                      </m:sub>
+                    </m:sSub>
+                  </m:oMath>
+                </a14:m>
+                <a:endParaRPr lang="en-US" dirty="0"/>
+              </a:p>
+              <a:p>
+                <a:pPr marL="0" indent="0">
+                  <a:buNone/>
+                </a:pPr>
+                <a:r>
+                  <a:rPr lang="en-US" dirty="0"/>
+                  <a:t>Then one can show that </a:t>
+                </a:r>
+              </a:p>
+              <a:p>
+                <a:pPr marL="0" indent="0">
+                  <a:buNone/>
+                </a:pPr>
+                <a14:m>
+                  <m:oMathPara xmlns:m="http://schemas.openxmlformats.org/officeDocument/2006/math">
+                    <m:oMathParaPr>
+                      <m:jc m:val="centerGroup"/>
+                    </m:oMathParaPr>
+                    <m:oMath xmlns:m="http://schemas.openxmlformats.org/officeDocument/2006/math">
+                      <m:r>
+                        <a:rPr lang="en-US" b="0" i="1" smtClean="0">
+                          <a:latin typeface="Cambria Math" panose="02040503050406030204" pitchFamily="18" charset="0"/>
+                        </a:rPr>
+                        <m:t>𝑂𝑃𝑇</m:t>
+                      </m:r>
+                      <m:d>
+                        <m:dPr>
+                          <m:ctrlPr>
+                            <a:rPr lang="en-US" b="0" i="1" smtClean="0">
+                              <a:latin typeface="Cambria Math" panose="02040503050406030204" pitchFamily="18" charset="0"/>
+                            </a:rPr>
+                          </m:ctrlPr>
+                        </m:dPr>
+                        <m:e>
+                          <m:r>
+                            <a:rPr lang="en-US" b="0" i="1" smtClean="0">
+                              <a:latin typeface="Cambria Math" panose="02040503050406030204" pitchFamily="18" charset="0"/>
+                            </a:rPr>
+                            <m:t>𝜇</m:t>
+                          </m:r>
+                          <m:r>
+                            <a:rPr lang="en-US" b="0" i="1" smtClean="0">
+                              <a:latin typeface="Cambria Math" panose="02040503050406030204" pitchFamily="18" charset="0"/>
+                            </a:rPr>
+                            <m:t>,</m:t>
+                          </m:r>
+                          <m:r>
+                            <a:rPr lang="en-US" b="0" i="1" smtClean="0">
+                              <a:latin typeface="Cambria Math" panose="02040503050406030204" pitchFamily="18" charset="0"/>
+                            </a:rPr>
+                            <m:t>𝜈</m:t>
+                          </m:r>
+                          <m:r>
+                            <a:rPr lang="en-US" b="0" i="1" smtClean="0">
+                              <a:latin typeface="Cambria Math" panose="02040503050406030204" pitchFamily="18" charset="0"/>
+                            </a:rPr>
+                            <m:t>;</m:t>
+                          </m:r>
+                          <m:r>
+                            <a:rPr lang="en-US" b="0" i="1" smtClean="0">
+                              <a:latin typeface="Cambria Math" panose="02040503050406030204" pitchFamily="18" charset="0"/>
+                            </a:rPr>
+                            <m:t>𝜆</m:t>
+                          </m:r>
+                        </m:e>
+                      </m:d>
+                      <m:r>
+                        <a:rPr lang="en-US" b="0" i="1" smtClean="0">
+                          <a:latin typeface="Cambria Math" panose="02040503050406030204" pitchFamily="18" charset="0"/>
+                        </a:rPr>
+                        <m:t>=</m:t>
+                      </m:r>
+                      <m:r>
+                        <a:rPr lang="en-US" b="0" i="1" smtClean="0">
+                          <a:latin typeface="Cambria Math" panose="02040503050406030204" pitchFamily="18" charset="0"/>
+                        </a:rPr>
+                        <m:t>𝑂</m:t>
+                      </m:r>
+                      <m:sSub>
+                        <m:sSubPr>
+                          <m:ctrlPr>
+                            <a:rPr lang="en-US" b="0" i="1" smtClean="0">
+                              <a:latin typeface="Cambria Math" panose="02040503050406030204" pitchFamily="18" charset="0"/>
+                            </a:rPr>
+                          </m:ctrlPr>
+                        </m:sSubPr>
+                        <m:e>
+                          <m:r>
+                            <a:rPr lang="en-US" b="0" i="1" smtClean="0">
+                              <a:latin typeface="Cambria Math" panose="02040503050406030204" pitchFamily="18" charset="0"/>
+                            </a:rPr>
+                            <m:t>𝑇</m:t>
+                          </m:r>
+                        </m:e>
+                        <m:sub>
+                          <m:sSub>
+                            <m:sSubPr>
+                              <m:ctrlPr>
+                                <a:rPr lang="en-US" b="0" i="1" smtClean="0">
+                                  <a:latin typeface="Cambria Math" panose="02040503050406030204" pitchFamily="18" charset="0"/>
+                                </a:rPr>
+                              </m:ctrlPr>
+                            </m:sSubPr>
+                            <m:e>
+                              <m:acc>
+                                <m:accPr>
+                                  <m:chr m:val="̂"/>
+                                  <m:ctrlPr>
+                                    <a:rPr lang="en-US" b="0" i="1" smtClean="0">
+                                      <a:latin typeface="Cambria Math" panose="02040503050406030204" pitchFamily="18" charset="0"/>
+                                    </a:rPr>
+                                  </m:ctrlPr>
+                                </m:accPr>
+                                <m:e>
+                                  <m:r>
+                                    <a:rPr lang="en-US" b="0" i="1" smtClean="0">
+                                      <a:latin typeface="Cambria Math" panose="02040503050406030204" pitchFamily="18" charset="0"/>
+                                    </a:rPr>
+                                    <m:t>𝑐</m:t>
+                                  </m:r>
+                                </m:e>
+                              </m:acc>
+                            </m:e>
+                            <m:sub>
+                              <m:r>
+                                <a:rPr lang="en-US" b="0" i="1" smtClean="0">
+                                  <a:latin typeface="Cambria Math" panose="02040503050406030204" pitchFamily="18" charset="0"/>
+                                </a:rPr>
+                                <m:t>𝜆</m:t>
+                              </m:r>
+                            </m:sub>
+                          </m:sSub>
+                        </m:sub>
+                      </m:sSub>
+                      <m:d>
+                        <m:dPr>
+                          <m:ctrlPr>
+                            <a:rPr lang="en-US" b="0" i="1" smtClean="0">
+                              <a:latin typeface="Cambria Math" panose="02040503050406030204" pitchFamily="18" charset="0"/>
+                            </a:rPr>
+                          </m:ctrlPr>
+                        </m:dPr>
+                        <m:e>
+                          <m:acc>
+                            <m:accPr>
+                              <m:chr m:val="̂"/>
+                              <m:ctrlPr>
+                                <a:rPr lang="en-US" b="0" i="1" smtClean="0">
+                                  <a:latin typeface="Cambria Math" panose="02040503050406030204" pitchFamily="18" charset="0"/>
+                                </a:rPr>
+                              </m:ctrlPr>
+                            </m:accPr>
+                            <m:e>
+                              <m:r>
+                                <a:rPr lang="en-US" b="0" i="1" smtClean="0">
+                                  <a:latin typeface="Cambria Math" panose="02040503050406030204" pitchFamily="18" charset="0"/>
+                                </a:rPr>
+                                <m:t>𝜇</m:t>
+                              </m:r>
+                            </m:e>
+                          </m:acc>
+                          <m:r>
+                            <a:rPr lang="en-US" b="0" i="1" smtClean="0">
+                              <a:latin typeface="Cambria Math" panose="02040503050406030204" pitchFamily="18" charset="0"/>
+                            </a:rPr>
+                            <m:t>,</m:t>
+                          </m:r>
+                          <m:acc>
+                            <m:accPr>
+                              <m:chr m:val="̂"/>
+                              <m:ctrlPr>
+                                <a:rPr lang="en-US" b="0" i="1" smtClean="0">
+                                  <a:latin typeface="Cambria Math" panose="02040503050406030204" pitchFamily="18" charset="0"/>
+                                </a:rPr>
+                              </m:ctrlPr>
+                            </m:accPr>
+                            <m:e>
+                              <m:r>
+                                <a:rPr lang="en-US" b="0" i="1" smtClean="0">
+                                  <a:latin typeface="Cambria Math" panose="02040503050406030204" pitchFamily="18" charset="0"/>
+                                </a:rPr>
+                                <m:t>𝜈</m:t>
+                              </m:r>
+                            </m:e>
+                          </m:acc>
+                        </m:e>
+                      </m:d>
+                    </m:oMath>
+                  </m:oMathPara>
+                </a14:m>
+                <a:endParaRPr lang="en-US" dirty="0"/>
+              </a:p>
+              <a:p>
+                <a:pPr marL="0" indent="0">
+                  <a:buNone/>
+                </a:pPr>
                 <a:endParaRPr lang="en-US" dirty="0"/>
               </a:p>
               <a:p>
@@ -9779,7 +11252,7 @@
             </p:txBody>
           </p:sp>
         </mc:Choice>
-        <mc:Fallback>
+        <mc:Fallback xmlns="">
           <p:sp>
             <p:nvSpPr>
               <p:cNvPr id="3" name="Content Placeholder 2">
@@ -9804,7 +11277,7 @@
               <a:blipFill>
                 <a:blip r:embed="rId2"/>
                 <a:stretch>
-                  <a:fillRect l="-978" t="-1878"/>
+                  <a:fillRect l="-863" t="-2700"/>
                 </a:stretch>
               </a:blipFill>
             </p:spPr>
@@ -9827,6 +11300,2640 @@
     <p:extLst>
       <p:ext uri="{BB962C8B-B14F-4D97-AF65-F5344CB8AC3E}">
         <p14:creationId xmlns:p14="http://schemas.microsoft.com/office/powerpoint/2010/main" val="3204548764"/>
+      </p:ext>
+    </p:extLst>
+  </p:cSld>
+  <p:clrMapOvr>
+    <a:masterClrMapping/>
+  </p:clrMapOvr>
+</p:sld>
+</file>
+
+<file path=ppt/slides/slide17.xml><?xml version="1.0" encoding="utf-8"?>
+<p:sld xmlns:a="http://schemas.openxmlformats.org/drawingml/2006/main" xmlns:r="http://schemas.openxmlformats.org/officeDocument/2006/relationships" xmlns:p="http://schemas.openxmlformats.org/presentationml/2006/main">
+  <p:cSld>
+    <p:spTree>
+      <p:nvGrpSpPr>
+        <p:cNvPr id="1" name=""/>
+        <p:cNvGrpSpPr/>
+        <p:nvPr/>
+      </p:nvGrpSpPr>
+      <p:grpSpPr>
+        <a:xfrm>
+          <a:off x="0" y="0"/>
+          <a:ext cx="0" cy="0"/>
+          <a:chOff x="0" y="0"/>
+          <a:chExt cx="0" cy="0"/>
+        </a:xfrm>
+      </p:grpSpPr>
+      <p:sp>
+        <p:nvSpPr>
+          <p:cNvPr id="2" name="Title 1">
+            <a:extLst>
+              <a:ext uri="{FF2B5EF4-FFF2-40B4-BE49-F238E27FC236}">
+                <a16:creationId xmlns:a16="http://schemas.microsoft.com/office/drawing/2014/main" id="{D3B42446-AFD3-4A8B-958B-13914FF5FD12}"/>
+              </a:ext>
+            </a:extLst>
+          </p:cNvPr>
+          <p:cNvSpPr>
+            <a:spLocks noGrp="1"/>
+          </p:cNvSpPr>
+          <p:nvPr>
+            <p:ph type="title"/>
+          </p:nvPr>
+        </p:nvSpPr>
+        <p:spPr>
+          <a:xfrm>
+            <a:off x="838200" y="365125"/>
+            <a:ext cx="10003971" cy="839561"/>
+          </a:xfrm>
+        </p:spPr>
+        <p:txBody>
+          <a:bodyPr/>
+          <a:lstStyle/>
+          <a:p>
+            <a:r>
+              <a:rPr lang="en-US" dirty="0"/>
+              <a:t>Computation of Empirical OPT</a:t>
+            </a:r>
+          </a:p>
+        </p:txBody>
+      </p:sp>
+      <mc:AlternateContent xmlns:mc="http://schemas.openxmlformats.org/markup-compatibility/2006" xmlns:a14="http://schemas.microsoft.com/office/drawing/2010/main">
+        <mc:Choice Requires="a14">
+          <p:sp>
+            <p:nvSpPr>
+              <p:cNvPr id="3" name="Content Placeholder 2">
+                <a:extLst>
+                  <a:ext uri="{FF2B5EF4-FFF2-40B4-BE49-F238E27FC236}">
+                    <a16:creationId xmlns:a16="http://schemas.microsoft.com/office/drawing/2014/main" id="{AE60F263-E68A-4D15-82C1-C7ED3D38EF3E}"/>
+                  </a:ext>
+                </a:extLst>
+              </p:cNvPr>
+              <p:cNvSpPr>
+                <a:spLocks noGrp="1"/>
+              </p:cNvSpPr>
+              <p:nvPr>
+                <p:ph idx="1"/>
+              </p:nvPr>
+            </p:nvSpPr>
+            <p:spPr>
+              <a:xfrm>
+                <a:off x="838200" y="1112762"/>
+                <a:ext cx="10515600" cy="5064201"/>
+              </a:xfrm>
+            </p:spPr>
+            <p:txBody>
+              <a:bodyPr>
+                <a:normAutofit/>
+              </a:bodyPr>
+              <a:lstStyle/>
+              <a:p>
+                <a:r>
+                  <a:rPr lang="en-US" dirty="0"/>
+                  <a:t>Empirical OPT: </a:t>
+                </a:r>
+              </a:p>
+              <a:p>
+                <a:pPr marL="0" indent="0">
+                  <a:buNone/>
+                </a:pPr>
+                <a14:m>
+                  <m:oMath xmlns:m="http://schemas.openxmlformats.org/officeDocument/2006/math">
+                    <m:r>
+                      <a:rPr lang="en-US" b="0" i="1" smtClean="0">
+                        <a:latin typeface="Cambria Math" panose="02040503050406030204" pitchFamily="18" charset="0"/>
+                      </a:rPr>
+                      <m:t>𝜇</m:t>
+                    </m:r>
+                    <m:r>
+                      <a:rPr lang="en-US" b="0" i="1" smtClean="0">
+                        <a:latin typeface="Cambria Math" panose="02040503050406030204" pitchFamily="18" charset="0"/>
+                      </a:rPr>
+                      <m:t>≔</m:t>
+                    </m:r>
+                    <m:nary>
+                      <m:naryPr>
+                        <m:chr m:val="∑"/>
+                        <m:ctrlPr>
+                          <a:rPr lang="en-US" b="0" i="1" smtClean="0">
+                            <a:latin typeface="Cambria Math" panose="02040503050406030204" pitchFamily="18" charset="0"/>
+                          </a:rPr>
+                        </m:ctrlPr>
+                      </m:naryPr>
+                      <m:sub>
+                        <m:r>
+                          <a:rPr lang="en-US" b="0" i="1" smtClean="0">
+                            <a:latin typeface="Cambria Math" panose="02040503050406030204" pitchFamily="18" charset="0"/>
+                          </a:rPr>
+                          <m:t>𝑖</m:t>
+                        </m:r>
+                        <m:r>
+                          <a:rPr lang="en-US" b="0" i="1" smtClean="0">
+                            <a:latin typeface="Cambria Math" panose="02040503050406030204" pitchFamily="18" charset="0"/>
+                          </a:rPr>
+                          <m:t>=1</m:t>
+                        </m:r>
+                      </m:sub>
+                      <m:sup>
+                        <m:r>
+                          <a:rPr lang="en-US" b="0" i="1" smtClean="0">
+                            <a:latin typeface="Cambria Math" panose="02040503050406030204" pitchFamily="18" charset="0"/>
+                          </a:rPr>
+                          <m:t>𝑛</m:t>
+                        </m:r>
+                      </m:sup>
+                      <m:e>
+                        <m:sSub>
+                          <m:sSubPr>
+                            <m:ctrlPr>
+                              <a:rPr lang="en-US" b="0" i="1" smtClean="0">
+                                <a:latin typeface="Cambria Math" panose="02040503050406030204" pitchFamily="18" charset="0"/>
+                              </a:rPr>
+                            </m:ctrlPr>
+                          </m:sSubPr>
+                          <m:e>
+                            <m:r>
+                              <a:rPr lang="en-US" b="0" i="1" smtClean="0">
+                                <a:latin typeface="Cambria Math" panose="02040503050406030204" pitchFamily="18" charset="0"/>
+                              </a:rPr>
+                              <m:t>𝛿</m:t>
+                            </m:r>
+                          </m:e>
+                          <m:sub>
+                            <m:sSub>
+                              <m:sSubPr>
+                                <m:ctrlPr>
+                                  <a:rPr lang="en-US" b="0" i="1" smtClean="0">
+                                    <a:latin typeface="Cambria Math" panose="02040503050406030204" pitchFamily="18" charset="0"/>
+                                  </a:rPr>
+                                </m:ctrlPr>
+                              </m:sSubPr>
+                              <m:e>
+                                <m:r>
+                                  <a:rPr lang="en-US" b="0" i="1" smtClean="0">
+                                    <a:latin typeface="Cambria Math" panose="02040503050406030204" pitchFamily="18" charset="0"/>
+                                  </a:rPr>
+                                  <m:t>𝑥</m:t>
+                                </m:r>
+                              </m:e>
+                              <m:sub>
+                                <m:r>
+                                  <a:rPr lang="en-US" b="0" i="1" smtClean="0">
+                                    <a:latin typeface="Cambria Math" panose="02040503050406030204" pitchFamily="18" charset="0"/>
+                                  </a:rPr>
+                                  <m:t>𝑖</m:t>
+                                </m:r>
+                              </m:sub>
+                            </m:sSub>
+                          </m:sub>
+                        </m:sSub>
+                      </m:e>
+                    </m:nary>
+                    <m:r>
+                      <a:rPr lang="en-US" b="0" i="1" smtClean="0">
+                        <a:latin typeface="Cambria Math" panose="02040503050406030204" pitchFamily="18" charset="0"/>
+                      </a:rPr>
+                      <m:t>,</m:t>
+                    </m:r>
+                    <m:r>
+                      <a:rPr lang="en-US" b="0" i="1" smtClean="0">
+                        <a:latin typeface="Cambria Math" panose="02040503050406030204" pitchFamily="18" charset="0"/>
+                      </a:rPr>
+                      <m:t>𝜈</m:t>
+                    </m:r>
+                    <m:r>
+                      <a:rPr lang="en-US" b="0" i="1" smtClean="0">
+                        <a:latin typeface="Cambria Math" panose="02040503050406030204" pitchFamily="18" charset="0"/>
+                      </a:rPr>
+                      <m:t>≔</m:t>
+                    </m:r>
+                    <m:nary>
+                      <m:naryPr>
+                        <m:chr m:val="∑"/>
+                        <m:ctrlPr>
+                          <a:rPr lang="en-US" b="0" i="1" smtClean="0">
+                            <a:latin typeface="Cambria Math" panose="02040503050406030204" pitchFamily="18" charset="0"/>
+                          </a:rPr>
+                        </m:ctrlPr>
+                      </m:naryPr>
+                      <m:sub>
+                        <m:r>
+                          <a:rPr lang="en-US" b="0" i="1" smtClean="0">
+                            <a:latin typeface="Cambria Math" panose="02040503050406030204" pitchFamily="18" charset="0"/>
+                          </a:rPr>
+                          <m:t>𝑗</m:t>
+                        </m:r>
+                        <m:r>
+                          <a:rPr lang="en-US" b="0" i="1" smtClean="0">
+                            <a:latin typeface="Cambria Math" panose="02040503050406030204" pitchFamily="18" charset="0"/>
+                          </a:rPr>
+                          <m:t>=1</m:t>
+                        </m:r>
+                      </m:sub>
+                      <m:sup>
+                        <m:r>
+                          <a:rPr lang="en-US" b="0" i="1" smtClean="0">
+                            <a:latin typeface="Cambria Math" panose="02040503050406030204" pitchFamily="18" charset="0"/>
+                          </a:rPr>
+                          <m:t>𝑚</m:t>
+                        </m:r>
+                      </m:sup>
+                      <m:e>
+                        <m:sSub>
+                          <m:sSubPr>
+                            <m:ctrlPr>
+                              <a:rPr lang="en-US" b="0" i="1" smtClean="0">
+                                <a:latin typeface="Cambria Math" panose="02040503050406030204" pitchFamily="18" charset="0"/>
+                              </a:rPr>
+                            </m:ctrlPr>
+                          </m:sSubPr>
+                          <m:e>
+                            <m:r>
+                              <a:rPr lang="en-US" b="0" i="1" smtClean="0">
+                                <a:latin typeface="Cambria Math" panose="02040503050406030204" pitchFamily="18" charset="0"/>
+                              </a:rPr>
+                              <m:t>𝛿</m:t>
+                            </m:r>
+                          </m:e>
+                          <m:sub>
+                            <m:sSub>
+                              <m:sSubPr>
+                                <m:ctrlPr>
+                                  <a:rPr lang="en-US" b="0" i="1" smtClean="0">
+                                    <a:latin typeface="Cambria Math" panose="02040503050406030204" pitchFamily="18" charset="0"/>
+                                  </a:rPr>
+                                </m:ctrlPr>
+                              </m:sSubPr>
+                              <m:e>
+                                <m:r>
+                                  <a:rPr lang="en-US" b="0" i="1" smtClean="0">
+                                    <a:latin typeface="Cambria Math" panose="02040503050406030204" pitchFamily="18" charset="0"/>
+                                  </a:rPr>
+                                  <m:t>𝑦</m:t>
+                                </m:r>
+                              </m:e>
+                              <m:sub>
+                                <m:r>
+                                  <a:rPr lang="en-US" b="0" i="1" smtClean="0">
+                                    <a:latin typeface="Cambria Math" panose="02040503050406030204" pitchFamily="18" charset="0"/>
+                                  </a:rPr>
+                                  <m:t>𝑗</m:t>
+                                </m:r>
+                              </m:sub>
+                            </m:sSub>
+                          </m:sub>
+                        </m:sSub>
+                      </m:e>
+                    </m:nary>
+                  </m:oMath>
+                </a14:m>
+                <a:r>
+                  <a:rPr lang="en-US" dirty="0"/>
+                  <a:t> (we suppose </a:t>
+                </a:r>
+                <a14:m>
+                  <m:oMath xmlns:m="http://schemas.openxmlformats.org/officeDocument/2006/math">
+                    <m:r>
+                      <a:rPr lang="en-US" b="0" i="1" smtClean="0">
+                        <a:latin typeface="Cambria Math" panose="02040503050406030204" pitchFamily="18" charset="0"/>
+                      </a:rPr>
+                      <m:t>𝑛</m:t>
+                    </m:r>
+                    <m:r>
+                      <a:rPr lang="en-US" b="0" i="1" smtClean="0">
+                        <a:latin typeface="Cambria Math" panose="02040503050406030204" pitchFamily="18" charset="0"/>
+                      </a:rPr>
+                      <m:t>≤</m:t>
+                    </m:r>
+                    <m:r>
+                      <a:rPr lang="en-US" b="0" i="1" smtClean="0">
+                        <a:latin typeface="Cambria Math" panose="02040503050406030204" pitchFamily="18" charset="0"/>
+                      </a:rPr>
+                      <m:t>𝑚</m:t>
+                    </m:r>
+                  </m:oMath>
+                </a14:m>
+                <a:r>
+                  <a:rPr lang="en-US" dirty="0"/>
+                  <a:t>). </a:t>
+                </a:r>
+              </a:p>
+              <a:p>
+                <a:pPr marL="0" indent="0">
+                  <a:buNone/>
+                </a:pPr>
+                <a:r>
+                  <a:rPr lang="en-US" dirty="0"/>
+                  <a:t>Then </a:t>
+                </a:r>
+                <a14:m>
+                  <m:oMath xmlns:m="http://schemas.openxmlformats.org/officeDocument/2006/math">
+                    <m:r>
+                      <a:rPr lang="en-US" b="0" i="1" smtClean="0">
+                        <a:latin typeface="Cambria Math" panose="02040503050406030204" pitchFamily="18" charset="0"/>
+                      </a:rPr>
+                      <m:t>𝑂𝑃𝑇</m:t>
+                    </m:r>
+                    <m:d>
+                      <m:dPr>
+                        <m:ctrlPr>
+                          <a:rPr lang="en-US" b="0" i="1" smtClean="0">
+                            <a:latin typeface="Cambria Math" panose="02040503050406030204" pitchFamily="18" charset="0"/>
+                          </a:rPr>
+                        </m:ctrlPr>
+                      </m:dPr>
+                      <m:e>
+                        <m:r>
+                          <a:rPr lang="en-US" b="0" i="1" smtClean="0">
+                            <a:latin typeface="Cambria Math" panose="02040503050406030204" pitchFamily="18" charset="0"/>
+                          </a:rPr>
+                          <m:t>𝜇</m:t>
+                        </m:r>
+                        <m:r>
+                          <a:rPr lang="en-US" b="0" i="1" smtClean="0">
+                            <a:latin typeface="Cambria Math" panose="02040503050406030204" pitchFamily="18" charset="0"/>
+                          </a:rPr>
+                          <m:t>,</m:t>
+                        </m:r>
+                        <m:r>
+                          <a:rPr lang="en-US" b="0" i="1" smtClean="0">
+                            <a:latin typeface="Cambria Math" panose="02040503050406030204" pitchFamily="18" charset="0"/>
+                          </a:rPr>
+                          <m:t>𝜈</m:t>
+                        </m:r>
+                      </m:e>
+                    </m:d>
+                    <m:r>
+                      <a:rPr lang="en-US" b="0" i="1" smtClean="0">
+                        <a:latin typeface="Cambria Math" panose="02040503050406030204" pitchFamily="18" charset="0"/>
+                      </a:rPr>
+                      <m:t>=</m:t>
+                    </m:r>
+                    <m:r>
+                      <a:rPr lang="en-US" b="0" i="1" smtClean="0">
+                        <a:latin typeface="Cambria Math" panose="02040503050406030204" pitchFamily="18" charset="0"/>
+                      </a:rPr>
+                      <m:t>𝑂𝑃𝑇</m:t>
+                    </m:r>
+                    <m:d>
+                      <m:dPr>
+                        <m:ctrlPr>
+                          <a:rPr lang="en-US" b="0" i="1" smtClean="0">
+                            <a:latin typeface="Cambria Math" panose="02040503050406030204" pitchFamily="18" charset="0"/>
+                          </a:rPr>
+                        </m:ctrlPr>
+                      </m:dPr>
+                      <m:e>
+                        <m:sSubSup>
+                          <m:sSubSupPr>
+                            <m:ctrlPr>
+                              <a:rPr lang="en-US" b="0" i="1" smtClean="0">
+                                <a:latin typeface="Cambria Math" panose="02040503050406030204" pitchFamily="18" charset="0"/>
+                              </a:rPr>
+                            </m:ctrlPr>
+                          </m:sSubSupPr>
+                          <m:e>
+                            <m:d>
+                              <m:dPr>
+                                <m:begChr m:val="{"/>
+                                <m:endChr m:val="}"/>
+                                <m:ctrlPr>
+                                  <a:rPr lang="en-US" b="0" i="1" smtClean="0">
+                                    <a:latin typeface="Cambria Math" panose="02040503050406030204" pitchFamily="18" charset="0"/>
+                                  </a:rPr>
+                                </m:ctrlPr>
+                              </m:dPr>
+                              <m:e>
+                                <m:sSub>
+                                  <m:sSubPr>
+                                    <m:ctrlPr>
+                                      <a:rPr lang="en-US" b="0" i="1" smtClean="0">
+                                        <a:latin typeface="Cambria Math" panose="02040503050406030204" pitchFamily="18" charset="0"/>
+                                      </a:rPr>
+                                    </m:ctrlPr>
+                                  </m:sSubPr>
+                                  <m:e>
+                                    <m:r>
+                                      <a:rPr lang="en-US" b="0" i="1" smtClean="0">
+                                        <a:latin typeface="Cambria Math" panose="02040503050406030204" pitchFamily="18" charset="0"/>
+                                      </a:rPr>
+                                      <m:t>𝑥</m:t>
+                                    </m:r>
+                                  </m:e>
+                                  <m:sub>
+                                    <m:r>
+                                      <a:rPr lang="en-US" b="0" i="1" smtClean="0">
+                                        <a:latin typeface="Cambria Math" panose="02040503050406030204" pitchFamily="18" charset="0"/>
+                                      </a:rPr>
+                                      <m:t>𝑖</m:t>
+                                    </m:r>
+                                  </m:sub>
+                                </m:sSub>
+                              </m:e>
+                            </m:d>
+                          </m:e>
+                          <m:sub>
+                            <m:r>
+                              <a:rPr lang="en-US" b="0" i="1" smtClean="0">
+                                <a:latin typeface="Cambria Math" panose="02040503050406030204" pitchFamily="18" charset="0"/>
+                              </a:rPr>
+                              <m:t>𝑖</m:t>
+                            </m:r>
+                            <m:r>
+                              <a:rPr lang="en-US" b="0" i="1" smtClean="0">
+                                <a:latin typeface="Cambria Math" panose="02040503050406030204" pitchFamily="18" charset="0"/>
+                              </a:rPr>
+                              <m:t>=1</m:t>
+                            </m:r>
+                          </m:sub>
+                          <m:sup>
+                            <m:r>
+                              <a:rPr lang="en-US" b="0" i="1" smtClean="0">
+                                <a:latin typeface="Cambria Math" panose="02040503050406030204" pitchFamily="18" charset="0"/>
+                              </a:rPr>
+                              <m:t>𝑛</m:t>
+                            </m:r>
+                          </m:sup>
+                        </m:sSubSup>
+                        <m:r>
+                          <a:rPr lang="en-US" b="0" i="1" smtClean="0">
+                            <a:latin typeface="Cambria Math" panose="02040503050406030204" pitchFamily="18" charset="0"/>
+                          </a:rPr>
+                          <m:t>,</m:t>
+                        </m:r>
+                        <m:sSubSup>
+                          <m:sSubSupPr>
+                            <m:ctrlPr>
+                              <a:rPr lang="en-US" b="0" i="1" smtClean="0">
+                                <a:latin typeface="Cambria Math" panose="02040503050406030204" pitchFamily="18" charset="0"/>
+                              </a:rPr>
+                            </m:ctrlPr>
+                          </m:sSubSupPr>
+                          <m:e>
+                            <m:d>
+                              <m:dPr>
+                                <m:begChr m:val="{"/>
+                                <m:endChr m:val="}"/>
+                                <m:ctrlPr>
+                                  <a:rPr lang="en-US" b="0" i="1" smtClean="0">
+                                    <a:latin typeface="Cambria Math" panose="02040503050406030204" pitchFamily="18" charset="0"/>
+                                  </a:rPr>
+                                </m:ctrlPr>
+                              </m:dPr>
+                              <m:e>
+                                <m:sSub>
+                                  <m:sSubPr>
+                                    <m:ctrlPr>
+                                      <a:rPr lang="en-US" b="0" i="1" smtClean="0">
+                                        <a:latin typeface="Cambria Math" panose="02040503050406030204" pitchFamily="18" charset="0"/>
+                                      </a:rPr>
+                                    </m:ctrlPr>
+                                  </m:sSubPr>
+                                  <m:e>
+                                    <m:r>
+                                      <a:rPr lang="en-US" b="0" i="1" smtClean="0">
+                                        <a:latin typeface="Cambria Math" panose="02040503050406030204" pitchFamily="18" charset="0"/>
+                                      </a:rPr>
+                                      <m:t>𝑦</m:t>
+                                    </m:r>
+                                  </m:e>
+                                  <m:sub>
+                                    <m:r>
+                                      <a:rPr lang="en-US" b="0" i="1" smtClean="0">
+                                        <a:latin typeface="Cambria Math" panose="02040503050406030204" pitchFamily="18" charset="0"/>
+                                      </a:rPr>
+                                      <m:t>𝑗</m:t>
+                                    </m:r>
+                                  </m:sub>
+                                </m:sSub>
+                              </m:e>
+                            </m:d>
+                          </m:e>
+                          <m:sub>
+                            <m:r>
+                              <a:rPr lang="en-US" b="0" i="1" smtClean="0">
+                                <a:latin typeface="Cambria Math" panose="02040503050406030204" pitchFamily="18" charset="0"/>
+                              </a:rPr>
+                              <m:t>𝑗</m:t>
+                            </m:r>
+                            <m:r>
+                              <a:rPr lang="en-US" b="0" i="1" smtClean="0">
+                                <a:latin typeface="Cambria Math" panose="02040503050406030204" pitchFamily="18" charset="0"/>
+                              </a:rPr>
+                              <m:t>=1</m:t>
+                            </m:r>
+                          </m:sub>
+                          <m:sup>
+                            <m:r>
+                              <a:rPr lang="en-US" b="0" i="1" smtClean="0">
+                                <a:latin typeface="Cambria Math" panose="02040503050406030204" pitchFamily="18" charset="0"/>
+                              </a:rPr>
+                              <m:t>𝑚</m:t>
+                            </m:r>
+                          </m:sup>
+                        </m:sSubSup>
+                      </m:e>
+                    </m:d>
+                  </m:oMath>
+                </a14:m>
+                <a:r>
+                  <a:rPr lang="en-US" dirty="0"/>
+                  <a:t>  is defined as </a:t>
+                </a:r>
+              </a:p>
+              <a:p>
+                <a:pPr marL="0" indent="0">
+                  <a:buNone/>
+                </a:pPr>
+                <a14:m>
+                  <m:oMathPara xmlns:m="http://schemas.openxmlformats.org/officeDocument/2006/math">
+                    <m:oMathParaPr>
+                      <m:jc m:val="centerGroup"/>
+                    </m:oMathParaPr>
+                    <m:oMath xmlns:m="http://schemas.openxmlformats.org/officeDocument/2006/math">
+                      <m:func>
+                        <m:funcPr>
+                          <m:ctrlPr>
+                            <a:rPr lang="en-US" b="0" i="1" smtClean="0">
+                              <a:latin typeface="Cambria Math" panose="02040503050406030204" pitchFamily="18" charset="0"/>
+                            </a:rPr>
+                          </m:ctrlPr>
+                        </m:funcPr>
+                        <m:fName>
+                          <m:limLow>
+                            <m:limLowPr>
+                              <m:ctrlPr>
+                                <a:rPr lang="en-US" b="0" i="1" smtClean="0">
+                                  <a:latin typeface="Cambria Math" panose="02040503050406030204" pitchFamily="18" charset="0"/>
+                                </a:rPr>
+                              </m:ctrlPr>
+                            </m:limLowPr>
+                            <m:e>
+                              <m:r>
+                                <m:rPr>
+                                  <m:sty m:val="p"/>
+                                </m:rPr>
+                                <a:rPr lang="en-US" b="0" i="0" smtClean="0">
+                                  <a:latin typeface="Cambria Math" panose="02040503050406030204" pitchFamily="18" charset="0"/>
+                                </a:rPr>
+                                <m:t>min</m:t>
+                              </m:r>
+                            </m:e>
+                            <m:lim>
+                              <m:r>
+                                <a:rPr lang="en-US" b="0" i="1" smtClean="0">
+                                  <a:latin typeface="Cambria Math" panose="02040503050406030204" pitchFamily="18" charset="0"/>
+                                </a:rPr>
+                                <m:t>𝜋</m:t>
+                              </m:r>
+                            </m:lim>
+                          </m:limLow>
+                        </m:fName>
+                        <m:e>
+                          <m:nary>
+                            <m:naryPr>
+                              <m:chr m:val="∑"/>
+                              <m:supHide m:val="on"/>
+                              <m:ctrlPr>
+                                <a:rPr lang="en-US" b="0" i="1" smtClean="0">
+                                  <a:latin typeface="Cambria Math" panose="02040503050406030204" pitchFamily="18" charset="0"/>
+                                </a:rPr>
+                              </m:ctrlPr>
+                            </m:naryPr>
+                            <m:sub>
+                              <m:r>
+                                <a:rPr lang="en-US" b="0" i="1" smtClean="0">
+                                  <a:latin typeface="Cambria Math" panose="02040503050406030204" pitchFamily="18" charset="0"/>
+                                </a:rPr>
+                                <m:t>𝑖</m:t>
+                              </m:r>
+                              <m:r>
+                                <a:rPr lang="en-US" b="0" i="1" smtClean="0">
+                                  <a:latin typeface="Cambria Math" panose="02040503050406030204" pitchFamily="18" charset="0"/>
+                                </a:rPr>
+                                <m:t>,</m:t>
+                              </m:r>
+                              <m:r>
+                                <a:rPr lang="en-US" b="0" i="1" smtClean="0">
+                                  <a:latin typeface="Cambria Math" panose="02040503050406030204" pitchFamily="18" charset="0"/>
+                                </a:rPr>
+                                <m:t>𝑗</m:t>
+                              </m:r>
+                            </m:sub>
+                            <m:sup/>
+                            <m:e>
+                              <m:d>
+                                <m:dPr>
+                                  <m:begChr m:val="‖"/>
+                                  <m:endChr m:val="‖"/>
+                                  <m:ctrlPr>
+                                    <a:rPr lang="en-US" b="0" i="1" smtClean="0">
+                                      <a:latin typeface="Cambria Math" panose="02040503050406030204" pitchFamily="18" charset="0"/>
+                                    </a:rPr>
+                                  </m:ctrlPr>
+                                </m:dPr>
+                                <m:e>
+                                  <m:sSub>
+                                    <m:sSubPr>
+                                      <m:ctrlPr>
+                                        <a:rPr lang="en-US" b="0" i="1" smtClean="0">
+                                          <a:latin typeface="Cambria Math" panose="02040503050406030204" pitchFamily="18" charset="0"/>
+                                        </a:rPr>
+                                      </m:ctrlPr>
+                                    </m:sSubPr>
+                                    <m:e>
+                                      <m:r>
+                                        <a:rPr lang="en-US" b="0" i="1" smtClean="0">
+                                          <a:latin typeface="Cambria Math" panose="02040503050406030204" pitchFamily="18" charset="0"/>
+                                        </a:rPr>
+                                        <m:t>𝑥</m:t>
+                                      </m:r>
+                                    </m:e>
+                                    <m:sub>
+                                      <m:r>
+                                        <a:rPr lang="en-US" b="0" i="1" smtClean="0">
+                                          <a:latin typeface="Cambria Math" panose="02040503050406030204" pitchFamily="18" charset="0"/>
+                                        </a:rPr>
+                                        <m:t>𝑖</m:t>
+                                      </m:r>
+                                    </m:sub>
+                                  </m:sSub>
+                                  <m:r>
+                                    <a:rPr lang="en-US" b="0" i="1" smtClean="0">
+                                      <a:latin typeface="Cambria Math" panose="02040503050406030204" pitchFamily="18" charset="0"/>
+                                    </a:rPr>
+                                    <m:t>−</m:t>
+                                  </m:r>
+                                  <m:sSub>
+                                    <m:sSubPr>
+                                      <m:ctrlPr>
+                                        <a:rPr lang="en-US" b="0" i="1" smtClean="0">
+                                          <a:latin typeface="Cambria Math" panose="02040503050406030204" pitchFamily="18" charset="0"/>
+                                        </a:rPr>
+                                      </m:ctrlPr>
+                                    </m:sSubPr>
+                                    <m:e>
+                                      <m:r>
+                                        <a:rPr lang="en-US" b="0" i="1" smtClean="0">
+                                          <a:latin typeface="Cambria Math" panose="02040503050406030204" pitchFamily="18" charset="0"/>
+                                        </a:rPr>
+                                        <m:t>𝑦</m:t>
+                                      </m:r>
+                                    </m:e>
+                                    <m:sub>
+                                      <m:r>
+                                        <a:rPr lang="en-US" b="0" i="1" smtClean="0">
+                                          <a:latin typeface="Cambria Math" panose="02040503050406030204" pitchFamily="18" charset="0"/>
+                                        </a:rPr>
+                                        <m:t>𝑗</m:t>
+                                      </m:r>
+                                    </m:sub>
+                                  </m:sSub>
+                                </m:e>
+                              </m:d>
+                              <m:sSub>
+                                <m:sSubPr>
+                                  <m:ctrlPr>
+                                    <a:rPr lang="en-US" b="0" i="1" smtClean="0">
+                                      <a:latin typeface="Cambria Math" panose="02040503050406030204" pitchFamily="18" charset="0"/>
+                                    </a:rPr>
+                                  </m:ctrlPr>
+                                </m:sSubPr>
+                                <m:e>
+                                  <m:r>
+                                    <a:rPr lang="en-US" b="0" i="1" smtClean="0">
+                                      <a:latin typeface="Cambria Math" panose="02040503050406030204" pitchFamily="18" charset="0"/>
+                                    </a:rPr>
+                                    <m:t>𝜋</m:t>
+                                  </m:r>
+                                </m:e>
+                                <m:sub>
+                                  <m:r>
+                                    <a:rPr lang="en-US" b="0" i="1" smtClean="0">
+                                      <a:latin typeface="Cambria Math" panose="02040503050406030204" pitchFamily="18" charset="0"/>
+                                    </a:rPr>
+                                    <m:t>𝑖𝑗</m:t>
+                                  </m:r>
+                                </m:sub>
+                              </m:sSub>
+                            </m:e>
+                          </m:nary>
+                          <m:r>
+                            <a:rPr lang="en-US" b="0" i="1" smtClean="0">
+                              <a:latin typeface="Cambria Math" panose="02040503050406030204" pitchFamily="18" charset="0"/>
+                            </a:rPr>
+                            <m:t>+</m:t>
+                          </m:r>
+                          <m:sSub>
+                            <m:sSubPr>
+                              <m:ctrlPr>
+                                <a:rPr lang="en-US" b="0" i="1" smtClean="0">
+                                  <a:latin typeface="Cambria Math" panose="02040503050406030204" pitchFamily="18" charset="0"/>
+                                </a:rPr>
+                              </m:ctrlPr>
+                            </m:sSubPr>
+                            <m:e>
+                              <m:r>
+                                <a:rPr lang="en-US" b="0" i="1" smtClean="0">
+                                  <a:latin typeface="Cambria Math" panose="02040503050406030204" pitchFamily="18" charset="0"/>
+                                </a:rPr>
+                                <m:t>𝜆</m:t>
+                              </m:r>
+                            </m:e>
+                            <m:sub>
+                              <m:r>
+                                <a:rPr lang="en-US" b="0" i="1" smtClean="0">
+                                  <a:latin typeface="Cambria Math" panose="02040503050406030204" pitchFamily="18" charset="0"/>
+                                </a:rPr>
+                                <m:t>1</m:t>
+                              </m:r>
+                            </m:sub>
+                          </m:sSub>
+                          <m:d>
+                            <m:dPr>
+                              <m:ctrlPr>
+                                <a:rPr lang="en-US" b="0" i="1" smtClean="0">
+                                  <a:latin typeface="Cambria Math" panose="02040503050406030204" pitchFamily="18" charset="0"/>
+                                </a:rPr>
+                              </m:ctrlPr>
+                            </m:dPr>
+                            <m:e>
+                              <m:r>
+                                <a:rPr lang="en-US" b="0" i="1" smtClean="0">
+                                  <a:latin typeface="Cambria Math" panose="02040503050406030204" pitchFamily="18" charset="0"/>
+                                </a:rPr>
+                                <m:t>𝑛</m:t>
+                              </m:r>
+                              <m:r>
+                                <a:rPr lang="en-US" b="0" i="1" smtClean="0">
+                                  <a:latin typeface="Cambria Math" panose="02040503050406030204" pitchFamily="18" charset="0"/>
+                                </a:rPr>
+                                <m:t>−</m:t>
+                              </m:r>
+                              <m:nary>
+                                <m:naryPr>
+                                  <m:chr m:val="∑"/>
+                                  <m:supHide m:val="on"/>
+                                  <m:ctrlPr>
+                                    <a:rPr lang="en-US" b="0" i="1" smtClean="0">
+                                      <a:latin typeface="Cambria Math" panose="02040503050406030204" pitchFamily="18" charset="0"/>
+                                    </a:rPr>
+                                  </m:ctrlPr>
+                                </m:naryPr>
+                                <m:sub>
+                                  <m:r>
+                                    <a:rPr lang="en-US" b="0" i="1" smtClean="0">
+                                      <a:latin typeface="Cambria Math" panose="02040503050406030204" pitchFamily="18" charset="0"/>
+                                    </a:rPr>
+                                    <m:t>𝑖</m:t>
+                                  </m:r>
+                                  <m:r>
+                                    <a:rPr lang="en-US" b="0" i="1" smtClean="0">
+                                      <a:latin typeface="Cambria Math" panose="02040503050406030204" pitchFamily="18" charset="0"/>
+                                    </a:rPr>
+                                    <m:t>,</m:t>
+                                  </m:r>
+                                  <m:r>
+                                    <a:rPr lang="en-US" b="0" i="1" smtClean="0">
+                                      <a:latin typeface="Cambria Math" panose="02040503050406030204" pitchFamily="18" charset="0"/>
+                                    </a:rPr>
+                                    <m:t>𝑗</m:t>
+                                  </m:r>
+                                </m:sub>
+                                <m:sup/>
+                                <m:e>
+                                  <m:sSub>
+                                    <m:sSubPr>
+                                      <m:ctrlPr>
+                                        <a:rPr lang="en-US" b="0" i="1" smtClean="0">
+                                          <a:latin typeface="Cambria Math" panose="02040503050406030204" pitchFamily="18" charset="0"/>
+                                        </a:rPr>
+                                      </m:ctrlPr>
+                                    </m:sSubPr>
+                                    <m:e>
+                                      <m:r>
+                                        <a:rPr lang="en-US" b="0" i="1" smtClean="0">
+                                          <a:latin typeface="Cambria Math" panose="02040503050406030204" pitchFamily="18" charset="0"/>
+                                        </a:rPr>
+                                        <m:t>𝜋</m:t>
+                                      </m:r>
+                                    </m:e>
+                                    <m:sub>
+                                      <m:r>
+                                        <a:rPr lang="en-US" b="0" i="1" smtClean="0">
+                                          <a:latin typeface="Cambria Math" panose="02040503050406030204" pitchFamily="18" charset="0"/>
+                                        </a:rPr>
+                                        <m:t>𝑖𝑗</m:t>
+                                      </m:r>
+                                    </m:sub>
+                                  </m:sSub>
+                                </m:e>
+                              </m:nary>
+                            </m:e>
+                          </m:d>
+                          <m:r>
+                            <a:rPr lang="en-US" b="0" i="1" smtClean="0">
+                              <a:latin typeface="Cambria Math" panose="02040503050406030204" pitchFamily="18" charset="0"/>
+                            </a:rPr>
+                            <m:t>+</m:t>
+                          </m:r>
+                          <m:sSub>
+                            <m:sSubPr>
+                              <m:ctrlPr>
+                                <a:rPr lang="en-US" b="0" i="1" smtClean="0">
+                                  <a:latin typeface="Cambria Math" panose="02040503050406030204" pitchFamily="18" charset="0"/>
+                                </a:rPr>
+                              </m:ctrlPr>
+                            </m:sSubPr>
+                            <m:e>
+                              <m:r>
+                                <a:rPr lang="en-US" b="0" i="1" smtClean="0">
+                                  <a:latin typeface="Cambria Math" panose="02040503050406030204" pitchFamily="18" charset="0"/>
+                                </a:rPr>
+                                <m:t>𝜆</m:t>
+                              </m:r>
+                            </m:e>
+                            <m:sub>
+                              <m:r>
+                                <a:rPr lang="en-US" b="0" i="1" smtClean="0">
+                                  <a:latin typeface="Cambria Math" panose="02040503050406030204" pitchFamily="18" charset="0"/>
+                                </a:rPr>
+                                <m:t>2</m:t>
+                              </m:r>
+                            </m:sub>
+                          </m:sSub>
+                          <m:d>
+                            <m:dPr>
+                              <m:ctrlPr>
+                                <a:rPr lang="en-US" b="0" i="1" smtClean="0">
+                                  <a:latin typeface="Cambria Math" panose="02040503050406030204" pitchFamily="18" charset="0"/>
+                                </a:rPr>
+                              </m:ctrlPr>
+                            </m:dPr>
+                            <m:e>
+                              <m:r>
+                                <a:rPr lang="en-US" b="0" i="1" smtClean="0">
+                                  <a:latin typeface="Cambria Math" panose="02040503050406030204" pitchFamily="18" charset="0"/>
+                                </a:rPr>
+                                <m:t>𝑚</m:t>
+                              </m:r>
+                              <m:r>
+                                <a:rPr lang="en-US" b="0" i="1" smtClean="0">
+                                  <a:latin typeface="Cambria Math" panose="02040503050406030204" pitchFamily="18" charset="0"/>
+                                </a:rPr>
+                                <m:t>−</m:t>
+                              </m:r>
+                              <m:nary>
+                                <m:naryPr>
+                                  <m:chr m:val="∑"/>
+                                  <m:supHide m:val="on"/>
+                                  <m:ctrlPr>
+                                    <a:rPr lang="en-US" i="1">
+                                      <a:latin typeface="Cambria Math" panose="02040503050406030204" pitchFamily="18" charset="0"/>
+                                    </a:rPr>
+                                  </m:ctrlPr>
+                                </m:naryPr>
+                                <m:sub>
+                                  <m:r>
+                                    <a:rPr lang="en-US" i="1">
+                                      <a:latin typeface="Cambria Math" panose="02040503050406030204" pitchFamily="18" charset="0"/>
+                                    </a:rPr>
+                                    <m:t>𝑖</m:t>
+                                  </m:r>
+                                  <m:r>
+                                    <a:rPr lang="en-US" i="1">
+                                      <a:latin typeface="Cambria Math" panose="02040503050406030204" pitchFamily="18" charset="0"/>
+                                    </a:rPr>
+                                    <m:t>,</m:t>
+                                  </m:r>
+                                  <m:r>
+                                    <a:rPr lang="en-US" i="1">
+                                      <a:latin typeface="Cambria Math" panose="02040503050406030204" pitchFamily="18" charset="0"/>
+                                    </a:rPr>
+                                    <m:t>𝑗</m:t>
+                                  </m:r>
+                                </m:sub>
+                                <m:sup/>
+                                <m:e>
+                                  <m:sSub>
+                                    <m:sSubPr>
+                                      <m:ctrlPr>
+                                        <a:rPr lang="en-US" i="1">
+                                          <a:latin typeface="Cambria Math" panose="02040503050406030204" pitchFamily="18" charset="0"/>
+                                        </a:rPr>
+                                      </m:ctrlPr>
+                                    </m:sSubPr>
+                                    <m:e>
+                                      <m:r>
+                                        <a:rPr lang="en-US" i="1">
+                                          <a:latin typeface="Cambria Math" panose="02040503050406030204" pitchFamily="18" charset="0"/>
+                                        </a:rPr>
+                                        <m:t>𝜋</m:t>
+                                      </m:r>
+                                    </m:e>
+                                    <m:sub>
+                                      <m:r>
+                                        <a:rPr lang="en-US" i="1">
+                                          <a:latin typeface="Cambria Math" panose="02040503050406030204" pitchFamily="18" charset="0"/>
+                                        </a:rPr>
+                                        <m:t>𝑖𝑗</m:t>
+                                      </m:r>
+                                    </m:sub>
+                                  </m:sSub>
+                                </m:e>
+                              </m:nary>
+                            </m:e>
+                          </m:d>
+                        </m:e>
+                      </m:func>
+                    </m:oMath>
+                  </m:oMathPara>
+                </a14:m>
+                <a:endParaRPr lang="en-US" dirty="0"/>
+              </a:p>
+              <a:p>
+                <a:pPr marL="0" indent="0">
+                  <a:buNone/>
+                </a:pPr>
+                <a:r>
+                  <a:rPr lang="en-US" dirty="0"/>
+                  <a:t>  </a:t>
+                </a:r>
+                <a14:m>
+                  <m:oMath xmlns:m="http://schemas.openxmlformats.org/officeDocument/2006/math">
+                    <m:r>
+                      <a:rPr lang="en-US" b="0" i="1" smtClean="0">
+                        <a:latin typeface="Cambria Math" panose="02040503050406030204" pitchFamily="18" charset="0"/>
+                      </a:rPr>
+                      <m:t>=</m:t>
+                    </m:r>
+                    <m:func>
+                      <m:funcPr>
+                        <m:ctrlPr>
+                          <a:rPr lang="en-US" b="0" i="1" smtClean="0">
+                            <a:latin typeface="Cambria Math" panose="02040503050406030204" pitchFamily="18" charset="0"/>
+                          </a:rPr>
+                        </m:ctrlPr>
+                      </m:funcPr>
+                      <m:fName>
+                        <m:limLow>
+                          <m:limLowPr>
+                            <m:ctrlPr>
+                              <a:rPr lang="en-US" b="0" i="1" smtClean="0">
+                                <a:latin typeface="Cambria Math" panose="02040503050406030204" pitchFamily="18" charset="0"/>
+                              </a:rPr>
+                            </m:ctrlPr>
+                          </m:limLowPr>
+                          <m:e>
+                            <m:r>
+                              <m:rPr>
+                                <m:sty m:val="p"/>
+                              </m:rPr>
+                              <a:rPr lang="en-US" b="0" i="0" smtClean="0">
+                                <a:latin typeface="Cambria Math" panose="02040503050406030204" pitchFamily="18" charset="0"/>
+                              </a:rPr>
+                              <m:t>min</m:t>
+                            </m:r>
+                          </m:e>
+                          <m:lim>
+                            <m:r>
+                              <a:rPr lang="en-US" b="0" i="1" smtClean="0">
+                                <a:latin typeface="Cambria Math" panose="02040503050406030204" pitchFamily="18" charset="0"/>
+                              </a:rPr>
+                              <m:t>𝜋</m:t>
+                            </m:r>
+                          </m:lim>
+                        </m:limLow>
+                      </m:fName>
+                      <m:e>
+                        <m:nary>
+                          <m:naryPr>
+                            <m:chr m:val="∑"/>
+                            <m:supHide m:val="on"/>
+                            <m:ctrlPr>
+                              <a:rPr lang="en-US" i="1">
+                                <a:latin typeface="Cambria Math" panose="02040503050406030204" pitchFamily="18" charset="0"/>
+                              </a:rPr>
+                            </m:ctrlPr>
+                          </m:naryPr>
+                          <m:sub>
+                            <m:r>
+                              <a:rPr lang="en-US" i="1">
+                                <a:latin typeface="Cambria Math" panose="02040503050406030204" pitchFamily="18" charset="0"/>
+                              </a:rPr>
+                              <m:t>𝑖</m:t>
+                            </m:r>
+                            <m:r>
+                              <a:rPr lang="en-US" i="1">
+                                <a:latin typeface="Cambria Math" panose="02040503050406030204" pitchFamily="18" charset="0"/>
+                              </a:rPr>
+                              <m:t>,</m:t>
+                            </m:r>
+                            <m:r>
+                              <a:rPr lang="en-US" i="1">
+                                <a:latin typeface="Cambria Math" panose="02040503050406030204" pitchFamily="18" charset="0"/>
+                              </a:rPr>
+                              <m:t>𝑗</m:t>
+                            </m:r>
+                          </m:sub>
+                          <m:sup/>
+                          <m:e>
+                            <m:d>
+                              <m:dPr>
+                                <m:begChr m:val="‖"/>
+                                <m:endChr m:val="‖"/>
+                                <m:ctrlPr>
+                                  <a:rPr lang="en-US" i="1">
+                                    <a:latin typeface="Cambria Math" panose="02040503050406030204" pitchFamily="18" charset="0"/>
+                                  </a:rPr>
+                                </m:ctrlPr>
+                              </m:dPr>
+                              <m:e>
+                                <m:sSub>
+                                  <m:sSubPr>
+                                    <m:ctrlPr>
+                                      <a:rPr lang="en-US" i="1">
+                                        <a:latin typeface="Cambria Math" panose="02040503050406030204" pitchFamily="18" charset="0"/>
+                                      </a:rPr>
+                                    </m:ctrlPr>
+                                  </m:sSubPr>
+                                  <m:e>
+                                    <m:r>
+                                      <a:rPr lang="en-US" i="1">
+                                        <a:latin typeface="Cambria Math" panose="02040503050406030204" pitchFamily="18" charset="0"/>
+                                      </a:rPr>
+                                      <m:t>𝑥</m:t>
+                                    </m:r>
+                                  </m:e>
+                                  <m:sub>
+                                    <m:r>
+                                      <a:rPr lang="en-US" i="1">
+                                        <a:latin typeface="Cambria Math" panose="02040503050406030204" pitchFamily="18" charset="0"/>
+                                      </a:rPr>
+                                      <m:t>𝑖</m:t>
+                                    </m:r>
+                                  </m:sub>
+                                </m:sSub>
+                                <m:r>
+                                  <a:rPr lang="en-US" i="1">
+                                    <a:latin typeface="Cambria Math" panose="02040503050406030204" pitchFamily="18" charset="0"/>
+                                  </a:rPr>
+                                  <m:t>−</m:t>
+                                </m:r>
+                                <m:sSub>
+                                  <m:sSubPr>
+                                    <m:ctrlPr>
+                                      <a:rPr lang="en-US" i="1">
+                                        <a:latin typeface="Cambria Math" panose="02040503050406030204" pitchFamily="18" charset="0"/>
+                                      </a:rPr>
+                                    </m:ctrlPr>
+                                  </m:sSubPr>
+                                  <m:e>
+                                    <m:r>
+                                      <a:rPr lang="en-US" i="1">
+                                        <a:latin typeface="Cambria Math" panose="02040503050406030204" pitchFamily="18" charset="0"/>
+                                      </a:rPr>
+                                      <m:t>𝑦</m:t>
+                                    </m:r>
+                                  </m:e>
+                                  <m:sub>
+                                    <m:r>
+                                      <a:rPr lang="en-US" i="1">
+                                        <a:latin typeface="Cambria Math" panose="02040503050406030204" pitchFamily="18" charset="0"/>
+                                      </a:rPr>
+                                      <m:t>𝑗</m:t>
+                                    </m:r>
+                                  </m:sub>
+                                </m:sSub>
+                              </m:e>
+                            </m:d>
+                            <m:sSub>
+                              <m:sSubPr>
+                                <m:ctrlPr>
+                                  <a:rPr lang="en-US" i="1">
+                                    <a:latin typeface="Cambria Math" panose="02040503050406030204" pitchFamily="18" charset="0"/>
+                                  </a:rPr>
+                                </m:ctrlPr>
+                              </m:sSubPr>
+                              <m:e>
+                                <m:r>
+                                  <a:rPr lang="en-US" i="1">
+                                    <a:latin typeface="Cambria Math" panose="02040503050406030204" pitchFamily="18" charset="0"/>
+                                  </a:rPr>
+                                  <m:t>𝜋</m:t>
+                                </m:r>
+                              </m:e>
+                              <m:sub>
+                                <m:r>
+                                  <a:rPr lang="en-US" i="1">
+                                    <a:latin typeface="Cambria Math" panose="02040503050406030204" pitchFamily="18" charset="0"/>
+                                  </a:rPr>
+                                  <m:t>𝑖𝑗</m:t>
+                                </m:r>
+                              </m:sub>
+                            </m:sSub>
+                          </m:e>
+                        </m:nary>
+                        <m:r>
+                          <a:rPr lang="en-US" i="1">
+                            <a:latin typeface="Cambria Math" panose="02040503050406030204" pitchFamily="18" charset="0"/>
+                          </a:rPr>
+                          <m:t>+</m:t>
+                        </m:r>
+                        <m:d>
+                          <m:dPr>
+                            <m:ctrlPr>
+                              <a:rPr lang="en-US" b="0" i="1" smtClean="0">
+                                <a:latin typeface="Cambria Math" panose="02040503050406030204" pitchFamily="18" charset="0"/>
+                              </a:rPr>
+                            </m:ctrlPr>
+                          </m:dPr>
+                          <m:e>
+                            <m:sSub>
+                              <m:sSubPr>
+                                <m:ctrlPr>
+                                  <a:rPr lang="en-US" i="1">
+                                    <a:latin typeface="Cambria Math" panose="02040503050406030204" pitchFamily="18" charset="0"/>
+                                  </a:rPr>
+                                </m:ctrlPr>
+                              </m:sSubPr>
+                              <m:e>
+                                <m:r>
+                                  <a:rPr lang="en-US" i="1">
+                                    <a:latin typeface="Cambria Math" panose="02040503050406030204" pitchFamily="18" charset="0"/>
+                                  </a:rPr>
+                                  <m:t>𝜆</m:t>
+                                </m:r>
+                              </m:e>
+                              <m:sub>
+                                <m:r>
+                                  <a:rPr lang="en-US" i="1">
+                                    <a:latin typeface="Cambria Math" panose="02040503050406030204" pitchFamily="18" charset="0"/>
+                                  </a:rPr>
+                                  <m:t>1</m:t>
+                                </m:r>
+                              </m:sub>
+                            </m:sSub>
+                            <m:r>
+                              <a:rPr lang="en-US" b="0" i="1" smtClean="0">
+                                <a:latin typeface="Cambria Math" panose="02040503050406030204" pitchFamily="18" charset="0"/>
+                              </a:rPr>
+                              <m:t>+</m:t>
+                            </m:r>
+                            <m:sSub>
+                              <m:sSubPr>
+                                <m:ctrlPr>
+                                  <a:rPr lang="en-US" b="0" i="1" smtClean="0">
+                                    <a:latin typeface="Cambria Math" panose="02040503050406030204" pitchFamily="18" charset="0"/>
+                                  </a:rPr>
+                                </m:ctrlPr>
+                              </m:sSubPr>
+                              <m:e>
+                                <m:r>
+                                  <a:rPr lang="en-US" b="0" i="1" smtClean="0">
+                                    <a:latin typeface="Cambria Math" panose="02040503050406030204" pitchFamily="18" charset="0"/>
+                                  </a:rPr>
+                                  <m:t>𝜆</m:t>
+                                </m:r>
+                              </m:e>
+                              <m:sub>
+                                <m:r>
+                                  <a:rPr lang="en-US" b="0" i="1" smtClean="0">
+                                    <a:latin typeface="Cambria Math" panose="02040503050406030204" pitchFamily="18" charset="0"/>
+                                  </a:rPr>
+                                  <m:t>2</m:t>
+                                </m:r>
+                              </m:sub>
+                            </m:sSub>
+                          </m:e>
+                        </m:d>
+                        <m:d>
+                          <m:dPr>
+                            <m:ctrlPr>
+                              <a:rPr lang="en-US" i="1">
+                                <a:latin typeface="Cambria Math" panose="02040503050406030204" pitchFamily="18" charset="0"/>
+                              </a:rPr>
+                            </m:ctrlPr>
+                          </m:dPr>
+                          <m:e>
+                            <m:r>
+                              <a:rPr lang="en-US" i="1">
+                                <a:latin typeface="Cambria Math" panose="02040503050406030204" pitchFamily="18" charset="0"/>
+                              </a:rPr>
+                              <m:t>𝑛</m:t>
+                            </m:r>
+                            <m:r>
+                              <a:rPr lang="en-US" i="1">
+                                <a:latin typeface="Cambria Math" panose="02040503050406030204" pitchFamily="18" charset="0"/>
+                              </a:rPr>
+                              <m:t>−</m:t>
+                            </m:r>
+                            <m:nary>
+                              <m:naryPr>
+                                <m:chr m:val="∑"/>
+                                <m:supHide m:val="on"/>
+                                <m:ctrlPr>
+                                  <a:rPr lang="en-US" i="1">
+                                    <a:latin typeface="Cambria Math" panose="02040503050406030204" pitchFamily="18" charset="0"/>
+                                  </a:rPr>
+                                </m:ctrlPr>
+                              </m:naryPr>
+                              <m:sub>
+                                <m:r>
+                                  <a:rPr lang="en-US" i="1">
+                                    <a:latin typeface="Cambria Math" panose="02040503050406030204" pitchFamily="18" charset="0"/>
+                                  </a:rPr>
+                                  <m:t>𝑖</m:t>
+                                </m:r>
+                                <m:r>
+                                  <a:rPr lang="en-US" i="1">
+                                    <a:latin typeface="Cambria Math" panose="02040503050406030204" pitchFamily="18" charset="0"/>
+                                  </a:rPr>
+                                  <m:t>,</m:t>
+                                </m:r>
+                                <m:r>
+                                  <a:rPr lang="en-US" i="1">
+                                    <a:latin typeface="Cambria Math" panose="02040503050406030204" pitchFamily="18" charset="0"/>
+                                  </a:rPr>
+                                  <m:t>𝑗</m:t>
+                                </m:r>
+                              </m:sub>
+                              <m:sup/>
+                              <m:e>
+                                <m:sSub>
+                                  <m:sSubPr>
+                                    <m:ctrlPr>
+                                      <a:rPr lang="en-US" i="1">
+                                        <a:latin typeface="Cambria Math" panose="02040503050406030204" pitchFamily="18" charset="0"/>
+                                      </a:rPr>
+                                    </m:ctrlPr>
+                                  </m:sSubPr>
+                                  <m:e>
+                                    <m:r>
+                                      <a:rPr lang="en-US" i="1">
+                                        <a:latin typeface="Cambria Math" panose="02040503050406030204" pitchFamily="18" charset="0"/>
+                                      </a:rPr>
+                                      <m:t>𝜋</m:t>
+                                    </m:r>
+                                  </m:e>
+                                  <m:sub>
+                                    <m:r>
+                                      <a:rPr lang="en-US" i="1">
+                                        <a:latin typeface="Cambria Math" panose="02040503050406030204" pitchFamily="18" charset="0"/>
+                                      </a:rPr>
+                                      <m:t>𝑖𝑗</m:t>
+                                    </m:r>
+                                  </m:sub>
+                                </m:sSub>
+                              </m:e>
+                            </m:nary>
+                          </m:e>
+                        </m:d>
+                        <m:r>
+                          <a:rPr lang="en-US" b="0" i="1" smtClean="0">
+                            <a:latin typeface="Cambria Math" panose="02040503050406030204" pitchFamily="18" charset="0"/>
+                          </a:rPr>
+                          <m:t>+</m:t>
+                        </m:r>
+                        <m:sSub>
+                          <m:sSubPr>
+                            <m:ctrlPr>
+                              <a:rPr lang="en-US" b="0" i="1" smtClean="0">
+                                <a:latin typeface="Cambria Math" panose="02040503050406030204" pitchFamily="18" charset="0"/>
+                              </a:rPr>
+                            </m:ctrlPr>
+                          </m:sSubPr>
+                          <m:e>
+                            <m:r>
+                              <a:rPr lang="en-US" b="0" i="1" smtClean="0">
+                                <a:latin typeface="Cambria Math" panose="02040503050406030204" pitchFamily="18" charset="0"/>
+                              </a:rPr>
+                              <m:t>𝜆</m:t>
+                            </m:r>
+                          </m:e>
+                          <m:sub>
+                            <m:r>
+                              <a:rPr lang="en-US" b="0" i="1" smtClean="0">
+                                <a:latin typeface="Cambria Math" panose="02040503050406030204" pitchFamily="18" charset="0"/>
+                              </a:rPr>
+                              <m:t>2</m:t>
+                            </m:r>
+                          </m:sub>
+                        </m:sSub>
+                        <m:d>
+                          <m:dPr>
+                            <m:ctrlPr>
+                              <a:rPr lang="en-US" b="0" i="1" smtClean="0">
+                                <a:latin typeface="Cambria Math" panose="02040503050406030204" pitchFamily="18" charset="0"/>
+                              </a:rPr>
+                            </m:ctrlPr>
+                          </m:dPr>
+                          <m:e>
+                            <m:r>
+                              <a:rPr lang="en-US" b="0" i="1" smtClean="0">
+                                <a:latin typeface="Cambria Math" panose="02040503050406030204" pitchFamily="18" charset="0"/>
+                              </a:rPr>
+                              <m:t>𝑚</m:t>
+                            </m:r>
+                            <m:r>
+                              <a:rPr lang="en-US" b="0" i="1" smtClean="0">
+                                <a:latin typeface="Cambria Math" panose="02040503050406030204" pitchFamily="18" charset="0"/>
+                              </a:rPr>
+                              <m:t>−</m:t>
+                            </m:r>
+                            <m:r>
+                              <a:rPr lang="en-US" b="0" i="1" smtClean="0">
+                                <a:latin typeface="Cambria Math" panose="02040503050406030204" pitchFamily="18" charset="0"/>
+                              </a:rPr>
+                              <m:t>𝑛</m:t>
+                            </m:r>
+                          </m:e>
+                        </m:d>
+                      </m:e>
+                    </m:func>
+                  </m:oMath>
+                </a14:m>
+                <a:endParaRPr lang="en-US" dirty="0"/>
+              </a:p>
+              <a:p>
+                <a:pPr marL="0" indent="0">
+                  <a:buNone/>
+                </a:pPr>
+                <a:r>
+                  <a:rPr lang="en-US" dirty="0" err="1"/>
+                  <a:t>s.t.</a:t>
+                </a:r>
+                <a:r>
+                  <a:rPr lang="en-US" dirty="0"/>
+                  <a:t> </a:t>
+                </a:r>
+                <a14:m>
+                  <m:oMath xmlns:m="http://schemas.openxmlformats.org/officeDocument/2006/math">
+                    <m:sSub>
+                      <m:sSubPr>
+                        <m:ctrlPr>
+                          <a:rPr lang="en-US" b="0" i="1" smtClean="0">
+                            <a:latin typeface="Cambria Math" panose="02040503050406030204" pitchFamily="18" charset="0"/>
+                          </a:rPr>
+                        </m:ctrlPr>
+                      </m:sSubPr>
+                      <m:e>
+                        <m:r>
+                          <a:rPr lang="en-US" b="0" i="1" smtClean="0">
+                            <a:latin typeface="Cambria Math" panose="02040503050406030204" pitchFamily="18" charset="0"/>
+                          </a:rPr>
+                          <m:t>𝜋</m:t>
+                        </m:r>
+                      </m:e>
+                      <m:sub>
+                        <m:r>
+                          <a:rPr lang="en-US" b="0" i="1" smtClean="0">
+                            <a:latin typeface="Cambria Math" panose="02040503050406030204" pitchFamily="18" charset="0"/>
+                          </a:rPr>
+                          <m:t>𝑖𝑗</m:t>
+                        </m:r>
+                      </m:sub>
+                    </m:sSub>
+                    <m:r>
+                      <a:rPr lang="en-US" b="0" i="1" smtClean="0">
+                        <a:latin typeface="Cambria Math" panose="02040503050406030204" pitchFamily="18" charset="0"/>
+                      </a:rPr>
+                      <m:t>≥0,∀</m:t>
+                    </m:r>
+                    <m:r>
+                      <a:rPr lang="en-US" b="0" i="1" smtClean="0">
+                        <a:latin typeface="Cambria Math" panose="02040503050406030204" pitchFamily="18" charset="0"/>
+                      </a:rPr>
+                      <m:t>𝑖</m:t>
+                    </m:r>
+                    <m:r>
+                      <a:rPr lang="en-US" b="0" i="1" smtClean="0">
+                        <a:latin typeface="Cambria Math" panose="02040503050406030204" pitchFamily="18" charset="0"/>
+                      </a:rPr>
+                      <m:t>,</m:t>
+                    </m:r>
+                    <m:r>
+                      <a:rPr lang="en-US" b="0" i="1" smtClean="0">
+                        <a:latin typeface="Cambria Math" panose="02040503050406030204" pitchFamily="18" charset="0"/>
+                      </a:rPr>
+                      <m:t>𝑗</m:t>
+                    </m:r>
+                  </m:oMath>
+                </a14:m>
+                <a:r>
+                  <a:rPr lang="en-US" b="0" i="1" dirty="0">
+                    <a:latin typeface="Cambria Math" panose="02040503050406030204" pitchFamily="18" charset="0"/>
+                  </a:rPr>
+                  <a:t> </a:t>
+                </a:r>
+                <a:r>
+                  <a:rPr lang="en-US" b="0" dirty="0">
+                    <a:latin typeface="Cambria Math" panose="02040503050406030204" pitchFamily="18" charset="0"/>
+                  </a:rPr>
+                  <a:t>and</a:t>
+                </a:r>
+              </a:p>
+              <a:p>
+                <a:pPr marL="0" indent="0">
+                  <a:buNone/>
+                </a:pPr>
+                <a:r>
+                  <a:rPr lang="en-US" b="0" dirty="0"/>
+                  <a:t>     </a:t>
+                </a:r>
+                <a14:m>
+                  <m:oMath xmlns:m="http://schemas.openxmlformats.org/officeDocument/2006/math">
+                    <m:r>
+                      <a:rPr lang="en-US" b="0" i="1" smtClean="0">
+                        <a:latin typeface="Cambria Math" panose="02040503050406030204" pitchFamily="18" charset="0"/>
+                      </a:rPr>
+                      <m:t>𝜋</m:t>
+                    </m:r>
+                    <m:r>
+                      <a:rPr lang="en-US" b="0" i="1" smtClean="0">
+                        <a:latin typeface="Cambria Math" panose="02040503050406030204" pitchFamily="18" charset="0"/>
+                      </a:rPr>
+                      <m:t>1≤1,</m:t>
+                    </m:r>
+                    <m:sSup>
+                      <m:sSupPr>
+                        <m:ctrlPr>
+                          <a:rPr lang="en-US" b="0" i="1" smtClean="0">
+                            <a:latin typeface="Cambria Math" panose="02040503050406030204" pitchFamily="18" charset="0"/>
+                          </a:rPr>
+                        </m:ctrlPr>
+                      </m:sSupPr>
+                      <m:e>
+                        <m:r>
+                          <a:rPr lang="en-US" b="0" i="1" smtClean="0">
+                            <a:latin typeface="Cambria Math" panose="02040503050406030204" pitchFamily="18" charset="0"/>
+                          </a:rPr>
+                          <m:t>𝜋</m:t>
+                        </m:r>
+                      </m:e>
+                      <m:sup>
+                        <m:r>
+                          <a:rPr lang="en-US" b="0" i="1" smtClean="0">
+                            <a:latin typeface="Cambria Math" panose="02040503050406030204" pitchFamily="18" charset="0"/>
+                          </a:rPr>
+                          <m:t>𝑇</m:t>
+                        </m:r>
+                      </m:sup>
+                    </m:sSup>
+                    <m:r>
+                      <a:rPr lang="en-US" b="0" i="1" smtClean="0">
+                        <a:latin typeface="Cambria Math" panose="02040503050406030204" pitchFamily="18" charset="0"/>
+                      </a:rPr>
+                      <m:t>1≤1</m:t>
+                    </m:r>
+                  </m:oMath>
+                </a14:m>
+                <a:r>
+                  <a:rPr lang="en-US" dirty="0"/>
+                  <a:t>. </a:t>
+                </a:r>
+                <a:br>
+                  <a:rPr lang="en-US" dirty="0"/>
+                </a:br>
+                <a:endParaRPr lang="en-US" dirty="0"/>
+              </a:p>
+            </p:txBody>
+          </p:sp>
+        </mc:Choice>
+        <mc:Fallback xmlns="">
+          <p:sp>
+            <p:nvSpPr>
+              <p:cNvPr id="3" name="Content Placeholder 2">
+                <a:extLst>
+                  <a:ext uri="{FF2B5EF4-FFF2-40B4-BE49-F238E27FC236}">
+                    <a16:creationId xmlns:a16="http://schemas.microsoft.com/office/drawing/2014/main" id="{AE60F263-E68A-4D15-82C1-C7ED3D38EF3E}"/>
+                  </a:ext>
+                </a:extLst>
+              </p:cNvPr>
+              <p:cNvSpPr>
+                <a:spLocks noGrp="1" noRot="1" noChangeAspect="1" noMove="1" noResize="1" noEditPoints="1" noAdjustHandles="1" noChangeArrowheads="1" noChangeShapeType="1" noTextEdit="1"/>
+              </p:cNvSpPr>
+              <p:nvPr>
+                <p:ph idx="1"/>
+              </p:nvPr>
+            </p:nvSpPr>
+            <p:spPr>
+              <a:xfrm>
+                <a:off x="838200" y="1112762"/>
+                <a:ext cx="10515600" cy="5064201"/>
+              </a:xfrm>
+              <a:blipFill>
+                <a:blip r:embed="rId2"/>
+                <a:stretch>
+                  <a:fillRect l="-1217" t="-2048"/>
+                </a:stretch>
+              </a:blipFill>
+            </p:spPr>
+            <p:txBody>
+              <a:bodyPr/>
+              <a:lstStyle/>
+              <a:p>
+                <a:r>
+                  <a:rPr lang="en-US">
+                    <a:noFill/>
+                  </a:rPr>
+                  <a:t> </a:t>
+                </a:r>
+              </a:p>
+            </p:txBody>
+          </p:sp>
+        </mc:Fallback>
+      </mc:AlternateContent>
+    </p:spTree>
+    <p:extLst>
+      <p:ext uri="{BB962C8B-B14F-4D97-AF65-F5344CB8AC3E}">
+        <p14:creationId xmlns:p14="http://schemas.microsoft.com/office/powerpoint/2010/main" val="1249960615"/>
+      </p:ext>
+    </p:extLst>
+  </p:cSld>
+  <p:clrMapOvr>
+    <a:masterClrMapping/>
+  </p:clrMapOvr>
+</p:sld>
+</file>
+
+<file path=ppt/slides/slide18.xml><?xml version="1.0" encoding="utf-8"?>
+<p:sld xmlns:a="http://schemas.openxmlformats.org/drawingml/2006/main" xmlns:r="http://schemas.openxmlformats.org/officeDocument/2006/relationships" xmlns:p="http://schemas.openxmlformats.org/presentationml/2006/main">
+  <p:cSld>
+    <p:spTree>
+      <p:nvGrpSpPr>
+        <p:cNvPr id="1" name=""/>
+        <p:cNvGrpSpPr/>
+        <p:nvPr/>
+      </p:nvGrpSpPr>
+      <p:grpSpPr>
+        <a:xfrm>
+          <a:off x="0" y="0"/>
+          <a:ext cx="0" cy="0"/>
+          <a:chOff x="0" y="0"/>
+          <a:chExt cx="0" cy="0"/>
+        </a:xfrm>
+      </p:grpSpPr>
+      <p:sp>
+        <p:nvSpPr>
+          <p:cNvPr id="2" name="Title 1">
+            <a:extLst>
+              <a:ext uri="{FF2B5EF4-FFF2-40B4-BE49-F238E27FC236}">
+                <a16:creationId xmlns:a16="http://schemas.microsoft.com/office/drawing/2014/main" id="{CB7EBE23-C1DC-4599-BB9C-8B439B16A4D3}"/>
+              </a:ext>
+            </a:extLst>
+          </p:cNvPr>
+          <p:cNvSpPr>
+            <a:spLocks noGrp="1"/>
+          </p:cNvSpPr>
+          <p:nvPr>
+            <p:ph type="title"/>
+          </p:nvPr>
+        </p:nvSpPr>
+        <p:spPr>
+          <a:xfrm>
+            <a:off x="838200" y="365126"/>
+            <a:ext cx="10323286" cy="708932"/>
+          </a:xfrm>
+        </p:spPr>
+        <p:txBody>
+          <a:bodyPr/>
+          <a:lstStyle/>
+          <a:p>
+            <a:r>
+              <a:rPr lang="en-US" dirty="0"/>
+              <a:t>Computation of Empirical OPT</a:t>
+            </a:r>
+          </a:p>
+        </p:txBody>
+      </p:sp>
+      <mc:AlternateContent xmlns:mc="http://schemas.openxmlformats.org/markup-compatibility/2006">
+        <mc:Choice xmlns:a14="http://schemas.microsoft.com/office/drawing/2010/main" Requires="a14">
+          <p:sp>
+            <p:nvSpPr>
+              <p:cNvPr id="3" name="Content Placeholder 2">
+                <a:extLst>
+                  <a:ext uri="{FF2B5EF4-FFF2-40B4-BE49-F238E27FC236}">
+                    <a16:creationId xmlns:a16="http://schemas.microsoft.com/office/drawing/2014/main" id="{C2C5F616-BE56-427C-8818-AC927C3533D6}"/>
+                  </a:ext>
+                </a:extLst>
+              </p:cNvPr>
+              <p:cNvSpPr>
+                <a:spLocks noGrp="1"/>
+              </p:cNvSpPr>
+              <p:nvPr>
+                <p:ph idx="1"/>
+              </p:nvPr>
+            </p:nvSpPr>
+            <p:spPr>
+              <a:xfrm>
+                <a:off x="838200" y="1074058"/>
+                <a:ext cx="10515600" cy="5102905"/>
+              </a:xfrm>
+            </p:spPr>
+            <p:txBody>
+              <a:bodyPr>
+                <a:normAutofit/>
+              </a:bodyPr>
+              <a:lstStyle/>
+              <a:p>
+                <a:r>
+                  <a:rPr lang="en-US" dirty="0"/>
+                  <a:t>Linear programming:</a:t>
+                </a:r>
+              </a:p>
+              <a:p>
+                <a:pPr lvl="1"/>
+                <a:r>
+                  <a:rPr lang="en-US" dirty="0"/>
+                  <a:t>Pro: the solution is accurate; no requirements of cost. </a:t>
+                </a:r>
+              </a:p>
+              <a:p>
+                <a:pPr lvl="1"/>
+                <a:r>
+                  <a:rPr lang="en-US" dirty="0"/>
+                  <a:t>Con: The computational cost is huge </a:t>
+                </a:r>
+                <a14:m>
+                  <m:oMath xmlns:m="http://schemas.openxmlformats.org/officeDocument/2006/math">
+                    <m:r>
+                      <a:rPr lang="en-US" b="0" i="1" smtClean="0">
+                        <a:latin typeface="Cambria Math" panose="02040503050406030204" pitchFamily="18" charset="0"/>
+                      </a:rPr>
+                      <m:t>𝒪</m:t>
+                    </m:r>
+                    <m:d>
+                      <m:dPr>
+                        <m:ctrlPr>
+                          <a:rPr lang="en-US" b="0" i="1" smtClean="0">
+                            <a:latin typeface="Cambria Math" panose="02040503050406030204" pitchFamily="18" charset="0"/>
+                          </a:rPr>
+                        </m:ctrlPr>
+                      </m:dPr>
+                      <m:e>
+                        <m:sSup>
+                          <m:sSupPr>
+                            <m:ctrlPr>
+                              <a:rPr lang="en-US" b="0" i="1" smtClean="0">
+                                <a:latin typeface="Cambria Math" panose="02040503050406030204" pitchFamily="18" charset="0"/>
+                              </a:rPr>
+                            </m:ctrlPr>
+                          </m:sSupPr>
+                          <m:e>
+                            <m:r>
+                              <a:rPr lang="en-US" b="0" i="1" smtClean="0">
+                                <a:latin typeface="Cambria Math" panose="02040503050406030204" pitchFamily="18" charset="0"/>
+                              </a:rPr>
+                              <m:t>𝑛</m:t>
+                            </m:r>
+                          </m:e>
+                          <m:sup>
+                            <m:r>
+                              <a:rPr lang="en-US" b="0" i="1" smtClean="0">
+                                <a:latin typeface="Cambria Math" panose="02040503050406030204" pitchFamily="18" charset="0"/>
+                              </a:rPr>
+                              <m:t>3</m:t>
+                            </m:r>
+                          </m:sup>
+                        </m:sSup>
+                        <m:func>
+                          <m:funcPr>
+                            <m:ctrlPr>
+                              <a:rPr lang="en-US" b="0" i="1" smtClean="0">
+                                <a:latin typeface="Cambria Math" panose="02040503050406030204" pitchFamily="18" charset="0"/>
+                              </a:rPr>
+                            </m:ctrlPr>
+                          </m:funcPr>
+                          <m:fName>
+                            <m:r>
+                              <m:rPr>
+                                <m:sty m:val="p"/>
+                              </m:rPr>
+                              <a:rPr lang="en-US" b="0" i="0" smtClean="0">
+                                <a:latin typeface="Cambria Math" panose="02040503050406030204" pitchFamily="18" charset="0"/>
+                              </a:rPr>
+                              <m:t>ln</m:t>
+                            </m:r>
+                          </m:fName>
+                          <m:e>
+                            <m:r>
+                              <a:rPr lang="en-US" b="0" i="1" smtClean="0">
+                                <a:latin typeface="Cambria Math" panose="02040503050406030204" pitchFamily="18" charset="0"/>
+                              </a:rPr>
+                              <m:t>𝑛</m:t>
+                            </m:r>
+                          </m:e>
+                        </m:func>
+                      </m:e>
+                    </m:d>
+                  </m:oMath>
+                </a14:m>
+                <a:r>
+                  <a:rPr lang="en-US" dirty="0"/>
+                  <a:t> (suppose </a:t>
+                </a:r>
+                <a14:m>
+                  <m:oMath xmlns:m="http://schemas.openxmlformats.org/officeDocument/2006/math">
+                    <m:r>
+                      <a:rPr lang="en-US" b="0" i="1" smtClean="0">
+                        <a:latin typeface="Cambria Math" panose="02040503050406030204" pitchFamily="18" charset="0"/>
+                      </a:rPr>
+                      <m:t>𝑛</m:t>
+                    </m:r>
+                    <m:r>
+                      <a:rPr lang="en-US" b="0" i="1" smtClean="0">
+                        <a:latin typeface="Cambria Math" panose="02040503050406030204" pitchFamily="18" charset="0"/>
+                      </a:rPr>
+                      <m:t>=</m:t>
+                    </m:r>
+                    <m:r>
+                      <a:rPr lang="en-US" b="0" i="1" smtClean="0">
+                        <a:latin typeface="Cambria Math" panose="02040503050406030204" pitchFamily="18" charset="0"/>
+                      </a:rPr>
+                      <m:t>𝑚</m:t>
+                    </m:r>
+                  </m:oMath>
+                </a14:m>
+                <a:r>
+                  <a:rPr lang="en-US" dirty="0"/>
+                  <a:t>).</a:t>
+                </a:r>
+              </a:p>
+              <a:p>
+                <a:r>
+                  <a:rPr lang="en-US" dirty="0"/>
+                  <a:t>Entropic regularization: </a:t>
+                </a:r>
+              </a:p>
+              <a:p>
+                <a:pPr lvl="1"/>
+                <a:r>
+                  <a:rPr lang="en-US" dirty="0"/>
+                  <a:t>Pro: computational cost is </a:t>
+                </a:r>
+                <a14:m>
+                  <m:oMath xmlns:m="http://schemas.openxmlformats.org/officeDocument/2006/math">
+                    <m:r>
+                      <a:rPr lang="en-US" b="0" i="1" smtClean="0">
+                        <a:latin typeface="Cambria Math" panose="02040503050406030204" pitchFamily="18" charset="0"/>
+                      </a:rPr>
+                      <m:t>𝑂</m:t>
+                    </m:r>
+                    <m:d>
+                      <m:dPr>
+                        <m:ctrlPr>
+                          <a:rPr lang="en-US" b="0" i="1" smtClean="0">
+                            <a:latin typeface="Cambria Math" panose="02040503050406030204" pitchFamily="18" charset="0"/>
+                          </a:rPr>
+                        </m:ctrlPr>
+                      </m:dPr>
+                      <m:e>
+                        <m:sSup>
+                          <m:sSupPr>
+                            <m:ctrlPr>
+                              <a:rPr lang="en-US" b="0" i="1" smtClean="0">
+                                <a:latin typeface="Cambria Math" panose="02040503050406030204" pitchFamily="18" charset="0"/>
+                              </a:rPr>
+                            </m:ctrlPr>
+                          </m:sSupPr>
+                          <m:e>
+                            <m:r>
+                              <a:rPr lang="en-US" b="0" i="1" smtClean="0">
+                                <a:latin typeface="Cambria Math" panose="02040503050406030204" pitchFamily="18" charset="0"/>
+                              </a:rPr>
+                              <m:t>𝑛</m:t>
+                            </m:r>
+                          </m:e>
+                          <m:sup>
+                            <m:r>
+                              <a:rPr lang="en-US" b="0" i="1" smtClean="0">
+                                <a:latin typeface="Cambria Math" panose="02040503050406030204" pitchFamily="18" charset="0"/>
+                              </a:rPr>
+                              <m:t>2</m:t>
+                            </m:r>
+                          </m:sup>
+                        </m:sSup>
+                        <m:func>
+                          <m:funcPr>
+                            <m:ctrlPr>
+                              <a:rPr lang="en-US" b="0" i="1" smtClean="0">
+                                <a:latin typeface="Cambria Math" panose="02040503050406030204" pitchFamily="18" charset="0"/>
+                              </a:rPr>
+                            </m:ctrlPr>
+                          </m:funcPr>
+                          <m:fName>
+                            <m:r>
+                              <m:rPr>
+                                <m:sty m:val="p"/>
+                              </m:rPr>
+                              <a:rPr lang="en-US" b="0" i="0" smtClean="0">
+                                <a:latin typeface="Cambria Math" panose="02040503050406030204" pitchFamily="18" charset="0"/>
+                              </a:rPr>
+                              <m:t>ln</m:t>
+                            </m:r>
+                          </m:fName>
+                          <m:e>
+                            <m:r>
+                              <a:rPr lang="en-US" b="0" i="1" smtClean="0">
+                                <a:latin typeface="Cambria Math" panose="02040503050406030204" pitchFamily="18" charset="0"/>
+                              </a:rPr>
+                              <m:t>𝑛</m:t>
+                            </m:r>
+                          </m:e>
+                        </m:func>
+                      </m:e>
+                    </m:d>
+                  </m:oMath>
+                </a14:m>
+                <a:r>
+                  <a:rPr lang="en-US" dirty="0"/>
+                  <a:t>; no requirements of cost. </a:t>
+                </a:r>
+              </a:p>
+              <a:p>
+                <a:pPr lvl="1"/>
+                <a:r>
+                  <a:rPr lang="en-US" dirty="0"/>
+                  <a:t>Con: when the entropic term “</a:t>
+                </a:r>
+                <a14:m>
+                  <m:oMath xmlns:m="http://schemas.openxmlformats.org/officeDocument/2006/math">
+                    <m:r>
+                      <a:rPr lang="en-US" b="0" i="1" smtClean="0">
+                        <a:latin typeface="Cambria Math" panose="02040503050406030204" pitchFamily="18" charset="0"/>
+                      </a:rPr>
+                      <m:t>𝜋</m:t>
+                    </m:r>
+                    <m:func>
+                      <m:funcPr>
+                        <m:ctrlPr>
+                          <a:rPr lang="en-US" b="0" i="1" smtClean="0">
+                            <a:latin typeface="Cambria Math" panose="02040503050406030204" pitchFamily="18" charset="0"/>
+                          </a:rPr>
+                        </m:ctrlPr>
+                      </m:funcPr>
+                      <m:fName>
+                        <m:r>
+                          <m:rPr>
+                            <m:sty m:val="p"/>
+                          </m:rPr>
+                          <a:rPr lang="en-US" b="0" i="0" smtClean="0">
+                            <a:latin typeface="Cambria Math" panose="02040503050406030204" pitchFamily="18" charset="0"/>
+                          </a:rPr>
+                          <m:t>ln</m:t>
+                        </m:r>
+                      </m:fName>
+                      <m:e>
+                        <m:r>
+                          <a:rPr lang="en-US" b="0" i="1" smtClean="0">
+                            <a:latin typeface="Cambria Math" panose="02040503050406030204" pitchFamily="18" charset="0"/>
+                          </a:rPr>
+                          <m:t>𝜋</m:t>
+                        </m:r>
+                      </m:e>
+                    </m:func>
+                  </m:oMath>
+                </a14:m>
+                <a:r>
+                  <a:rPr lang="en-US" dirty="0"/>
+                  <a:t>” has higher weight, the solution is not accurate, when this term has lower weight, the Sinkhorn algorithm is not stable.  </a:t>
+                </a:r>
+              </a:p>
+              <a:p>
+                <a:r>
+                  <a:rPr lang="en-US" dirty="0"/>
+                  <a:t>Tree algorithm:</a:t>
+                </a:r>
+              </a:p>
+              <a:p>
+                <a:pPr lvl="1"/>
+                <a:r>
+                  <a:rPr lang="en-US" dirty="0"/>
+                  <a:t>Pro: computational cost is </a:t>
+                </a:r>
+                <a14:m>
+                  <m:oMath xmlns:m="http://schemas.openxmlformats.org/officeDocument/2006/math">
+                    <m:r>
+                      <a:rPr lang="en-US" b="0" i="1" smtClean="0">
+                        <a:latin typeface="Cambria Math" panose="02040503050406030204" pitchFamily="18" charset="0"/>
+                      </a:rPr>
+                      <m:t>𝑂</m:t>
+                    </m:r>
+                    <m:d>
+                      <m:dPr>
+                        <m:ctrlPr>
+                          <a:rPr lang="en-US" b="0" i="1" smtClean="0">
+                            <a:latin typeface="Cambria Math" panose="02040503050406030204" pitchFamily="18" charset="0"/>
+                          </a:rPr>
+                        </m:ctrlPr>
+                      </m:dPr>
+                      <m:e>
+                        <m:sSup>
+                          <m:sSupPr>
+                            <m:ctrlPr>
+                              <a:rPr lang="en-US" b="0" i="1" smtClean="0">
+                                <a:latin typeface="Cambria Math" panose="02040503050406030204" pitchFamily="18" charset="0"/>
+                              </a:rPr>
+                            </m:ctrlPr>
+                          </m:sSupPr>
+                          <m:e>
+                            <m:r>
+                              <a:rPr lang="en-US" b="0" i="1" smtClean="0">
+                                <a:latin typeface="Cambria Math" panose="02040503050406030204" pitchFamily="18" charset="0"/>
+                              </a:rPr>
+                              <m:t>𝑛</m:t>
+                            </m:r>
+                          </m:e>
+                          <m:sup>
+                            <m:r>
+                              <a:rPr lang="en-US" b="0" i="1" smtClean="0">
+                                <a:latin typeface="Cambria Math" panose="02040503050406030204" pitchFamily="18" charset="0"/>
+                              </a:rPr>
+                              <m:t>2</m:t>
+                            </m:r>
+                          </m:sup>
+                        </m:sSup>
+                        <m:func>
+                          <m:funcPr>
+                            <m:ctrlPr>
+                              <a:rPr lang="en-US" b="0" i="1" smtClean="0">
+                                <a:latin typeface="Cambria Math" panose="02040503050406030204" pitchFamily="18" charset="0"/>
+                              </a:rPr>
+                            </m:ctrlPr>
+                          </m:funcPr>
+                          <m:fName>
+                            <m:sSup>
+                              <m:sSupPr>
+                                <m:ctrlPr>
+                                  <a:rPr lang="en-US" b="0" i="1" smtClean="0">
+                                    <a:latin typeface="Cambria Math" panose="02040503050406030204" pitchFamily="18" charset="0"/>
+                                  </a:rPr>
+                                </m:ctrlPr>
+                              </m:sSupPr>
+                              <m:e>
+                                <m:r>
+                                  <m:rPr>
+                                    <m:sty m:val="p"/>
+                                  </m:rPr>
+                                  <a:rPr lang="en-US" b="0" i="0" smtClean="0">
+                                    <a:latin typeface="Cambria Math" panose="02040503050406030204" pitchFamily="18" charset="0"/>
+                                  </a:rPr>
+                                  <m:t>ln</m:t>
+                                </m:r>
+                              </m:e>
+                              <m:sup>
+                                <m:r>
+                                  <a:rPr lang="en-US" b="0" i="1" smtClean="0">
+                                    <a:latin typeface="Cambria Math" panose="02040503050406030204" pitchFamily="18" charset="0"/>
+                                  </a:rPr>
+                                  <m:t>2</m:t>
+                                </m:r>
+                              </m:sup>
+                            </m:sSup>
+                          </m:fName>
+                          <m:e>
+                            <m:r>
+                              <a:rPr lang="en-US" b="0" i="1" smtClean="0">
+                                <a:latin typeface="Cambria Math" panose="02040503050406030204" pitchFamily="18" charset="0"/>
+                              </a:rPr>
+                              <m:t>𝑛</m:t>
+                            </m:r>
+                          </m:e>
+                        </m:func>
+                      </m:e>
+                    </m:d>
+                  </m:oMath>
+                </a14:m>
+                <a:r>
+                  <a:rPr lang="en-US" dirty="0"/>
+                  <a:t>; the solution is accurate. </a:t>
+                </a:r>
+              </a:p>
+              <a:p>
+                <a:pPr lvl="1"/>
+                <a:r>
+                  <a:rPr lang="en-US" dirty="0"/>
+                  <a:t>Con: </a:t>
+                </a:r>
+                <a:r>
+                  <a:rPr lang="en-US"/>
+                  <a:t>It requires cost </a:t>
+                </a:r>
+                <a14:m>
+                  <m:oMath xmlns:m="http://schemas.openxmlformats.org/officeDocument/2006/math">
+                    <m:r>
+                      <a:rPr lang="en-US" b="0" i="1" smtClean="0">
+                        <a:latin typeface="Cambria Math" panose="02040503050406030204" pitchFamily="18" charset="0"/>
+                      </a:rPr>
+                      <m:t>𝑐</m:t>
+                    </m:r>
+                    <m:d>
+                      <m:dPr>
+                        <m:ctrlPr>
+                          <a:rPr lang="en-US" b="0" i="1" smtClean="0">
+                            <a:latin typeface="Cambria Math" panose="02040503050406030204" pitchFamily="18" charset="0"/>
+                          </a:rPr>
+                        </m:ctrlPr>
+                      </m:dPr>
+                      <m:e>
+                        <m:r>
+                          <a:rPr lang="en-US" b="0" i="1" smtClean="0">
+                            <a:latin typeface="Cambria Math" panose="02040503050406030204" pitchFamily="18" charset="0"/>
+                          </a:rPr>
+                          <m:t>𝑥</m:t>
+                        </m:r>
+                        <m:r>
+                          <a:rPr lang="en-US" b="0" i="1" smtClean="0">
+                            <a:latin typeface="Cambria Math" panose="02040503050406030204" pitchFamily="18" charset="0"/>
+                          </a:rPr>
+                          <m:t>,</m:t>
+                        </m:r>
+                        <m:r>
+                          <a:rPr lang="en-US" b="0" i="1" smtClean="0">
+                            <a:latin typeface="Cambria Math" panose="02040503050406030204" pitchFamily="18" charset="0"/>
+                          </a:rPr>
+                          <m:t>𝑦</m:t>
+                        </m:r>
+                      </m:e>
+                    </m:d>
+                  </m:oMath>
+                </a14:m>
+                <a:r>
+                  <a:rPr lang="en-US" dirty="0"/>
+                  <a:t> to be a tree metric; if the requirement is satisfied, such a tree is costly to generate.  </a:t>
+                </a:r>
+              </a:p>
+            </p:txBody>
+          </p:sp>
+        </mc:Choice>
+        <mc:Fallback>
+          <p:sp>
+            <p:nvSpPr>
+              <p:cNvPr id="3" name="Content Placeholder 2">
+                <a:extLst>
+                  <a:ext uri="{FF2B5EF4-FFF2-40B4-BE49-F238E27FC236}">
+                    <a16:creationId xmlns:a16="http://schemas.microsoft.com/office/drawing/2014/main" id="{C2C5F616-BE56-427C-8818-AC927C3533D6}"/>
+                  </a:ext>
+                </a:extLst>
+              </p:cNvPr>
+              <p:cNvSpPr>
+                <a:spLocks noGrp="1" noRot="1" noChangeAspect="1" noMove="1" noResize="1" noEditPoints="1" noAdjustHandles="1" noChangeArrowheads="1" noChangeShapeType="1" noTextEdit="1"/>
+              </p:cNvSpPr>
+              <p:nvPr>
+                <p:ph idx="1"/>
+              </p:nvPr>
+            </p:nvSpPr>
+            <p:spPr>
+              <a:xfrm>
+                <a:off x="838200" y="1074058"/>
+                <a:ext cx="10515600" cy="5102905"/>
+              </a:xfrm>
+              <a:blipFill>
+                <a:blip r:embed="rId2"/>
+                <a:stretch>
+                  <a:fillRect l="-1043" t="-1912" r="-1217"/>
+                </a:stretch>
+              </a:blipFill>
+            </p:spPr>
+            <p:txBody>
+              <a:bodyPr/>
+              <a:lstStyle/>
+              <a:p>
+                <a:r>
+                  <a:rPr lang="en-US">
+                    <a:noFill/>
+                  </a:rPr>
+                  <a:t> </a:t>
+                </a:r>
+              </a:p>
+            </p:txBody>
+          </p:sp>
+        </mc:Fallback>
+      </mc:AlternateContent>
+    </p:spTree>
+    <p:extLst>
+      <p:ext uri="{BB962C8B-B14F-4D97-AF65-F5344CB8AC3E}">
+        <p14:creationId xmlns:p14="http://schemas.microsoft.com/office/powerpoint/2010/main" val="3327104793"/>
+      </p:ext>
+    </p:extLst>
+  </p:cSld>
+  <p:clrMapOvr>
+    <a:masterClrMapping/>
+  </p:clrMapOvr>
+</p:sld>
+</file>
+
+<file path=ppt/slides/slide19.xml><?xml version="1.0" encoding="utf-8"?>
+<p:sld xmlns:a="http://schemas.openxmlformats.org/drawingml/2006/main" xmlns:r="http://schemas.openxmlformats.org/officeDocument/2006/relationships" xmlns:p="http://schemas.openxmlformats.org/presentationml/2006/main">
+  <p:cSld>
+    <p:spTree>
+      <p:nvGrpSpPr>
+        <p:cNvPr id="1" name=""/>
+        <p:cNvGrpSpPr/>
+        <p:nvPr/>
+      </p:nvGrpSpPr>
+      <p:grpSpPr>
+        <a:xfrm>
+          <a:off x="0" y="0"/>
+          <a:ext cx="0" cy="0"/>
+          <a:chOff x="0" y="0"/>
+          <a:chExt cx="0" cy="0"/>
+        </a:xfrm>
+      </p:grpSpPr>
+      <p:sp>
+        <p:nvSpPr>
+          <p:cNvPr id="2" name="Title 1">
+            <a:extLst>
+              <a:ext uri="{FF2B5EF4-FFF2-40B4-BE49-F238E27FC236}">
+                <a16:creationId xmlns:a16="http://schemas.microsoft.com/office/drawing/2014/main" id="{9E82C353-ABD5-4964-85F2-994F16BA6516}"/>
+              </a:ext>
+            </a:extLst>
+          </p:cNvPr>
+          <p:cNvSpPr>
+            <a:spLocks noGrp="1"/>
+          </p:cNvSpPr>
+          <p:nvPr>
+            <p:ph type="title"/>
+          </p:nvPr>
+        </p:nvSpPr>
+        <p:spPr>
+          <a:xfrm>
+            <a:off x="838200" y="365126"/>
+            <a:ext cx="10463590" cy="883104"/>
+          </a:xfrm>
+        </p:spPr>
+        <p:txBody>
+          <a:bodyPr/>
+          <a:lstStyle/>
+          <a:p>
+            <a:r>
+              <a:rPr lang="en-US" dirty="0"/>
+              <a:t>Sliced Partial Optimal Transport	</a:t>
+            </a:r>
+          </a:p>
+        </p:txBody>
+      </p:sp>
+      <mc:AlternateContent xmlns:mc="http://schemas.openxmlformats.org/markup-compatibility/2006">
+        <mc:Choice xmlns:a14="http://schemas.microsoft.com/office/drawing/2010/main" Requires="a14">
+          <p:sp>
+            <p:nvSpPr>
+              <p:cNvPr id="3" name="Content Placeholder 2">
+                <a:extLst>
+                  <a:ext uri="{FF2B5EF4-FFF2-40B4-BE49-F238E27FC236}">
+                    <a16:creationId xmlns:a16="http://schemas.microsoft.com/office/drawing/2014/main" id="{EBD84C6C-2B20-4C74-B9CA-7678D38522DD}"/>
+                  </a:ext>
+                </a:extLst>
+              </p:cNvPr>
+              <p:cNvSpPr>
+                <a:spLocks noGrp="1"/>
+              </p:cNvSpPr>
+              <p:nvPr>
+                <p:ph idx="1"/>
+              </p:nvPr>
+            </p:nvSpPr>
+            <p:spPr>
+              <a:xfrm>
+                <a:off x="838200" y="1248230"/>
+                <a:ext cx="10515600" cy="4928733"/>
+              </a:xfrm>
+            </p:spPr>
+            <p:txBody>
+              <a:bodyPr/>
+              <a:lstStyle/>
+              <a:p>
+                <a:pPr marL="0" indent="0">
+                  <a:buNone/>
+                </a:pPr>
+                <a:r>
+                  <a:rPr lang="en-US" dirty="0"/>
+                  <a:t>Recently, a new method is proposed, named Sliced partial optimal transport (SPOT). </a:t>
+                </a:r>
+              </a:p>
+              <a:p>
+                <a:r>
+                  <a:rPr lang="en-US" dirty="0"/>
+                  <a:t>Pro: Computational cost is </a:t>
+                </a:r>
+                <a14:m>
+                  <m:oMath xmlns:m="http://schemas.openxmlformats.org/officeDocument/2006/math">
+                    <m:r>
+                      <a:rPr lang="en-US" b="0" i="1" smtClean="0">
+                        <a:latin typeface="Cambria Math" panose="02040503050406030204" pitchFamily="18" charset="0"/>
+                      </a:rPr>
+                      <m:t>𝒪</m:t>
+                    </m:r>
+                    <m:d>
+                      <m:dPr>
+                        <m:ctrlPr>
+                          <a:rPr lang="en-US" b="0" i="1" smtClean="0">
+                            <a:latin typeface="Cambria Math" panose="02040503050406030204" pitchFamily="18" charset="0"/>
+                          </a:rPr>
+                        </m:ctrlPr>
+                      </m:dPr>
+                      <m:e>
+                        <m:r>
+                          <a:rPr lang="en-US" b="0" i="1" smtClean="0">
+                            <a:latin typeface="Cambria Math" panose="02040503050406030204" pitchFamily="18" charset="0"/>
+                          </a:rPr>
+                          <m:t>𝐿</m:t>
+                        </m:r>
+                        <m:sSup>
+                          <m:sSupPr>
+                            <m:ctrlPr>
+                              <a:rPr lang="en-US" b="0" i="1" smtClean="0">
+                                <a:latin typeface="Cambria Math" panose="02040503050406030204" pitchFamily="18" charset="0"/>
+                              </a:rPr>
+                            </m:ctrlPr>
+                          </m:sSupPr>
+                          <m:e>
+                            <m:r>
+                              <a:rPr lang="en-US" b="0" i="1" smtClean="0">
+                                <a:latin typeface="Cambria Math" panose="02040503050406030204" pitchFamily="18" charset="0"/>
+                              </a:rPr>
+                              <m:t>𝑛</m:t>
+                            </m:r>
+                          </m:e>
+                          <m:sup>
+                            <m:r>
+                              <a:rPr lang="en-US" b="0" i="1" smtClean="0">
+                                <a:latin typeface="Cambria Math" panose="02040503050406030204" pitchFamily="18" charset="0"/>
+                              </a:rPr>
+                              <m:t>2</m:t>
+                            </m:r>
+                          </m:sup>
+                        </m:sSup>
+                      </m:e>
+                    </m:d>
+                  </m:oMath>
+                </a14:m>
+                <a:r>
+                  <a:rPr lang="en-US" dirty="0"/>
+                  <a:t> (in the worse case) where </a:t>
+                </a:r>
+                <a14:m>
+                  <m:oMath xmlns:m="http://schemas.openxmlformats.org/officeDocument/2006/math">
+                    <m:r>
+                      <a:rPr lang="en-US" b="0" i="1" smtClean="0">
+                        <a:latin typeface="Cambria Math" panose="02040503050406030204" pitchFamily="18" charset="0"/>
+                      </a:rPr>
+                      <m:t>𝐿</m:t>
+                    </m:r>
+                    <m:r>
+                      <a:rPr lang="en-US" b="0" i="1" smtClean="0">
+                        <a:latin typeface="Cambria Math" panose="02040503050406030204" pitchFamily="18" charset="0"/>
+                      </a:rPr>
+                      <m:t>=# </m:t>
+                    </m:r>
+                    <m:r>
+                      <a:rPr lang="en-US" b="0" i="1" smtClean="0">
+                        <a:latin typeface="Cambria Math" panose="02040503050406030204" pitchFamily="18" charset="0"/>
+                      </a:rPr>
+                      <m:t>𝑜𝑓</m:t>
+                    </m:r>
+                    <m:r>
+                      <a:rPr lang="en-US" b="0" i="1" smtClean="0">
+                        <a:latin typeface="Cambria Math" panose="02040503050406030204" pitchFamily="18" charset="0"/>
+                      </a:rPr>
+                      <m:t> </m:t>
+                    </m:r>
+                    <m:r>
+                      <a:rPr lang="en-US" b="0" i="1" smtClean="0">
+                        <a:latin typeface="Cambria Math" panose="02040503050406030204" pitchFamily="18" charset="0"/>
+                      </a:rPr>
+                      <m:t>𝑠𝑙𝑖𝑐𝑖𝑛𝑔</m:t>
+                    </m:r>
+                  </m:oMath>
+                </a14:m>
+                <a:r>
+                  <a:rPr lang="en-US" dirty="0"/>
+                  <a:t>. </a:t>
+                </a:r>
+              </a:p>
+              <a:p>
+                <a:r>
+                  <a:rPr lang="en-US" altLang="zh-CN" dirty="0"/>
+                  <a:t>For each slicing, the algorithm solves the following (1-dimensional) partial optimal transport (POT) problem: </a:t>
+                </a:r>
+                <a:br>
+                  <a:rPr lang="en-US" altLang="zh-CN" dirty="0"/>
+                </a:br>
+                <a:r>
+                  <a:rPr lang="en-US" altLang="zh-CN" dirty="0"/>
+                  <a:t> </a:t>
+                </a:r>
+                <a14:m>
+                  <m:oMath xmlns:m="http://schemas.openxmlformats.org/officeDocument/2006/math">
+                    <m:func>
+                      <m:funcPr>
+                        <m:ctrlPr>
+                          <a:rPr lang="en-US" altLang="zh-CN" b="0" i="1" smtClean="0">
+                            <a:latin typeface="Cambria Math" panose="02040503050406030204" pitchFamily="18" charset="0"/>
+                          </a:rPr>
+                        </m:ctrlPr>
+                      </m:funcPr>
+                      <m:fName>
+                        <m:limLow>
+                          <m:limLowPr>
+                            <m:ctrlPr>
+                              <a:rPr lang="en-US" altLang="zh-CN" b="0" i="1" smtClean="0">
+                                <a:latin typeface="Cambria Math" panose="02040503050406030204" pitchFamily="18" charset="0"/>
+                              </a:rPr>
+                            </m:ctrlPr>
+                          </m:limLowPr>
+                          <m:e>
+                            <m:r>
+                              <m:rPr>
+                                <m:sty m:val="p"/>
+                              </m:rPr>
+                              <a:rPr lang="en-US" altLang="zh-CN" b="0" i="0" smtClean="0">
+                                <a:latin typeface="Cambria Math" panose="02040503050406030204" pitchFamily="18" charset="0"/>
+                              </a:rPr>
+                              <m:t>min</m:t>
+                            </m:r>
+                          </m:e>
+                          <m:lim>
+                            <m:r>
+                              <a:rPr lang="en-US" altLang="zh-CN" b="0" i="1" smtClean="0">
+                                <a:latin typeface="Cambria Math" panose="02040503050406030204" pitchFamily="18" charset="0"/>
+                              </a:rPr>
+                              <m:t>𝜋</m:t>
+                            </m:r>
+                          </m:lim>
+                        </m:limLow>
+                      </m:fName>
+                      <m:e>
+                        <m:nary>
+                          <m:naryPr>
+                            <m:chr m:val="∑"/>
+                            <m:supHide m:val="on"/>
+                            <m:ctrlPr>
+                              <a:rPr lang="en-US" altLang="zh-CN" b="0" i="1" smtClean="0">
+                                <a:latin typeface="Cambria Math" panose="02040503050406030204" pitchFamily="18" charset="0"/>
+                              </a:rPr>
+                            </m:ctrlPr>
+                          </m:naryPr>
+                          <m:sub>
+                            <m:r>
+                              <a:rPr lang="en-US" altLang="zh-CN" b="0" i="1" smtClean="0">
+                                <a:latin typeface="Cambria Math" panose="02040503050406030204" pitchFamily="18" charset="0"/>
+                              </a:rPr>
+                              <m:t>𝑖𝑗</m:t>
+                            </m:r>
+                          </m:sub>
+                          <m:sup/>
+                          <m:e>
+                            <m:sSup>
+                              <m:sSupPr>
+                                <m:ctrlPr>
+                                  <a:rPr lang="en-US" altLang="zh-CN" b="0" i="1" smtClean="0">
+                                    <a:latin typeface="Cambria Math" panose="02040503050406030204" pitchFamily="18" charset="0"/>
+                                  </a:rPr>
+                                </m:ctrlPr>
+                              </m:sSupPr>
+                              <m:e>
+                                <m:d>
+                                  <m:dPr>
+                                    <m:begChr m:val="‖"/>
+                                    <m:endChr m:val="‖"/>
+                                    <m:ctrlPr>
+                                      <a:rPr lang="en-US" altLang="zh-CN" b="0" i="1" smtClean="0">
+                                        <a:latin typeface="Cambria Math" panose="02040503050406030204" pitchFamily="18" charset="0"/>
+                                      </a:rPr>
+                                    </m:ctrlPr>
+                                  </m:dPr>
+                                  <m:e>
+                                    <m:sSub>
+                                      <m:sSubPr>
+                                        <m:ctrlPr>
+                                          <a:rPr lang="en-US" altLang="zh-CN" b="0" i="1" smtClean="0">
+                                            <a:latin typeface="Cambria Math" panose="02040503050406030204" pitchFamily="18" charset="0"/>
+                                          </a:rPr>
+                                        </m:ctrlPr>
+                                      </m:sSubPr>
+                                      <m:e>
+                                        <m:r>
+                                          <a:rPr lang="en-US" altLang="zh-CN" b="0" i="1" smtClean="0">
+                                            <a:latin typeface="Cambria Math" panose="02040503050406030204" pitchFamily="18" charset="0"/>
+                                          </a:rPr>
+                                          <m:t>𝑥</m:t>
+                                        </m:r>
+                                      </m:e>
+                                      <m:sub>
+                                        <m:r>
+                                          <a:rPr lang="en-US" altLang="zh-CN" b="0" i="1" smtClean="0">
+                                            <a:latin typeface="Cambria Math" panose="02040503050406030204" pitchFamily="18" charset="0"/>
+                                          </a:rPr>
+                                          <m:t>𝑖</m:t>
+                                        </m:r>
+                                      </m:sub>
+                                    </m:sSub>
+                                    <m:r>
+                                      <a:rPr lang="en-US" altLang="zh-CN" b="0" i="1" smtClean="0">
+                                        <a:latin typeface="Cambria Math" panose="02040503050406030204" pitchFamily="18" charset="0"/>
+                                      </a:rPr>
+                                      <m:t>−</m:t>
+                                    </m:r>
+                                    <m:sSub>
+                                      <m:sSubPr>
+                                        <m:ctrlPr>
+                                          <a:rPr lang="en-US" altLang="zh-CN" b="0" i="1" smtClean="0">
+                                            <a:latin typeface="Cambria Math" panose="02040503050406030204" pitchFamily="18" charset="0"/>
+                                          </a:rPr>
+                                        </m:ctrlPr>
+                                      </m:sSubPr>
+                                      <m:e>
+                                        <m:r>
+                                          <a:rPr lang="en-US" altLang="zh-CN" b="0" i="1" smtClean="0">
+                                            <a:latin typeface="Cambria Math" panose="02040503050406030204" pitchFamily="18" charset="0"/>
+                                          </a:rPr>
+                                          <m:t>𝑦</m:t>
+                                        </m:r>
+                                      </m:e>
+                                      <m:sub>
+                                        <m:r>
+                                          <a:rPr lang="en-US" altLang="zh-CN" b="0" i="1" smtClean="0">
+                                            <a:latin typeface="Cambria Math" panose="02040503050406030204" pitchFamily="18" charset="0"/>
+                                          </a:rPr>
+                                          <m:t>𝑗</m:t>
+                                        </m:r>
+                                      </m:sub>
+                                    </m:sSub>
+                                  </m:e>
+                                </m:d>
+                              </m:e>
+                              <m:sup>
+                                <m:r>
+                                  <a:rPr lang="en-US" altLang="zh-CN" b="0" i="1" smtClean="0">
+                                    <a:latin typeface="Cambria Math" panose="02040503050406030204" pitchFamily="18" charset="0"/>
+                                  </a:rPr>
+                                  <m:t>𝑝</m:t>
+                                </m:r>
+                              </m:sup>
+                            </m:sSup>
+                            <m:sSub>
+                              <m:sSubPr>
+                                <m:ctrlPr>
+                                  <a:rPr lang="en-US" altLang="zh-CN" b="0" i="1" smtClean="0">
+                                    <a:latin typeface="Cambria Math" panose="02040503050406030204" pitchFamily="18" charset="0"/>
+                                  </a:rPr>
+                                </m:ctrlPr>
+                              </m:sSubPr>
+                              <m:e>
+                                <m:r>
+                                  <a:rPr lang="en-US" altLang="zh-CN" b="0" i="1" smtClean="0">
+                                    <a:latin typeface="Cambria Math" panose="02040503050406030204" pitchFamily="18" charset="0"/>
+                                  </a:rPr>
+                                  <m:t>𝜋</m:t>
+                                </m:r>
+                              </m:e>
+                              <m:sub>
+                                <m:r>
+                                  <a:rPr lang="en-US" altLang="zh-CN" b="0" i="1" smtClean="0">
+                                    <a:latin typeface="Cambria Math" panose="02040503050406030204" pitchFamily="18" charset="0"/>
+                                  </a:rPr>
+                                  <m:t>𝑖𝑗</m:t>
+                                </m:r>
+                              </m:sub>
+                            </m:sSub>
+                          </m:e>
+                        </m:nary>
+                      </m:e>
+                    </m:func>
+                  </m:oMath>
+                </a14:m>
+                <a:endParaRPr lang="en-US" dirty="0"/>
+              </a:p>
+              <a:p>
+                <a:pPr marL="0" indent="0">
+                  <a:buNone/>
+                </a:pPr>
+                <a:r>
+                  <a:rPr lang="en-US" dirty="0"/>
+                  <a:t> </a:t>
+                </a:r>
+                <a:r>
+                  <a:rPr lang="en-US" dirty="0" err="1"/>
+                  <a:t>s.t.</a:t>
+                </a:r>
+                <a:r>
+                  <a:rPr lang="en-US" dirty="0"/>
+                  <a:t> </a:t>
+                </a:r>
+                <a14:m>
+                  <m:oMath xmlns:m="http://schemas.openxmlformats.org/officeDocument/2006/math">
+                    <m:r>
+                      <a:rPr lang="en-US" b="0" i="1" smtClean="0">
+                        <a:latin typeface="Cambria Math" panose="02040503050406030204" pitchFamily="18" charset="0"/>
+                      </a:rPr>
+                      <m:t>𝜋</m:t>
+                    </m:r>
+                    <m:r>
+                      <a:rPr lang="en-US" b="0" i="1" smtClean="0">
+                        <a:latin typeface="Cambria Math" panose="02040503050406030204" pitchFamily="18" charset="0"/>
+                      </a:rPr>
+                      <m:t>1=1,0≤</m:t>
+                    </m:r>
+                    <m:sSup>
+                      <m:sSupPr>
+                        <m:ctrlPr>
+                          <a:rPr lang="en-US" b="0" i="1" smtClean="0">
+                            <a:latin typeface="Cambria Math" panose="02040503050406030204" pitchFamily="18" charset="0"/>
+                          </a:rPr>
+                        </m:ctrlPr>
+                      </m:sSupPr>
+                      <m:e>
+                        <m:r>
+                          <a:rPr lang="en-US" b="0" i="1" smtClean="0">
+                            <a:latin typeface="Cambria Math" panose="02040503050406030204" pitchFamily="18" charset="0"/>
+                          </a:rPr>
+                          <m:t>𝜋</m:t>
+                        </m:r>
+                      </m:e>
+                      <m:sup>
+                        <m:r>
+                          <a:rPr lang="en-US" b="0" i="1" smtClean="0">
+                            <a:latin typeface="Cambria Math" panose="02040503050406030204" pitchFamily="18" charset="0"/>
+                          </a:rPr>
+                          <m:t>𝑇</m:t>
+                        </m:r>
+                      </m:sup>
+                    </m:sSup>
+                    <m:r>
+                      <a:rPr lang="en-US" b="0" i="1" smtClean="0">
+                        <a:latin typeface="Cambria Math" panose="02040503050406030204" pitchFamily="18" charset="0"/>
+                      </a:rPr>
+                      <m:t>1≤1</m:t>
+                    </m:r>
+                  </m:oMath>
+                </a14:m>
+                <a:r>
+                  <a:rPr lang="en-US" dirty="0"/>
+                  <a:t>. </a:t>
+                </a:r>
+                <a:br>
+                  <a:rPr lang="en-US" dirty="0"/>
+                </a:br>
+                <a:endParaRPr lang="en-US" dirty="0"/>
+              </a:p>
+              <a:p>
+                <a:pPr marL="0" indent="0">
+                  <a:buNone/>
+                </a:pPr>
+                <a:endParaRPr lang="en-US" dirty="0"/>
+              </a:p>
+            </p:txBody>
+          </p:sp>
+        </mc:Choice>
+        <mc:Fallback>
+          <p:sp>
+            <p:nvSpPr>
+              <p:cNvPr id="3" name="Content Placeholder 2">
+                <a:extLst>
+                  <a:ext uri="{FF2B5EF4-FFF2-40B4-BE49-F238E27FC236}">
+                    <a16:creationId xmlns:a16="http://schemas.microsoft.com/office/drawing/2014/main" id="{EBD84C6C-2B20-4C74-B9CA-7678D38522DD}"/>
+                  </a:ext>
+                </a:extLst>
+              </p:cNvPr>
+              <p:cNvSpPr>
+                <a:spLocks noGrp="1" noRot="1" noChangeAspect="1" noMove="1" noResize="1" noEditPoints="1" noAdjustHandles="1" noChangeArrowheads="1" noChangeShapeType="1" noTextEdit="1"/>
+              </p:cNvSpPr>
+              <p:nvPr>
+                <p:ph idx="1"/>
+              </p:nvPr>
+            </p:nvSpPr>
+            <p:spPr>
+              <a:xfrm>
+                <a:off x="838200" y="1248230"/>
+                <a:ext cx="10515600" cy="4928733"/>
+              </a:xfrm>
+              <a:blipFill>
+                <a:blip r:embed="rId2"/>
+                <a:stretch>
+                  <a:fillRect l="-1217" t="-2104"/>
+                </a:stretch>
+              </a:blipFill>
+            </p:spPr>
+            <p:txBody>
+              <a:bodyPr/>
+              <a:lstStyle/>
+              <a:p>
+                <a:r>
+                  <a:rPr lang="en-US">
+                    <a:noFill/>
+                  </a:rPr>
+                  <a:t> </a:t>
+                </a:r>
+              </a:p>
+            </p:txBody>
+          </p:sp>
+        </mc:Fallback>
+      </mc:AlternateContent>
+    </p:spTree>
+    <p:extLst>
+      <p:ext uri="{BB962C8B-B14F-4D97-AF65-F5344CB8AC3E}">
+        <p14:creationId xmlns:p14="http://schemas.microsoft.com/office/powerpoint/2010/main" val="2994957714"/>
       </p:ext>
     </p:extLst>
   </p:cSld>
@@ -10641,6 +14748,742 @@
 </p:sld>
 </file>
 
+<file path=ppt/slides/slide20.xml><?xml version="1.0" encoding="utf-8"?>
+<p:sld xmlns:a="http://schemas.openxmlformats.org/drawingml/2006/main" xmlns:r="http://schemas.openxmlformats.org/officeDocument/2006/relationships" xmlns:p="http://schemas.openxmlformats.org/presentationml/2006/main">
+  <p:cSld>
+    <p:spTree>
+      <p:nvGrpSpPr>
+        <p:cNvPr id="1" name=""/>
+        <p:cNvGrpSpPr/>
+        <p:nvPr/>
+      </p:nvGrpSpPr>
+      <p:grpSpPr>
+        <a:xfrm>
+          <a:off x="0" y="0"/>
+          <a:ext cx="0" cy="0"/>
+          <a:chOff x="0" y="0"/>
+          <a:chExt cx="0" cy="0"/>
+        </a:xfrm>
+      </p:grpSpPr>
+      <p:sp>
+        <p:nvSpPr>
+          <p:cNvPr id="2" name="Title 1">
+            <a:extLst>
+              <a:ext uri="{FF2B5EF4-FFF2-40B4-BE49-F238E27FC236}">
+                <a16:creationId xmlns:a16="http://schemas.microsoft.com/office/drawing/2014/main" id="{FC7A8415-9DFF-4BBD-8E89-515D4A85E0DC}"/>
+              </a:ext>
+            </a:extLst>
+          </p:cNvPr>
+          <p:cNvSpPr>
+            <a:spLocks noGrp="1"/>
+          </p:cNvSpPr>
+          <p:nvPr>
+            <p:ph type="title"/>
+          </p:nvPr>
+        </p:nvSpPr>
+        <p:spPr/>
+        <p:txBody>
+          <a:bodyPr/>
+          <a:lstStyle/>
+          <a:p>
+            <a:r>
+              <a:rPr lang="en-US" dirty="0"/>
+              <a:t>Relation between OPT and POT	</a:t>
+            </a:r>
+          </a:p>
+        </p:txBody>
+      </p:sp>
+      <mc:AlternateContent xmlns:mc="http://schemas.openxmlformats.org/markup-compatibility/2006" xmlns:a14="http://schemas.microsoft.com/office/drawing/2010/main">
+        <mc:Choice Requires="a14">
+          <p:sp>
+            <p:nvSpPr>
+              <p:cNvPr id="3" name="Content Placeholder 2">
+                <a:extLst>
+                  <a:ext uri="{FF2B5EF4-FFF2-40B4-BE49-F238E27FC236}">
+                    <a16:creationId xmlns:a16="http://schemas.microsoft.com/office/drawing/2014/main" id="{90BD2C25-79DC-4EA1-9A9B-F1E7B750C288}"/>
+                  </a:ext>
+                </a:extLst>
+              </p:cNvPr>
+              <p:cNvSpPr>
+                <a:spLocks noGrp="1"/>
+              </p:cNvSpPr>
+              <p:nvPr>
+                <p:ph idx="1"/>
+              </p:nvPr>
+            </p:nvSpPr>
+            <p:spPr/>
+            <p:txBody>
+              <a:bodyPr/>
+              <a:lstStyle/>
+              <a:p>
+                <a:r>
+                  <a:rPr lang="en-US" dirty="0"/>
+                  <a:t>A trivial relation: </a:t>
+                </a:r>
+              </a:p>
+              <a:p>
+                <a:pPr marL="0" indent="0">
+                  <a:buNone/>
+                </a:pPr>
+                <a:r>
+                  <a:rPr lang="en-US" dirty="0"/>
+                  <a:t> for any one of </a:t>
+                </a:r>
+                <a14:m>
+                  <m:oMath xmlns:m="http://schemas.openxmlformats.org/officeDocument/2006/math">
+                    <m:sSub>
+                      <m:sSubPr>
+                        <m:ctrlPr>
+                          <a:rPr lang="en-US" b="0" i="1" smtClean="0">
+                            <a:latin typeface="Cambria Math" panose="02040503050406030204" pitchFamily="18" charset="0"/>
+                          </a:rPr>
+                        </m:ctrlPr>
+                      </m:sSubPr>
+                      <m:e>
+                        <m:r>
+                          <a:rPr lang="en-US" b="0" i="1" smtClean="0">
+                            <a:latin typeface="Cambria Math" panose="02040503050406030204" pitchFamily="18" charset="0"/>
+                          </a:rPr>
+                          <m:t>𝜆</m:t>
+                        </m:r>
+                      </m:e>
+                      <m:sub>
+                        <m:r>
+                          <a:rPr lang="en-US" b="0" i="1" smtClean="0">
+                            <a:latin typeface="Cambria Math" panose="02040503050406030204" pitchFamily="18" charset="0"/>
+                          </a:rPr>
+                          <m:t>1</m:t>
+                        </m:r>
+                      </m:sub>
+                    </m:sSub>
+                    <m:r>
+                      <a:rPr lang="en-US" b="0" i="1" smtClean="0">
+                        <a:latin typeface="Cambria Math" panose="02040503050406030204" pitchFamily="18" charset="0"/>
+                      </a:rPr>
+                      <m:t>,</m:t>
+                    </m:r>
+                    <m:sSub>
+                      <m:sSubPr>
+                        <m:ctrlPr>
+                          <a:rPr lang="en-US" b="0" i="1" smtClean="0">
+                            <a:latin typeface="Cambria Math" panose="02040503050406030204" pitchFamily="18" charset="0"/>
+                          </a:rPr>
+                        </m:ctrlPr>
+                      </m:sSubPr>
+                      <m:e>
+                        <m:r>
+                          <a:rPr lang="en-US" b="0" i="1" smtClean="0">
+                            <a:latin typeface="Cambria Math" panose="02040503050406030204" pitchFamily="18" charset="0"/>
+                          </a:rPr>
+                          <m:t>𝜆</m:t>
+                        </m:r>
+                      </m:e>
+                      <m:sub>
+                        <m:r>
+                          <a:rPr lang="en-US" b="0" i="1" smtClean="0">
+                            <a:latin typeface="Cambria Math" panose="02040503050406030204" pitchFamily="18" charset="0"/>
+                          </a:rPr>
+                          <m:t>2</m:t>
+                        </m:r>
+                      </m:sub>
+                    </m:sSub>
+                    <m:r>
+                      <a:rPr lang="en-US" b="0" i="1" smtClean="0">
+                        <a:latin typeface="Cambria Math" panose="02040503050406030204" pitchFamily="18" charset="0"/>
+                      </a:rPr>
+                      <m:t>→∞</m:t>
+                    </m:r>
+                  </m:oMath>
+                </a14:m>
+                <a:r>
+                  <a:rPr lang="en-US" dirty="0"/>
+                  <a:t>, </a:t>
+                </a:r>
+              </a:p>
+              <a:p>
+                <a:pPr marL="0" indent="0">
+                  <a:buNone/>
+                </a:pPr>
+                <a:r>
+                  <a:rPr lang="en-US" dirty="0"/>
+                  <a:t> </a:t>
+                </a:r>
+                <a14:m>
+                  <m:oMath xmlns:m="http://schemas.openxmlformats.org/officeDocument/2006/math">
+                    <m:r>
+                      <a:rPr lang="en-US" b="0" i="1" smtClean="0">
+                        <a:latin typeface="Cambria Math" panose="02040503050406030204" pitchFamily="18" charset="0"/>
+                      </a:rPr>
+                      <m:t>𝑂𝑃𝑇</m:t>
+                    </m:r>
+                    <m:d>
+                      <m:dPr>
+                        <m:ctrlPr>
+                          <a:rPr lang="en-US" b="0" i="1" smtClean="0">
+                            <a:latin typeface="Cambria Math" panose="02040503050406030204" pitchFamily="18" charset="0"/>
+                          </a:rPr>
+                        </m:ctrlPr>
+                      </m:dPr>
+                      <m:e>
+                        <m:sSubSup>
+                          <m:sSubSupPr>
+                            <m:ctrlPr>
+                              <a:rPr lang="en-US" b="0" i="1" smtClean="0">
+                                <a:latin typeface="Cambria Math" panose="02040503050406030204" pitchFamily="18" charset="0"/>
+                              </a:rPr>
+                            </m:ctrlPr>
+                          </m:sSubSupPr>
+                          <m:e>
+                            <m:d>
+                              <m:dPr>
+                                <m:begChr m:val="{"/>
+                                <m:endChr m:val="}"/>
+                                <m:ctrlPr>
+                                  <a:rPr lang="en-US" b="0" i="1" smtClean="0">
+                                    <a:latin typeface="Cambria Math" panose="02040503050406030204" pitchFamily="18" charset="0"/>
+                                  </a:rPr>
+                                </m:ctrlPr>
+                              </m:dPr>
+                              <m:e>
+                                <m:sSub>
+                                  <m:sSubPr>
+                                    <m:ctrlPr>
+                                      <a:rPr lang="en-US" b="0" i="1" smtClean="0">
+                                        <a:latin typeface="Cambria Math" panose="02040503050406030204" pitchFamily="18" charset="0"/>
+                                      </a:rPr>
+                                    </m:ctrlPr>
+                                  </m:sSubPr>
+                                  <m:e>
+                                    <m:r>
+                                      <a:rPr lang="en-US" b="0" i="1" smtClean="0">
+                                        <a:latin typeface="Cambria Math" panose="02040503050406030204" pitchFamily="18" charset="0"/>
+                                      </a:rPr>
+                                      <m:t>𝑥</m:t>
+                                    </m:r>
+                                  </m:e>
+                                  <m:sub>
+                                    <m:r>
+                                      <a:rPr lang="en-US" b="0" i="1" smtClean="0">
+                                        <a:latin typeface="Cambria Math" panose="02040503050406030204" pitchFamily="18" charset="0"/>
+                                      </a:rPr>
+                                      <m:t>𝑖</m:t>
+                                    </m:r>
+                                  </m:sub>
+                                </m:sSub>
+                              </m:e>
+                            </m:d>
+                          </m:e>
+                          <m:sub>
+                            <m:r>
+                              <a:rPr lang="en-US" b="0" i="1" smtClean="0">
+                                <a:latin typeface="Cambria Math" panose="02040503050406030204" pitchFamily="18" charset="0"/>
+                              </a:rPr>
+                              <m:t>𝑖</m:t>
+                            </m:r>
+                            <m:r>
+                              <a:rPr lang="en-US" b="0" i="1" smtClean="0">
+                                <a:latin typeface="Cambria Math" panose="02040503050406030204" pitchFamily="18" charset="0"/>
+                              </a:rPr>
+                              <m:t>=1</m:t>
+                            </m:r>
+                          </m:sub>
+                          <m:sup>
+                            <m:r>
+                              <a:rPr lang="en-US" b="0" i="1" smtClean="0">
+                                <a:latin typeface="Cambria Math" panose="02040503050406030204" pitchFamily="18" charset="0"/>
+                              </a:rPr>
+                              <m:t>𝑛</m:t>
+                            </m:r>
+                          </m:sup>
+                        </m:sSubSup>
+                        <m:r>
+                          <a:rPr lang="en-US" b="0" i="1" smtClean="0">
+                            <a:latin typeface="Cambria Math" panose="02040503050406030204" pitchFamily="18" charset="0"/>
+                          </a:rPr>
+                          <m:t>,</m:t>
+                        </m:r>
+                        <m:sSubSup>
+                          <m:sSubSupPr>
+                            <m:ctrlPr>
+                              <a:rPr lang="en-US" i="1">
+                                <a:latin typeface="Cambria Math" panose="02040503050406030204" pitchFamily="18" charset="0"/>
+                              </a:rPr>
+                            </m:ctrlPr>
+                          </m:sSubSupPr>
+                          <m:e>
+                            <m:d>
+                              <m:dPr>
+                                <m:begChr m:val="{"/>
+                                <m:endChr m:val="}"/>
+                                <m:ctrlPr>
+                                  <a:rPr lang="en-US" i="1">
+                                    <a:latin typeface="Cambria Math" panose="02040503050406030204" pitchFamily="18" charset="0"/>
+                                  </a:rPr>
+                                </m:ctrlPr>
+                              </m:dPr>
+                              <m:e>
+                                <m:sSub>
+                                  <m:sSubPr>
+                                    <m:ctrlPr>
+                                      <a:rPr lang="en-US" i="1">
+                                        <a:latin typeface="Cambria Math" panose="02040503050406030204" pitchFamily="18" charset="0"/>
+                                      </a:rPr>
+                                    </m:ctrlPr>
+                                  </m:sSubPr>
+                                  <m:e>
+                                    <m:r>
+                                      <a:rPr lang="en-US" b="0" i="1" smtClean="0">
+                                        <a:latin typeface="Cambria Math" panose="02040503050406030204" pitchFamily="18" charset="0"/>
+                                      </a:rPr>
+                                      <m:t>𝑦</m:t>
+                                    </m:r>
+                                  </m:e>
+                                  <m:sub>
+                                    <m:r>
+                                      <a:rPr lang="en-US" b="0" i="1" smtClean="0">
+                                        <a:latin typeface="Cambria Math" panose="02040503050406030204" pitchFamily="18" charset="0"/>
+                                      </a:rPr>
+                                      <m:t>𝑗</m:t>
+                                    </m:r>
+                                  </m:sub>
+                                </m:sSub>
+                              </m:e>
+                            </m:d>
+                          </m:e>
+                          <m:sub>
+                            <m:r>
+                              <a:rPr lang="en-US" b="0" i="1" smtClean="0">
+                                <a:latin typeface="Cambria Math" panose="02040503050406030204" pitchFamily="18" charset="0"/>
+                              </a:rPr>
+                              <m:t>𝑗</m:t>
+                            </m:r>
+                            <m:r>
+                              <a:rPr lang="en-US" i="1">
+                                <a:latin typeface="Cambria Math" panose="02040503050406030204" pitchFamily="18" charset="0"/>
+                              </a:rPr>
+                              <m:t>=1</m:t>
+                            </m:r>
+                          </m:sub>
+                          <m:sup>
+                            <m:r>
+                              <a:rPr lang="en-US" b="0" i="1" smtClean="0">
+                                <a:latin typeface="Cambria Math" panose="02040503050406030204" pitchFamily="18" charset="0"/>
+                              </a:rPr>
+                              <m:t>𝑚</m:t>
+                            </m:r>
+                          </m:sup>
+                        </m:sSubSup>
+                      </m:e>
+                    </m:d>
+                    <m:r>
+                      <a:rPr lang="en-US" b="0" i="1" smtClean="0">
+                        <a:latin typeface="Cambria Math" panose="02040503050406030204" pitchFamily="18" charset="0"/>
+                      </a:rPr>
+                      <m:t>−</m:t>
+                    </m:r>
+                    <m:sSub>
+                      <m:sSubPr>
+                        <m:ctrlPr>
+                          <a:rPr lang="en-US" b="0" i="1" smtClean="0">
+                            <a:latin typeface="Cambria Math" panose="02040503050406030204" pitchFamily="18" charset="0"/>
+                          </a:rPr>
+                        </m:ctrlPr>
+                      </m:sSubPr>
+                      <m:e>
+                        <m:r>
+                          <a:rPr lang="en-US" b="0" i="1" smtClean="0">
+                            <a:latin typeface="Cambria Math" panose="02040503050406030204" pitchFamily="18" charset="0"/>
+                          </a:rPr>
+                          <m:t>𝜆</m:t>
+                        </m:r>
+                      </m:e>
+                      <m:sub>
+                        <m:r>
+                          <a:rPr lang="en-US" b="0" i="1" smtClean="0">
+                            <a:latin typeface="Cambria Math" panose="02040503050406030204" pitchFamily="18" charset="0"/>
+                          </a:rPr>
+                          <m:t>2</m:t>
+                        </m:r>
+                      </m:sub>
+                    </m:sSub>
+                    <m:d>
+                      <m:dPr>
+                        <m:ctrlPr>
+                          <a:rPr lang="en-US" b="0" i="1" smtClean="0">
+                            <a:latin typeface="Cambria Math" panose="02040503050406030204" pitchFamily="18" charset="0"/>
+                          </a:rPr>
+                        </m:ctrlPr>
+                      </m:dPr>
+                      <m:e>
+                        <m:r>
+                          <a:rPr lang="en-US" b="0" i="1" smtClean="0">
+                            <a:latin typeface="Cambria Math" panose="02040503050406030204" pitchFamily="18" charset="0"/>
+                          </a:rPr>
+                          <m:t>𝑛</m:t>
+                        </m:r>
+                        <m:r>
+                          <a:rPr lang="en-US" b="0" i="1" smtClean="0">
+                            <a:latin typeface="Cambria Math" panose="02040503050406030204" pitchFamily="18" charset="0"/>
+                          </a:rPr>
+                          <m:t>−</m:t>
+                        </m:r>
+                        <m:r>
+                          <a:rPr lang="en-US" b="0" i="1" smtClean="0">
+                            <a:latin typeface="Cambria Math" panose="02040503050406030204" pitchFamily="18" charset="0"/>
+                          </a:rPr>
+                          <m:t>𝑚</m:t>
+                        </m:r>
+                      </m:e>
+                    </m:d>
+                  </m:oMath>
+                </a14:m>
+                <a:endParaRPr lang="en-US" b="0" i="1" dirty="0">
+                  <a:latin typeface="Cambria Math" panose="02040503050406030204" pitchFamily="18" charset="0"/>
+                </a:endParaRPr>
+              </a:p>
+              <a:p>
+                <a:pPr marL="0" indent="0">
+                  <a:buNone/>
+                </a:pPr>
+                <a:r>
+                  <a:rPr lang="en-US" b="0" dirty="0"/>
+                  <a:t>.</a:t>
+                </a:r>
+                <a14:m>
+                  <m:oMath xmlns:m="http://schemas.openxmlformats.org/officeDocument/2006/math">
+                    <m:r>
+                      <a:rPr lang="en-US" b="0" i="1" smtClean="0">
+                        <a:latin typeface="Cambria Math" panose="02040503050406030204" pitchFamily="18" charset="0"/>
+                      </a:rPr>
+                      <m:t>→</m:t>
+                    </m:r>
+                    <m:r>
+                      <a:rPr lang="en-US" b="0" i="1" smtClean="0">
+                        <a:latin typeface="Cambria Math" panose="02040503050406030204" pitchFamily="18" charset="0"/>
+                      </a:rPr>
+                      <m:t>𝑃𝑂𝑇</m:t>
+                    </m:r>
+                    <m:d>
+                      <m:dPr>
+                        <m:ctrlPr>
+                          <a:rPr lang="en-US" b="0" i="1" smtClean="0">
+                            <a:latin typeface="Cambria Math" panose="02040503050406030204" pitchFamily="18" charset="0"/>
+                          </a:rPr>
+                        </m:ctrlPr>
+                      </m:dPr>
+                      <m:e>
+                        <m:sSubSup>
+                          <m:sSubSupPr>
+                            <m:ctrlPr>
+                              <a:rPr lang="en-US" i="1">
+                                <a:latin typeface="Cambria Math" panose="02040503050406030204" pitchFamily="18" charset="0"/>
+                              </a:rPr>
+                            </m:ctrlPr>
+                          </m:sSubSupPr>
+                          <m:e>
+                            <m:d>
+                              <m:dPr>
+                                <m:begChr m:val="{"/>
+                                <m:endChr m:val="}"/>
+                                <m:ctrlPr>
+                                  <a:rPr lang="en-US" i="1">
+                                    <a:latin typeface="Cambria Math" panose="02040503050406030204" pitchFamily="18" charset="0"/>
+                                  </a:rPr>
+                                </m:ctrlPr>
+                              </m:dPr>
+                              <m:e>
+                                <m:sSub>
+                                  <m:sSubPr>
+                                    <m:ctrlPr>
+                                      <a:rPr lang="en-US" i="1">
+                                        <a:latin typeface="Cambria Math" panose="02040503050406030204" pitchFamily="18" charset="0"/>
+                                      </a:rPr>
+                                    </m:ctrlPr>
+                                  </m:sSubPr>
+                                  <m:e>
+                                    <m:r>
+                                      <a:rPr lang="en-US" i="1">
+                                        <a:latin typeface="Cambria Math" panose="02040503050406030204" pitchFamily="18" charset="0"/>
+                                      </a:rPr>
+                                      <m:t>𝑥</m:t>
+                                    </m:r>
+                                  </m:e>
+                                  <m:sub>
+                                    <m:r>
+                                      <a:rPr lang="en-US" i="1">
+                                        <a:latin typeface="Cambria Math" panose="02040503050406030204" pitchFamily="18" charset="0"/>
+                                      </a:rPr>
+                                      <m:t>𝑖</m:t>
+                                    </m:r>
+                                  </m:sub>
+                                </m:sSub>
+                              </m:e>
+                            </m:d>
+                          </m:e>
+                          <m:sub>
+                            <m:r>
+                              <a:rPr lang="en-US" i="1">
+                                <a:latin typeface="Cambria Math" panose="02040503050406030204" pitchFamily="18" charset="0"/>
+                              </a:rPr>
+                              <m:t>𝑖</m:t>
+                            </m:r>
+                            <m:r>
+                              <a:rPr lang="en-US" i="1">
+                                <a:latin typeface="Cambria Math" panose="02040503050406030204" pitchFamily="18" charset="0"/>
+                              </a:rPr>
+                              <m:t>=1</m:t>
+                            </m:r>
+                          </m:sub>
+                          <m:sup>
+                            <m:r>
+                              <a:rPr lang="en-US" i="1">
+                                <a:latin typeface="Cambria Math" panose="02040503050406030204" pitchFamily="18" charset="0"/>
+                              </a:rPr>
+                              <m:t>𝑛</m:t>
+                            </m:r>
+                          </m:sup>
+                        </m:sSubSup>
+                        <m:r>
+                          <a:rPr lang="en-US" i="1">
+                            <a:latin typeface="Cambria Math" panose="02040503050406030204" pitchFamily="18" charset="0"/>
+                          </a:rPr>
+                          <m:t>,</m:t>
+                        </m:r>
+                        <m:sSubSup>
+                          <m:sSubSupPr>
+                            <m:ctrlPr>
+                              <a:rPr lang="en-US" i="1">
+                                <a:latin typeface="Cambria Math" panose="02040503050406030204" pitchFamily="18" charset="0"/>
+                              </a:rPr>
+                            </m:ctrlPr>
+                          </m:sSubSupPr>
+                          <m:e>
+                            <m:d>
+                              <m:dPr>
+                                <m:begChr m:val="{"/>
+                                <m:endChr m:val="}"/>
+                                <m:ctrlPr>
+                                  <a:rPr lang="en-US" i="1">
+                                    <a:latin typeface="Cambria Math" panose="02040503050406030204" pitchFamily="18" charset="0"/>
+                                  </a:rPr>
+                                </m:ctrlPr>
+                              </m:dPr>
+                              <m:e>
+                                <m:sSub>
+                                  <m:sSubPr>
+                                    <m:ctrlPr>
+                                      <a:rPr lang="en-US" i="1">
+                                        <a:latin typeface="Cambria Math" panose="02040503050406030204" pitchFamily="18" charset="0"/>
+                                      </a:rPr>
+                                    </m:ctrlPr>
+                                  </m:sSubPr>
+                                  <m:e>
+                                    <m:r>
+                                      <a:rPr lang="en-US" i="1">
+                                        <a:latin typeface="Cambria Math" panose="02040503050406030204" pitchFamily="18" charset="0"/>
+                                      </a:rPr>
+                                      <m:t>𝑦</m:t>
+                                    </m:r>
+                                  </m:e>
+                                  <m:sub>
+                                    <m:r>
+                                      <a:rPr lang="en-US" i="1">
+                                        <a:latin typeface="Cambria Math" panose="02040503050406030204" pitchFamily="18" charset="0"/>
+                                      </a:rPr>
+                                      <m:t>𝑗</m:t>
+                                    </m:r>
+                                  </m:sub>
+                                </m:sSub>
+                              </m:e>
+                            </m:d>
+                          </m:e>
+                          <m:sub>
+                            <m:r>
+                              <a:rPr lang="en-US" i="1">
+                                <a:latin typeface="Cambria Math" panose="02040503050406030204" pitchFamily="18" charset="0"/>
+                              </a:rPr>
+                              <m:t>𝑗</m:t>
+                            </m:r>
+                            <m:r>
+                              <a:rPr lang="en-US" i="1">
+                                <a:latin typeface="Cambria Math" panose="02040503050406030204" pitchFamily="18" charset="0"/>
+                              </a:rPr>
+                              <m:t>=1</m:t>
+                            </m:r>
+                          </m:sub>
+                          <m:sup>
+                            <m:r>
+                              <a:rPr lang="en-US" i="1">
+                                <a:latin typeface="Cambria Math" panose="02040503050406030204" pitchFamily="18" charset="0"/>
+                              </a:rPr>
+                              <m:t>𝑚</m:t>
+                            </m:r>
+                          </m:sup>
+                        </m:sSubSup>
+                      </m:e>
+                    </m:d>
+                  </m:oMath>
+                </a14:m>
+                <a:endParaRPr lang="en-US" dirty="0"/>
+              </a:p>
+              <a:p>
+                <a:pPr marL="0" indent="0">
+                  <a:buNone/>
+                </a:pPr>
+                <a:endParaRPr lang="en-US" dirty="0"/>
+              </a:p>
+            </p:txBody>
+          </p:sp>
+        </mc:Choice>
+        <mc:Fallback xmlns="">
+          <p:sp>
+            <p:nvSpPr>
+              <p:cNvPr id="3" name="Content Placeholder 2">
+                <a:extLst>
+                  <a:ext uri="{FF2B5EF4-FFF2-40B4-BE49-F238E27FC236}">
+                    <a16:creationId xmlns:a16="http://schemas.microsoft.com/office/drawing/2014/main" id="{90BD2C25-79DC-4EA1-9A9B-F1E7B750C288}"/>
+                  </a:ext>
+                </a:extLst>
+              </p:cNvPr>
+              <p:cNvSpPr>
+                <a:spLocks noGrp="1" noRot="1" noChangeAspect="1" noMove="1" noResize="1" noEditPoints="1" noAdjustHandles="1" noChangeArrowheads="1" noChangeShapeType="1" noTextEdit="1"/>
+              </p:cNvSpPr>
+              <p:nvPr>
+                <p:ph idx="1"/>
+              </p:nvPr>
+            </p:nvSpPr>
+            <p:spPr>
+              <a:blipFill>
+                <a:blip r:embed="rId2"/>
+                <a:stretch>
+                  <a:fillRect l="-1217" t="-2241"/>
+                </a:stretch>
+              </a:blipFill>
+            </p:spPr>
+            <p:txBody>
+              <a:bodyPr/>
+              <a:lstStyle/>
+              <a:p>
+                <a:r>
+                  <a:rPr lang="en-US">
+                    <a:noFill/>
+                  </a:rPr>
+                  <a:t> </a:t>
+                </a:r>
+              </a:p>
+            </p:txBody>
+          </p:sp>
+        </mc:Fallback>
+      </mc:AlternateContent>
+    </p:spTree>
+    <p:extLst>
+      <p:ext uri="{BB962C8B-B14F-4D97-AF65-F5344CB8AC3E}">
+        <p14:creationId xmlns:p14="http://schemas.microsoft.com/office/powerpoint/2010/main" val="2713340578"/>
+      </p:ext>
+    </p:extLst>
+  </p:cSld>
+  <p:clrMapOvr>
+    <a:masterClrMapping/>
+  </p:clrMapOvr>
+</p:sld>
+</file>
+
+<file path=ppt/slides/slide21.xml><?xml version="1.0" encoding="utf-8"?>
+<p:sld xmlns:a="http://schemas.openxmlformats.org/drawingml/2006/main" xmlns:r="http://schemas.openxmlformats.org/officeDocument/2006/relationships" xmlns:p="http://schemas.openxmlformats.org/presentationml/2006/main">
+  <p:cSld>
+    <p:spTree>
+      <p:nvGrpSpPr>
+        <p:cNvPr id="1" name=""/>
+        <p:cNvGrpSpPr/>
+        <p:nvPr/>
+      </p:nvGrpSpPr>
+      <p:grpSpPr>
+        <a:xfrm>
+          <a:off x="0" y="0"/>
+          <a:ext cx="0" cy="0"/>
+          <a:chOff x="0" y="0"/>
+          <a:chExt cx="0" cy="0"/>
+        </a:xfrm>
+      </p:grpSpPr>
+      <p:sp>
+        <p:nvSpPr>
+          <p:cNvPr id="2" name="Title 1">
+            <a:extLst>
+              <a:ext uri="{FF2B5EF4-FFF2-40B4-BE49-F238E27FC236}">
+                <a16:creationId xmlns:a16="http://schemas.microsoft.com/office/drawing/2014/main" id="{4BE56023-B277-44C5-8427-EE8E66EEA138}"/>
+              </a:ext>
+            </a:extLst>
+          </p:cNvPr>
+          <p:cNvSpPr>
+            <a:spLocks noGrp="1"/>
+          </p:cNvSpPr>
+          <p:nvPr>
+            <p:ph type="title"/>
+          </p:nvPr>
+        </p:nvSpPr>
+        <p:spPr>
+          <a:xfrm>
+            <a:off x="838200" y="365126"/>
+            <a:ext cx="10395857" cy="800856"/>
+          </a:xfrm>
+        </p:spPr>
+        <p:txBody>
+          <a:bodyPr/>
+          <a:lstStyle/>
+          <a:p>
+            <a:r>
+              <a:rPr lang="en-US" dirty="0"/>
+              <a:t>Algorithm of 1D-POT</a:t>
+            </a:r>
+          </a:p>
+        </p:txBody>
+      </p:sp>
+      <p:sp>
+        <p:nvSpPr>
+          <p:cNvPr id="3" name="Content Placeholder 2">
+            <a:extLst>
+              <a:ext uri="{FF2B5EF4-FFF2-40B4-BE49-F238E27FC236}">
+                <a16:creationId xmlns:a16="http://schemas.microsoft.com/office/drawing/2014/main" id="{2B4AE8F2-E13D-492B-ACEF-AF9551F33A25}"/>
+              </a:ext>
+            </a:extLst>
+          </p:cNvPr>
+          <p:cNvSpPr>
+            <a:spLocks noGrp="1"/>
+          </p:cNvSpPr>
+          <p:nvPr>
+            <p:ph idx="1"/>
+          </p:nvPr>
+        </p:nvSpPr>
+        <p:spPr>
+          <a:xfrm>
+            <a:off x="838200" y="1165982"/>
+            <a:ext cx="10515600" cy="5010981"/>
+          </a:xfrm>
+        </p:spPr>
+        <p:txBody>
+          <a:bodyPr/>
+          <a:lstStyle/>
+          <a:p>
+            <a:pPr marL="0" indent="0">
+              <a:buNone/>
+            </a:pPr>
+            <a:endParaRPr lang="en-US" dirty="0"/>
+          </a:p>
+        </p:txBody>
+      </p:sp>
+    </p:spTree>
+    <p:extLst>
+      <p:ext uri="{BB962C8B-B14F-4D97-AF65-F5344CB8AC3E}">
+        <p14:creationId xmlns:p14="http://schemas.microsoft.com/office/powerpoint/2010/main" val="2535949224"/>
+      </p:ext>
+    </p:extLst>
+  </p:cSld>
+  <p:clrMapOvr>
+    <a:masterClrMapping/>
+  </p:clrMapOvr>
+</p:sld>
+</file>
+
 <file path=ppt/slides/slide3.xml><?xml version="1.0" encoding="utf-8"?>
 <p:sld xmlns:a="http://schemas.openxmlformats.org/drawingml/2006/main" xmlns:r="http://schemas.openxmlformats.org/officeDocument/2006/relationships" xmlns:p="http://schemas.openxmlformats.org/presentationml/2006/main">
   <p:cSld>
@@ -11326,8 +16169,8 @@
           </a:p>
         </p:txBody>
       </p:sp>
-      <mc:AlternateContent xmlns:mc="http://schemas.openxmlformats.org/markup-compatibility/2006">
-        <mc:Choice xmlns:a14="http://schemas.microsoft.com/office/drawing/2010/main" Requires="a14">
+      <mc:AlternateContent xmlns:mc="http://schemas.openxmlformats.org/markup-compatibility/2006" xmlns:a14="http://schemas.microsoft.com/office/drawing/2010/main">
+        <mc:Choice Requires="a14">
           <p:sp>
             <p:nvSpPr>
               <p:cNvPr id="3" name="Content Placeholder 2">
@@ -12149,13 +16992,7 @@
                           <a:rPr lang="en-US" b="0" i="1" smtClean="0">
                             <a:latin typeface="Cambria Math" panose="02040503050406030204" pitchFamily="18" charset="0"/>
                           </a:rPr>
-                          <m:t>−</m:t>
-                        </m:r>
-                        <m:r>
-                          <a:rPr lang="en-US" b="0" i="1" smtClean="0">
-                            <a:latin typeface="Cambria Math" panose="02040503050406030204" pitchFamily="18" charset="0"/>
-                          </a:rPr>
-                          <m:t>1</m:t>
+                          <m:t>−1</m:t>
                         </m:r>
                       </m:sup>
                     </m:sSup>
@@ -12175,7 +17012,7 @@
             </p:txBody>
           </p:sp>
         </mc:Choice>
-        <mc:Fallback>
+        <mc:Fallback xmlns="">
           <p:sp>
             <p:nvSpPr>
               <p:cNvPr id="3" name="Content Placeholder 2">
@@ -13893,8 +18730,8 @@
           </a:p>
         </p:txBody>
       </p:sp>
-      <mc:AlternateContent xmlns:mc="http://schemas.openxmlformats.org/markup-compatibility/2006">
-        <mc:Choice xmlns:a14="http://schemas.microsoft.com/office/drawing/2010/main" Requires="a14">
+      <mc:AlternateContent xmlns:mc="http://schemas.openxmlformats.org/markup-compatibility/2006" xmlns:a14="http://schemas.microsoft.com/office/drawing/2010/main">
+        <mc:Choice Requires="a14">
           <p:sp>
             <p:nvSpPr>
               <p:cNvPr id="14" name="TextBox 13">
@@ -14423,7 +19260,7 @@
             </p:txBody>
           </p:sp>
         </mc:Choice>
-        <mc:Fallback>
+        <mc:Fallback xmlns="">
           <p:sp>
             <p:nvSpPr>
               <p:cNvPr id="14" name="TextBox 13">
@@ -15335,8 +20172,8 @@
           </p:sp>
         </mc:Fallback>
       </mc:AlternateContent>
-      <mc:AlternateContent xmlns:mc="http://schemas.openxmlformats.org/markup-compatibility/2006">
-        <mc:Choice xmlns:a14="http://schemas.microsoft.com/office/drawing/2010/main" Requires="a14">
+      <mc:AlternateContent xmlns:mc="http://schemas.openxmlformats.org/markup-compatibility/2006" xmlns:a14="http://schemas.microsoft.com/office/drawing/2010/main">
+        <mc:Choice Requires="a14">
           <p:sp>
             <p:nvSpPr>
               <p:cNvPr id="3" name="TextBox 2">
@@ -15443,7 +20280,7 @@
             </p:txBody>
           </p:sp>
         </mc:Choice>
-        <mc:Fallback>
+        <mc:Fallback xmlns="">
           <p:sp>
             <p:nvSpPr>
               <p:cNvPr id="3" name="TextBox 2">
@@ -15686,8 +20523,8 @@
           </p:sp>
         </mc:Fallback>
       </mc:AlternateContent>
-      <mc:AlternateContent xmlns:mc="http://schemas.openxmlformats.org/markup-compatibility/2006">
-        <mc:Choice xmlns:a14="http://schemas.microsoft.com/office/drawing/2010/main" Requires="a14">
+      <mc:AlternateContent xmlns:mc="http://schemas.openxmlformats.org/markup-compatibility/2006" xmlns:a14="http://schemas.microsoft.com/office/drawing/2010/main">
+        <mc:Choice Requires="a14">
           <p:sp>
             <p:nvSpPr>
               <p:cNvPr id="7" name="TextBox 6">
@@ -15988,7 +20825,13 @@
                       <a:rPr lang="en-US" sz="2400" b="0" i="1" smtClean="0">
                         <a:latin typeface="Cambria Math" panose="02040503050406030204" pitchFamily="18" charset="0"/>
                       </a:rPr>
-                      <m:t>0≤</m:t>
+                      <m:t>0</m:t>
+                    </m:r>
+                    <m:r>
+                      <a:rPr lang="en-US" sz="2400" b="0" i="1" smtClean="0">
+                        <a:latin typeface="Cambria Math" panose="02040503050406030204" pitchFamily="18" charset="0"/>
+                      </a:rPr>
+                      <m:t>≤</m:t>
                     </m:r>
                     <m:sSub>
                       <m:sSubPr>
@@ -16329,7 +21172,13 @@
                         <a:rPr lang="en-US" sz="2400" b="0" i="1" smtClean="0">
                           <a:latin typeface="Cambria Math" panose="02040503050406030204" pitchFamily="18" charset="0"/>
                         </a:rPr>
-                        <m:t>0≤</m:t>
+                        <m:t>0</m:t>
+                      </m:r>
+                      <m:r>
+                        <a:rPr lang="en-US" sz="2400" b="0" i="1" smtClean="0">
+                          <a:latin typeface="Cambria Math" panose="02040503050406030204" pitchFamily="18" charset="0"/>
+                        </a:rPr>
+                        <m:t>≤</m:t>
                       </m:r>
                       <m:r>
                         <a:rPr lang="en-US" sz="2400" b="0" i="1" smtClean="0">
@@ -16444,7 +21293,7 @@
             </p:txBody>
           </p:sp>
         </mc:Choice>
-        <mc:Fallback>
+        <mc:Fallback xmlns="">
           <p:sp>
             <p:nvSpPr>
               <p:cNvPr id="7" name="TextBox 6">
@@ -16489,8 +21338,8 @@
           </p:sp>
         </mc:Fallback>
       </mc:AlternateContent>
-      <mc:AlternateContent xmlns:mc="http://schemas.openxmlformats.org/markup-compatibility/2006">
-        <mc:Choice xmlns:a14="http://schemas.microsoft.com/office/drawing/2010/main" Requires="a14">
+      <mc:AlternateContent xmlns:mc="http://schemas.openxmlformats.org/markup-compatibility/2006" xmlns:a14="http://schemas.microsoft.com/office/drawing/2010/main">
+        <mc:Choice Requires="a14">
           <p:sp>
             <p:nvSpPr>
               <p:cNvPr id="8" name="TextBox 7">
@@ -16662,7 +21511,13 @@
                       <a:rPr lang="en-US" sz="2000" b="0" i="1" smtClean="0">
                         <a:latin typeface="Cambria Math" panose="02040503050406030204" pitchFamily="18" charset="0"/>
                       </a:rPr>
-                      <m:t>≥0</m:t>
+                      <m:t>≥</m:t>
+                    </m:r>
+                    <m:r>
+                      <a:rPr lang="en-US" sz="2000" b="0" i="1" smtClean="0">
+                        <a:latin typeface="Cambria Math" panose="02040503050406030204" pitchFamily="18" charset="0"/>
+                      </a:rPr>
+                      <m:t>0</m:t>
                     </m:r>
                   </m:oMath>
                 </a14:m>
@@ -16674,7 +21529,7 @@
             </p:txBody>
           </p:sp>
         </mc:Choice>
-        <mc:Fallback>
+        <mc:Fallback xmlns="">
           <p:sp>
             <p:nvSpPr>
               <p:cNvPr id="8" name="TextBox 7">
@@ -16919,8 +21774,8 @@
           </p:sp>
         </mc:Fallback>
       </mc:AlternateContent>
-      <mc:AlternateContent xmlns:mc="http://schemas.openxmlformats.org/markup-compatibility/2006">
-        <mc:Choice xmlns:a14="http://schemas.microsoft.com/office/drawing/2010/main" Requires="a14">
+      <mc:AlternateContent xmlns:mc="http://schemas.openxmlformats.org/markup-compatibility/2006" xmlns:a14="http://schemas.microsoft.com/office/drawing/2010/main">
+        <mc:Choice Requires="a14">
           <p:sp>
             <p:nvSpPr>
               <p:cNvPr id="5" name="TextBox 4">
@@ -17378,26 +22233,19 @@
                       <a:rPr lang="en-US" sz="2000" b="0" i="1" dirty="0" smtClean="0">
                         <a:latin typeface="Cambria Math" panose="02040503050406030204" pitchFamily="18" charset="0"/>
                       </a:rPr>
-                      <m:t>≥</m:t>
-                    </m:r>
-                    <m:r>
-                      <a:rPr lang="en-US" sz="2000" b="0" i="1" dirty="0" smtClean="0">
-                        <a:latin typeface="Cambria Math" panose="02040503050406030204" pitchFamily="18" charset="0"/>
-                      </a:rPr>
-                      <m:t>0</m:t>
+                      <m:t>≥0</m:t>
                     </m:r>
                   </m:oMath>
                 </a14:m>
                 <a:endParaRPr lang="en-US" sz="2000" dirty="0"/>
               </a:p>
               <a:p>
-                <a:pPr/>
                 <a:endParaRPr lang="en-US" sz="2000" dirty="0"/>
               </a:p>
             </p:txBody>
           </p:sp>
         </mc:Choice>
-        <mc:Fallback>
+        <mc:Fallback xmlns="">
           <p:sp>
             <p:nvSpPr>
               <p:cNvPr id="5" name="TextBox 4">
@@ -17442,8 +22290,8 @@
           </p:sp>
         </mc:Fallback>
       </mc:AlternateContent>
-      <mc:AlternateContent xmlns:mc="http://schemas.openxmlformats.org/markup-compatibility/2006">
-        <mc:Choice xmlns:a14="http://schemas.microsoft.com/office/drawing/2010/main" Requires="a14">
+      <mc:AlternateContent xmlns:mc="http://schemas.openxmlformats.org/markup-compatibility/2006" xmlns:a14="http://schemas.microsoft.com/office/drawing/2010/main">
+        <mc:Choice Requires="a14">
           <p:sp>
             <p:nvSpPr>
               <p:cNvPr id="10" name="TextBox 9">
@@ -18307,19 +23155,7 @@
                           <a:rPr lang="en-US" sz="2000" i="1">
                             <a:latin typeface="Cambria Math" panose="02040503050406030204" pitchFamily="18" charset="0"/>
                           </a:rPr>
-                          <m:t>:</m:t>
-                        </m:r>
-                        <m:r>
-                          <a:rPr lang="en-US" sz="2000" i="1">
-                            <a:latin typeface="Cambria Math" panose="02040503050406030204" pitchFamily="18" charset="0"/>
-                          </a:rPr>
-                          <m:t>0</m:t>
-                        </m:r>
-                        <m:r>
-                          <a:rPr lang="en-US" sz="2000" i="1">
-                            <a:latin typeface="Cambria Math" panose="02040503050406030204" pitchFamily="18" charset="0"/>
-                          </a:rPr>
-                          <m:t>≤</m:t>
+                          <m:t>:0≤</m:t>
                         </m:r>
                         <m:sSub>
                           <m:sSubPr>
@@ -18398,19 +23234,7 @@
                           <a:rPr lang="en-US" sz="2000" i="1">
                             <a:latin typeface="Cambria Math" panose="02040503050406030204" pitchFamily="18" charset="0"/>
                           </a:rPr>
-                          <m:t>,</m:t>
-                        </m:r>
-                        <m:r>
-                          <a:rPr lang="en-US" sz="2000" i="1">
-                            <a:latin typeface="Cambria Math" panose="02040503050406030204" pitchFamily="18" charset="0"/>
-                          </a:rPr>
-                          <m:t>0</m:t>
-                        </m:r>
-                        <m:r>
-                          <a:rPr lang="en-US" sz="2000" i="1">
-                            <a:latin typeface="Cambria Math" panose="02040503050406030204" pitchFamily="18" charset="0"/>
-                          </a:rPr>
-                          <m:t>≤</m:t>
+                          <m:t>,0≤</m:t>
                         </m:r>
                         <m:sSub>
                           <m:sSubPr>
@@ -18768,19 +23592,7 @@
                           <a:rPr lang="en-US" sz="2000" i="1">
                             <a:latin typeface="Cambria Math" panose="02040503050406030204" pitchFamily="18" charset="0"/>
                           </a:rPr>
-                          <m:t>:</m:t>
-                        </m:r>
-                        <m:r>
-                          <a:rPr lang="en-US" sz="2000" i="1">
-                            <a:latin typeface="Cambria Math" panose="02040503050406030204" pitchFamily="18" charset="0"/>
-                          </a:rPr>
-                          <m:t>0</m:t>
-                        </m:r>
-                        <m:r>
-                          <a:rPr lang="en-US" sz="2000" i="1">
-                            <a:latin typeface="Cambria Math" panose="02040503050406030204" pitchFamily="18" charset="0"/>
-                          </a:rPr>
-                          <m:t>≤</m:t>
+                          <m:t>:0≤</m:t>
                         </m:r>
                         <m:acc>
                           <m:accPr>
@@ -18816,19 +23628,7 @@
                           <a:rPr lang="en-US" sz="2000" i="1">
                             <a:latin typeface="Cambria Math" panose="02040503050406030204" pitchFamily="18" charset="0"/>
                           </a:rPr>
-                          <m:t>,</m:t>
-                        </m:r>
-                        <m:r>
-                          <a:rPr lang="en-US" sz="2000" i="1">
-                            <a:latin typeface="Cambria Math" panose="02040503050406030204" pitchFamily="18" charset="0"/>
-                          </a:rPr>
-                          <m:t>0</m:t>
-                        </m:r>
-                        <m:r>
-                          <a:rPr lang="en-US" sz="2000" i="1">
-                            <a:latin typeface="Cambria Math" panose="02040503050406030204" pitchFamily="18" charset="0"/>
-                          </a:rPr>
-                          <m:t>≤</m:t>
+                          <m:t>,0≤</m:t>
                         </m:r>
                         <m:acc>
                           <m:accPr>
@@ -18874,7 +23674,7 @@
             </p:txBody>
           </p:sp>
         </mc:Choice>
-        <mc:Fallback>
+        <mc:Fallback xmlns="">
           <p:sp>
             <p:nvSpPr>
               <p:cNvPr id="10" name="TextBox 9">
